--- a/Presentation/01 - Blazor - Hostingové modely.pptx
+++ b/Presentation/01 - Blazor - Hostingové modely.pptx
@@ -21,10 +21,10 @@
     <p:sldId id="335" r:id="rId15"/>
     <p:sldId id="337" r:id="rId16"/>
     <p:sldId id="336" r:id="rId17"/>
-    <p:sldId id="331" r:id="rId18"/>
-    <p:sldId id="333" r:id="rId19"/>
-    <p:sldId id="330" r:id="rId20"/>
-    <p:sldId id="329" r:id="rId21"/>
+    <p:sldId id="333" r:id="rId18"/>
+    <p:sldId id="329" r:id="rId19"/>
+    <p:sldId id="339" r:id="rId20"/>
+    <p:sldId id="340" r:id="rId21"/>
   </p:sldIdLst>
   <p:sldSz cx="12192000" cy="6858000"/>
   <p:notesSz cx="6858000" cy="9144000"/>
@@ -255,7 +255,7 @@
             <a:fld id="{A74C3DD1-6B4C-423E-A696-BD4124EC33BC}" type="datetimeFigureOut">
               <a:rPr lang="cs-CZ" smtClean="0"/>
               <a:pPr/>
-              <a:t>19.02.2020</a:t>
+              <a:t>11.10.2021</a:t>
             </a:fld>
             <a:endParaRPr lang="cs-CZ" dirty="0"/>
           </a:p>
@@ -722,7 +722,7 @@
           <a:p>
             <a:fld id="{0DA6F2F8-F70A-47D7-AD2D-4F12E71A0C18}" type="datetimeFigureOut">
               <a:rPr lang="cs-CZ" smtClean="0"/>
-              <a:t>19.02.2020</a:t>
+              <a:t>11.10.2021</a:t>
             </a:fld>
             <a:endParaRPr lang="cs-CZ"/>
           </a:p>
@@ -904,7 +904,7 @@
           <a:p>
             <a:fld id="{0DA6F2F8-F70A-47D7-AD2D-4F12E71A0C18}" type="datetimeFigureOut">
               <a:rPr lang="cs-CZ" smtClean="0"/>
-              <a:t>19.02.2020</a:t>
+              <a:t>11.10.2021</a:t>
             </a:fld>
             <a:endParaRPr lang="cs-CZ"/>
           </a:p>
@@ -1096,7 +1096,7 @@
           <a:p>
             <a:fld id="{0DA6F2F8-F70A-47D7-AD2D-4F12E71A0C18}" type="datetimeFigureOut">
               <a:rPr lang="cs-CZ" smtClean="0"/>
-              <a:t>19.02.2020</a:t>
+              <a:t>11.10.2021</a:t>
             </a:fld>
             <a:endParaRPr lang="cs-CZ"/>
           </a:p>
@@ -1311,7 +1311,7 @@
           <a:p>
             <a:fld id="{0DA6F2F8-F70A-47D7-AD2D-4F12E71A0C18}" type="datetimeFigureOut">
               <a:rPr lang="cs-CZ" smtClean="0"/>
-              <a:t>19.02.2020</a:t>
+              <a:t>11.10.2021</a:t>
             </a:fld>
             <a:endParaRPr lang="cs-CZ"/>
           </a:p>
@@ -1586,7 +1586,7 @@
           <a:p>
             <a:fld id="{0DA6F2F8-F70A-47D7-AD2D-4F12E71A0C18}" type="datetimeFigureOut">
               <a:rPr lang="cs-CZ" smtClean="0"/>
-              <a:t>19.02.2020</a:t>
+              <a:t>11.10.2021</a:t>
             </a:fld>
             <a:endParaRPr lang="cs-CZ"/>
           </a:p>
@@ -1903,7 +1903,7 @@
           <a:p>
             <a:fld id="{0DA6F2F8-F70A-47D7-AD2D-4F12E71A0C18}" type="datetimeFigureOut">
               <a:rPr lang="cs-CZ" smtClean="0"/>
-              <a:t>19.02.2020</a:t>
+              <a:t>11.10.2021</a:t>
             </a:fld>
             <a:endParaRPr lang="cs-CZ" dirty="0"/>
           </a:p>
@@ -2354,7 +2354,7 @@
           <a:p>
             <a:fld id="{0DA6F2F8-F70A-47D7-AD2D-4F12E71A0C18}" type="datetimeFigureOut">
               <a:rPr lang="cs-CZ" smtClean="0"/>
-              <a:t>19.02.2020</a:t>
+              <a:t>11.10.2021</a:t>
             </a:fld>
             <a:endParaRPr lang="cs-CZ"/>
           </a:p>
@@ -2501,7 +2501,7 @@
           <a:p>
             <a:fld id="{0DA6F2F8-F70A-47D7-AD2D-4F12E71A0C18}" type="datetimeFigureOut">
               <a:rPr lang="cs-CZ" smtClean="0"/>
-              <a:t>19.02.2020</a:t>
+              <a:t>11.10.2021</a:t>
             </a:fld>
             <a:endParaRPr lang="cs-CZ"/>
           </a:p>
@@ -2608,7 +2608,7 @@
           <a:p>
             <a:fld id="{0DA6F2F8-F70A-47D7-AD2D-4F12E71A0C18}" type="datetimeFigureOut">
               <a:rPr lang="cs-CZ" smtClean="0"/>
-              <a:t>19.02.2020</a:t>
+              <a:t>11.10.2021</a:t>
             </a:fld>
             <a:endParaRPr lang="cs-CZ"/>
           </a:p>
@@ -2899,7 +2899,7 @@
           <a:p>
             <a:fld id="{0DA6F2F8-F70A-47D7-AD2D-4F12E71A0C18}" type="datetimeFigureOut">
               <a:rPr lang="cs-CZ" smtClean="0"/>
-              <a:t>19.02.2020</a:t>
+              <a:t>11.10.2021</a:t>
             </a:fld>
             <a:endParaRPr lang="cs-CZ"/>
           </a:p>
@@ -3168,7 +3168,7 @@
           <a:p>
             <a:fld id="{0DA6F2F8-F70A-47D7-AD2D-4F12E71A0C18}" type="datetimeFigureOut">
               <a:rPr lang="cs-CZ" smtClean="0"/>
-              <a:t>19.02.2020</a:t>
+              <a:t>11.10.2021</a:t>
             </a:fld>
             <a:endParaRPr lang="cs-CZ"/>
           </a:p>
@@ -3432,7 +3432,7 @@
           <a:p>
             <a:fld id="{0DA6F2F8-F70A-47D7-AD2D-4F12E71A0C18}" type="datetimeFigureOut">
               <a:rPr lang="cs-CZ" smtClean="0"/>
-              <a:t>19.02.2020</a:t>
+              <a:t>11.10.2021</a:t>
             </a:fld>
             <a:endParaRPr lang="cs-CZ"/>
           </a:p>
@@ -3898,11 +3898,11 @@
   <p:clrMapOvr>
     <a:masterClrMapping/>
   </p:clrMapOvr>
-  <mc:AlternateContent xmlns:mc="http://schemas.openxmlformats.org/markup-compatibility/2006">
-    <mc:Choice xmlns:p14="http://schemas.microsoft.com/office/powerpoint/2010/main" Requires="p14">
+  <mc:AlternateContent xmlns:mc="http://schemas.openxmlformats.org/markup-compatibility/2006" xmlns:p14="http://schemas.microsoft.com/office/powerpoint/2010/main">
+    <mc:Choice Requires="p14">
       <p:transition p14:dur="0"/>
     </mc:Choice>
-    <mc:Fallback>
+    <mc:Fallback xmlns="">
       <p:transition/>
     </mc:Fallback>
   </mc:AlternateContent>
@@ -4361,11 +4361,11 @@
   <p:clrMapOvr>
     <a:masterClrMapping/>
   </p:clrMapOvr>
-  <mc:AlternateContent xmlns:mc="http://schemas.openxmlformats.org/markup-compatibility/2006">
-    <mc:Choice xmlns:p14="http://schemas.microsoft.com/office/powerpoint/2010/main" Requires="p14">
+  <mc:AlternateContent xmlns:mc="http://schemas.openxmlformats.org/markup-compatibility/2006" xmlns:p14="http://schemas.microsoft.com/office/powerpoint/2010/main">
+    <mc:Choice Requires="p14">
       <p:transition p14:dur="0"/>
     </mc:Choice>
-    <mc:Fallback>
+    <mc:Fallback xmlns="">
       <p:transition/>
     </mc:Fallback>
   </mc:AlternateContent>
@@ -4506,11 +4506,11 @@
   <p:clrMapOvr>
     <a:masterClrMapping/>
   </p:clrMapOvr>
-  <mc:AlternateContent xmlns:mc="http://schemas.openxmlformats.org/markup-compatibility/2006">
-    <mc:Choice xmlns:p14="http://schemas.microsoft.com/office/powerpoint/2010/main" Requires="p14">
+  <mc:AlternateContent xmlns:mc="http://schemas.openxmlformats.org/markup-compatibility/2006" xmlns:p14="http://schemas.microsoft.com/office/powerpoint/2010/main">
+    <mc:Choice Requires="p14">
       <p:transition p14:dur="0"/>
     </mc:Choice>
-    <mc:Fallback>
+    <mc:Fallback xmlns="">
       <p:transition/>
     </mc:Fallback>
   </mc:AlternateContent>
@@ -4651,11 +4651,11 @@
   <p:clrMapOvr>
     <a:masterClrMapping/>
   </p:clrMapOvr>
-  <mc:AlternateContent xmlns:mc="http://schemas.openxmlformats.org/markup-compatibility/2006">
-    <mc:Choice xmlns:p14="http://schemas.microsoft.com/office/powerpoint/2010/main" Requires="p14">
+  <mc:AlternateContent xmlns:mc="http://schemas.openxmlformats.org/markup-compatibility/2006" xmlns:p14="http://schemas.microsoft.com/office/powerpoint/2010/main">
+    <mc:Choice Requires="p14">
       <p:transition p14:dur="0"/>
     </mc:Choice>
-    <mc:Fallback>
+    <mc:Fallback xmlns="">
       <p:transition/>
     </mc:Fallback>
   </mc:AlternateContent>
@@ -4794,11 +4794,11 @@
   <p:clrMapOvr>
     <a:masterClrMapping/>
   </p:clrMapOvr>
-  <mc:AlternateContent xmlns:mc="http://schemas.openxmlformats.org/markup-compatibility/2006">
-    <mc:Choice xmlns:p14="http://schemas.microsoft.com/office/powerpoint/2010/main" Requires="p14">
+  <mc:AlternateContent xmlns:mc="http://schemas.openxmlformats.org/markup-compatibility/2006" xmlns:p14="http://schemas.microsoft.com/office/powerpoint/2010/main">
+    <mc:Choice Requires="p14">
       <p:transition p14:dur="0"/>
     </mc:Choice>
-    <mc:Fallback>
+    <mc:Fallback xmlns="">
       <p:transition/>
     </mc:Fallback>
   </mc:AlternateContent>
@@ -4827,399 +4827,6 @@
           <p:cNvPr id="2" name="Title 1">
             <a:extLst>
               <a:ext uri="{FF2B5EF4-FFF2-40B4-BE49-F238E27FC236}">
-                <a16:creationId xmlns:a16="http://schemas.microsoft.com/office/drawing/2014/main" id="{ACD14574-FA03-475F-BD33-F8A2EBBC06D2}"/>
-              </a:ext>
-            </a:extLst>
-          </p:cNvPr>
-          <p:cNvSpPr>
-            <a:spLocks noGrp="1"/>
-          </p:cNvSpPr>
-          <p:nvPr>
-            <p:ph type="title"/>
-          </p:nvPr>
-        </p:nvSpPr>
-        <p:spPr/>
-        <p:txBody>
-          <a:bodyPr/>
-          <a:lstStyle/>
-          <a:p>
-            <a:endParaRPr lang="cs-CZ"/>
-          </a:p>
-        </p:txBody>
-      </p:sp>
-      <p:sp>
-        <p:nvSpPr>
-          <p:cNvPr id="3" name="Content Placeholder 2">
-            <a:extLst>
-              <a:ext uri="{FF2B5EF4-FFF2-40B4-BE49-F238E27FC236}">
-                <a16:creationId xmlns:a16="http://schemas.microsoft.com/office/drawing/2014/main" id="{4E059203-6BBE-465F-9CB9-722C07D18ECB}"/>
-              </a:ext>
-            </a:extLst>
-          </p:cNvPr>
-          <p:cNvSpPr>
-            <a:spLocks noGrp="1"/>
-          </p:cNvSpPr>
-          <p:nvPr>
-            <p:ph idx="1"/>
-          </p:nvPr>
-        </p:nvSpPr>
-        <p:spPr/>
-        <p:txBody>
-          <a:bodyPr/>
-          <a:lstStyle/>
-          <a:p>
-            <a:endParaRPr lang="cs-CZ" dirty="0"/>
-          </a:p>
-        </p:txBody>
-      </p:sp>
-      <p:pic>
-        <p:nvPicPr>
-          <p:cNvPr id="4" name="Picture 3">
-            <a:extLst>
-              <a:ext uri="{FF2B5EF4-FFF2-40B4-BE49-F238E27FC236}">
-                <a16:creationId xmlns:a16="http://schemas.microsoft.com/office/drawing/2014/main" id="{358464AD-EB6D-449D-8A01-146DD29F2DA4}"/>
-              </a:ext>
-            </a:extLst>
-          </p:cNvPr>
-          <p:cNvPicPr>
-            <a:picLocks noChangeAspect="1"/>
-          </p:cNvPicPr>
-          <p:nvPr/>
-        </p:nvPicPr>
-        <p:blipFill>
-          <a:blip r:embed="rId2"/>
-          <a:stretch>
-            <a:fillRect/>
-          </a:stretch>
-        </p:blipFill>
-        <p:spPr>
-          <a:xfrm>
-            <a:off x="695400" y="1638784"/>
-            <a:ext cx="4305901" cy="4448796"/>
-          </a:xfrm>
-          <a:prstGeom prst="rect">
-            <a:avLst/>
-          </a:prstGeom>
-        </p:spPr>
-      </p:pic>
-      <p:pic>
-        <p:nvPicPr>
-          <p:cNvPr id="5" name="Picture 4">
-            <a:extLst>
-              <a:ext uri="{FF2B5EF4-FFF2-40B4-BE49-F238E27FC236}">
-                <a16:creationId xmlns:a16="http://schemas.microsoft.com/office/drawing/2014/main" id="{347EFF57-408E-422D-B446-AAAD4E217BA8}"/>
-              </a:ext>
-            </a:extLst>
-          </p:cNvPr>
-          <p:cNvPicPr>
-            <a:picLocks noChangeAspect="1"/>
-          </p:cNvPicPr>
-          <p:nvPr/>
-        </p:nvPicPr>
-        <p:blipFill>
-          <a:blip r:embed="rId3"/>
-          <a:stretch>
-            <a:fillRect/>
-          </a:stretch>
-        </p:blipFill>
-        <p:spPr>
-          <a:xfrm>
-            <a:off x="5582572" y="1643648"/>
-            <a:ext cx="5992061" cy="4505954"/>
-          </a:xfrm>
-          <a:prstGeom prst="rect">
-            <a:avLst/>
-          </a:prstGeom>
-        </p:spPr>
-      </p:pic>
-      <p:sp>
-        <p:nvSpPr>
-          <p:cNvPr id="7" name="Mrak 8">
-            <a:extLst>
-              <a:ext uri="{FF2B5EF4-FFF2-40B4-BE49-F238E27FC236}">
-                <a16:creationId xmlns:a16="http://schemas.microsoft.com/office/drawing/2014/main" id="{3E61696A-4AF2-4426-B0A1-3DFF7C2849B4}"/>
-              </a:ext>
-            </a:extLst>
-          </p:cNvPr>
-          <p:cNvSpPr/>
-          <p:nvPr/>
-        </p:nvSpPr>
-        <p:spPr>
-          <a:xfrm>
-            <a:off x="6600056" y="3284984"/>
-            <a:ext cx="4392488" cy="2051200"/>
-          </a:xfrm>
-          <a:prstGeom prst="cloud">
-            <a:avLst/>
-          </a:prstGeom>
-        </p:spPr>
-        <p:style>
-          <a:lnRef idx="2">
-            <a:schemeClr val="accent5">
-              <a:shade val="50000"/>
-            </a:schemeClr>
-          </a:lnRef>
-          <a:fillRef idx="1">
-            <a:schemeClr val="accent5"/>
-          </a:fillRef>
-          <a:effectRef idx="0">
-            <a:schemeClr val="accent5"/>
-          </a:effectRef>
-          <a:fontRef idx="minor">
-            <a:schemeClr val="lt1"/>
-          </a:fontRef>
-        </p:style>
-        <p:txBody>
-          <a:bodyPr rtlCol="0" anchor="ctr"/>
-          <a:lstStyle/>
-          <a:p>
-            <a:pPr algn="ctr"/>
-            <a:r>
-              <a:rPr lang="cs-CZ" sz="2800" dirty="0"/>
-              <a:t>ASP.NET Core 3.0</a:t>
-            </a:r>
-          </a:p>
-        </p:txBody>
-      </p:sp>
-      <p:sp>
-        <p:nvSpPr>
-          <p:cNvPr id="8" name="Mrak 8">
-            <a:extLst>
-              <a:ext uri="{FF2B5EF4-FFF2-40B4-BE49-F238E27FC236}">
-                <a16:creationId xmlns:a16="http://schemas.microsoft.com/office/drawing/2014/main" id="{0019092A-0CE3-4D97-9ACB-F7FCBEBC286A}"/>
-              </a:ext>
-            </a:extLst>
-          </p:cNvPr>
-          <p:cNvSpPr/>
-          <p:nvPr/>
-        </p:nvSpPr>
-        <p:spPr>
-          <a:xfrm>
-            <a:off x="767408" y="3284984"/>
-            <a:ext cx="4392488" cy="2051200"/>
-          </a:xfrm>
-          <a:prstGeom prst="cloud">
-            <a:avLst/>
-          </a:prstGeom>
-        </p:spPr>
-        <p:style>
-          <a:lnRef idx="2">
-            <a:schemeClr val="accent2">
-              <a:shade val="50000"/>
-            </a:schemeClr>
-          </a:lnRef>
-          <a:fillRef idx="1">
-            <a:schemeClr val="accent2"/>
-          </a:fillRef>
-          <a:effectRef idx="0">
-            <a:schemeClr val="accent2"/>
-          </a:effectRef>
-          <a:fontRef idx="minor">
-            <a:schemeClr val="lt1"/>
-          </a:fontRef>
-        </p:style>
-        <p:txBody>
-          <a:bodyPr rtlCol="0" anchor="ctr"/>
-          <a:lstStyle/>
-          <a:p>
-            <a:pPr algn="ctr"/>
-            <a:r>
-              <a:rPr lang="cs-CZ" sz="2800" b="1" dirty="0"/>
-              <a:t>in preview</a:t>
-            </a:r>
-            <a:br>
-              <a:rPr lang="cs-CZ" sz="2800" dirty="0"/>
-            </a:br>
-            <a:r>
-              <a:rPr lang="cs-CZ" sz="2800" dirty="0"/>
-              <a:t>ASP.NET Core 3.1</a:t>
-            </a:r>
-          </a:p>
-        </p:txBody>
-      </p:sp>
-    </p:spTree>
-    <p:extLst>
-      <p:ext uri="{BB962C8B-B14F-4D97-AF65-F5344CB8AC3E}">
-        <p14:creationId xmlns:p14="http://schemas.microsoft.com/office/powerpoint/2010/main" val="3654737541"/>
-      </p:ext>
-    </p:extLst>
-  </p:cSld>
-  <p:clrMapOvr>
-    <a:masterClrMapping/>
-  </p:clrMapOvr>
-  <mc:AlternateContent xmlns:mc="http://schemas.openxmlformats.org/markup-compatibility/2006">
-    <mc:Choice xmlns:p14="http://schemas.microsoft.com/office/powerpoint/2010/main" Requires="p14">
-      <p:transition p14:dur="0"/>
-    </mc:Choice>
-    <mc:Fallback>
-      <p:transition/>
-    </mc:Fallback>
-  </mc:AlternateContent>
-  <p:timing>
-    <p:tnLst>
-      <p:par>
-        <p:cTn id="1" dur="indefinite" restart="never" nodeType="tmRoot">
-          <p:childTnLst>
-            <p:seq concurrent="1" nextAc="seek">
-              <p:cTn id="2" dur="indefinite" nodeType="mainSeq">
-                <p:childTnLst>
-                  <p:par>
-                    <p:cTn id="3" fill="hold">
-                      <p:stCondLst>
-                        <p:cond delay="indefinite"/>
-                      </p:stCondLst>
-                      <p:childTnLst>
-                        <p:par>
-                          <p:cTn id="4" fill="hold">
-                            <p:stCondLst>
-                              <p:cond delay="0"/>
-                            </p:stCondLst>
-                            <p:childTnLst>
-                              <p:par>
-                                <p:cTn id="5" presetID="10" presetClass="entr" presetSubtype="0" fill="hold" grpId="0" nodeType="clickEffect">
-                                  <p:stCondLst>
-                                    <p:cond delay="0"/>
-                                  </p:stCondLst>
-                                  <p:childTnLst>
-                                    <p:set>
-                                      <p:cBhvr>
-                                        <p:cTn id="6" dur="1" fill="hold">
-                                          <p:stCondLst>
-                                            <p:cond delay="0"/>
-                                          </p:stCondLst>
-                                        </p:cTn>
-                                        <p:tgtEl>
-                                          <p:spTgt spid="7"/>
-                                        </p:tgtEl>
-                                        <p:attrNameLst>
-                                          <p:attrName>style.visibility</p:attrName>
-                                        </p:attrNameLst>
-                                      </p:cBhvr>
-                                      <p:to>
-                                        <p:strVal val="visible"/>
-                                      </p:to>
-                                    </p:set>
-                                    <p:animEffect transition="in" filter="fade">
-                                      <p:cBhvr>
-                                        <p:cTn id="7" dur="500"/>
-                                        <p:tgtEl>
-                                          <p:spTgt spid="7"/>
-                                        </p:tgtEl>
-                                      </p:cBhvr>
-                                    </p:animEffect>
-                                  </p:childTnLst>
-                                </p:cTn>
-                              </p:par>
-                            </p:childTnLst>
-                          </p:cTn>
-                        </p:par>
-                      </p:childTnLst>
-                    </p:cTn>
-                  </p:par>
-                  <p:par>
-                    <p:cTn id="8" fill="hold">
-                      <p:stCondLst>
-                        <p:cond delay="indefinite"/>
-                      </p:stCondLst>
-                      <p:childTnLst>
-                        <p:par>
-                          <p:cTn id="9" fill="hold">
-                            <p:stCondLst>
-                              <p:cond delay="0"/>
-                            </p:stCondLst>
-                            <p:childTnLst>
-                              <p:par>
-                                <p:cTn id="10" presetID="10" presetClass="entr" presetSubtype="0" fill="hold" grpId="0" nodeType="clickEffect">
-                                  <p:stCondLst>
-                                    <p:cond delay="0"/>
-                                  </p:stCondLst>
-                                  <p:childTnLst>
-                                    <p:set>
-                                      <p:cBhvr>
-                                        <p:cTn id="11" dur="1" fill="hold">
-                                          <p:stCondLst>
-                                            <p:cond delay="0"/>
-                                          </p:stCondLst>
-                                        </p:cTn>
-                                        <p:tgtEl>
-                                          <p:spTgt spid="8"/>
-                                        </p:tgtEl>
-                                        <p:attrNameLst>
-                                          <p:attrName>style.visibility</p:attrName>
-                                        </p:attrNameLst>
-                                      </p:cBhvr>
-                                      <p:to>
-                                        <p:strVal val="visible"/>
-                                      </p:to>
-                                    </p:set>
-                                    <p:animEffect transition="in" filter="fade">
-                                      <p:cBhvr>
-                                        <p:cTn id="12" dur="500"/>
-                                        <p:tgtEl>
-                                          <p:spTgt spid="8"/>
-                                        </p:tgtEl>
-                                      </p:cBhvr>
-                                    </p:animEffect>
-                                  </p:childTnLst>
-                                </p:cTn>
-                              </p:par>
-                            </p:childTnLst>
-                          </p:cTn>
-                        </p:par>
-                      </p:childTnLst>
-                    </p:cTn>
-                  </p:par>
-                </p:childTnLst>
-              </p:cTn>
-              <p:prevCondLst>
-                <p:cond evt="onPrev" delay="0">
-                  <p:tgtEl>
-                    <p:sldTgt/>
-                  </p:tgtEl>
-                </p:cond>
-              </p:prevCondLst>
-              <p:nextCondLst>
-                <p:cond evt="onNext" delay="0">
-                  <p:tgtEl>
-                    <p:sldTgt/>
-                  </p:tgtEl>
-                </p:cond>
-              </p:nextCondLst>
-            </p:seq>
-          </p:childTnLst>
-        </p:cTn>
-      </p:par>
-    </p:tnLst>
-    <p:bldLst>
-      <p:bldP spid="7" grpId="0" animBg="1"/>
-      <p:bldP spid="8" grpId="0" animBg="1"/>
-    </p:bldLst>
-  </p:timing>
-</p:sld>
-</file>
-
-<file path=ppt/slides/slide15.xml><?xml version="1.0" encoding="utf-8"?>
-<p:sld xmlns:a="http://schemas.openxmlformats.org/drawingml/2006/main" xmlns:r="http://schemas.openxmlformats.org/officeDocument/2006/relationships" xmlns:p="http://schemas.openxmlformats.org/presentationml/2006/main">
-  <p:cSld>
-    <p:spTree>
-      <p:nvGrpSpPr>
-        <p:cNvPr id="1" name=""/>
-        <p:cNvGrpSpPr/>
-        <p:nvPr/>
-      </p:nvGrpSpPr>
-      <p:grpSpPr>
-        <a:xfrm>
-          <a:off x="0" y="0"/>
-          <a:ext cx="0" cy="0"/>
-          <a:chOff x="0" y="0"/>
-          <a:chExt cx="0" cy="0"/>
-        </a:xfrm>
-      </p:grpSpPr>
-      <p:sp>
-        <p:nvSpPr>
-          <p:cNvPr id="2" name="Title 1">
-            <a:extLst>
-              <a:ext uri="{FF2B5EF4-FFF2-40B4-BE49-F238E27FC236}">
                 <a16:creationId xmlns:a16="http://schemas.microsoft.com/office/drawing/2014/main" id="{DAD29EF0-D050-4921-A2B0-AFC5780DC389}"/>
               </a:ext>
             </a:extLst>
@@ -5309,6 +4916,26 @@
                 </a:solidFill>
               </a:rPr>
               <a:t>Safari (vč. iOS)</a:t>
+            </a:r>
+          </a:p>
+          <a:p>
+            <a:endParaRPr lang="cs-CZ" dirty="0">
+              <a:solidFill>
+                <a:srgbClr val="00B050"/>
+              </a:solidFill>
+            </a:endParaRPr>
+          </a:p>
+          <a:p>
+            <a:pPr marL="0" indent="0">
+              <a:buNone/>
+            </a:pPr>
+            <a:r>
+              <a:rPr lang="cs-CZ" dirty="0">
+                <a:solidFill>
+                  <a:srgbClr val="00B050"/>
+                </a:solidFill>
+              </a:rPr>
+              <a:t>Vždy jen poslední verze.</a:t>
             </a:r>
           </a:p>
           <a:p>
@@ -5383,11 +5010,11 @@
   <p:clrMapOvr>
     <a:masterClrMapping/>
   </p:clrMapOvr>
-  <mc:AlternateContent xmlns:mc="http://schemas.openxmlformats.org/markup-compatibility/2006">
-    <mc:Choice xmlns:p14="http://schemas.microsoft.com/office/powerpoint/2010/main" Requires="p14">
+  <mc:AlternateContent xmlns:mc="http://schemas.openxmlformats.org/markup-compatibility/2006" xmlns:p14="http://schemas.microsoft.com/office/powerpoint/2010/main">
+    <mc:Choice Requires="p14">
       <p:transition p14:dur="0"/>
     </mc:Choice>
-    <mc:Fallback>
+    <mc:Fallback xmlns="">
       <p:transition/>
     </mc:Fallback>
   </mc:AlternateContent>
@@ -5538,181 +5165,7 @@
 </p:sld>
 </file>
 
-<file path=ppt/slides/slide16.xml><?xml version="1.0" encoding="utf-8"?>
-<p:sld xmlns:a="http://schemas.openxmlformats.org/drawingml/2006/main" xmlns:r="http://schemas.openxmlformats.org/officeDocument/2006/relationships" xmlns:p="http://schemas.openxmlformats.org/presentationml/2006/main">
-  <p:cSld>
-    <p:spTree>
-      <p:nvGrpSpPr>
-        <p:cNvPr id="1" name=""/>
-        <p:cNvGrpSpPr/>
-        <p:nvPr/>
-      </p:nvGrpSpPr>
-      <p:grpSpPr>
-        <a:xfrm>
-          <a:off x="0" y="0"/>
-          <a:ext cx="0" cy="0"/>
-          <a:chOff x="0" y="0"/>
-          <a:chExt cx="0" cy="0"/>
-        </a:xfrm>
-      </p:grpSpPr>
-      <p:sp>
-        <p:nvSpPr>
-          <p:cNvPr id="2" name="Title 1">
-            <a:extLst>
-              <a:ext uri="{FF2B5EF4-FFF2-40B4-BE49-F238E27FC236}">
-                <a16:creationId xmlns:a16="http://schemas.microsoft.com/office/drawing/2014/main" id="{A8611ADD-3FAD-448A-AB34-0A8AAE91B659}"/>
-              </a:ext>
-            </a:extLst>
-          </p:cNvPr>
-          <p:cNvSpPr>
-            <a:spLocks noGrp="1"/>
-          </p:cNvSpPr>
-          <p:nvPr>
-            <p:ph type="title"/>
-          </p:nvPr>
-        </p:nvSpPr>
-        <p:spPr/>
-        <p:txBody>
-          <a:bodyPr/>
-          <a:lstStyle/>
-          <a:p>
-            <a:r>
-              <a:rPr lang="cs-CZ" dirty="0"/>
-              <a:t>Jak začít</a:t>
-            </a:r>
-          </a:p>
-        </p:txBody>
-      </p:sp>
-      <p:sp>
-        <p:nvSpPr>
-          <p:cNvPr id="3" name="Content Placeholder 2">
-            <a:extLst>
-              <a:ext uri="{FF2B5EF4-FFF2-40B4-BE49-F238E27FC236}">
-                <a16:creationId xmlns:a16="http://schemas.microsoft.com/office/drawing/2014/main" id="{16B75264-C674-4673-9252-25822C3168E7}"/>
-              </a:ext>
-            </a:extLst>
-          </p:cNvPr>
-          <p:cNvSpPr>
-            <a:spLocks noGrp="1"/>
-          </p:cNvSpPr>
-          <p:nvPr>
-            <p:ph idx="1"/>
-          </p:nvPr>
-        </p:nvSpPr>
-        <p:spPr/>
-        <p:txBody>
-          <a:bodyPr/>
-          <a:lstStyle/>
-          <a:p>
-            <a:r>
-              <a:rPr lang="cs-CZ" dirty="0">
-                <a:hlinkClick r:id="rId2"/>
-              </a:rPr>
-              <a:t>https://dotnet.microsoft.com/apps/aspnet/web-apps/blazor</a:t>
-            </a:r>
-            <a:endParaRPr lang="cs-CZ" dirty="0"/>
-          </a:p>
-          <a:p>
-            <a:endParaRPr lang="cs-CZ" dirty="0"/>
-          </a:p>
-          <a:p>
-            <a:r>
-              <a:rPr lang="cs-CZ" dirty="0"/>
-              <a:t>Microsoft Visual Studio 2019 16.4+</a:t>
-            </a:r>
-          </a:p>
-          <a:p>
-            <a:endParaRPr lang="cs-CZ" dirty="0"/>
-          </a:p>
-          <a:p>
-            <a:r>
-              <a:rPr lang="cs-CZ" dirty="0"/>
-              <a:t>.NET Core 3.1 SDK.</a:t>
-            </a:r>
-          </a:p>
-          <a:p>
-            <a:r>
-              <a:rPr lang="cs-CZ" dirty="0"/>
-              <a:t>dotnet new -i Microsoft.AspNetCore.Blazor.Templates::3.2.0-preview1.20073.1</a:t>
-            </a:r>
-          </a:p>
-          <a:p>
-            <a:endParaRPr lang="cs-CZ" dirty="0"/>
-          </a:p>
-          <a:p>
-            <a:endParaRPr lang="cs-CZ" dirty="0"/>
-          </a:p>
-        </p:txBody>
-      </p:sp>
-      <p:pic>
-        <p:nvPicPr>
-          <p:cNvPr id="3074" name="Picture 2" descr="Image result for starting">
-            <a:extLst>
-              <a:ext uri="{FF2B5EF4-FFF2-40B4-BE49-F238E27FC236}">
-                <a16:creationId xmlns:a16="http://schemas.microsoft.com/office/drawing/2014/main" id="{BA288EF4-412F-4F5D-A702-FF9BBE6557A0}"/>
-              </a:ext>
-            </a:extLst>
-          </p:cNvPr>
-          <p:cNvPicPr>
-            <a:picLocks noChangeAspect="1" noChangeArrowheads="1"/>
-          </p:cNvPicPr>
-          <p:nvPr/>
-        </p:nvPicPr>
-        <p:blipFill>
-          <a:blip r:embed="rId3" cstate="print">
-            <a:extLst>
-              <a:ext uri="{28A0092B-C50C-407E-A947-70E740481C1C}">
-                <a14:useLocalDpi xmlns:a14="http://schemas.microsoft.com/office/drawing/2010/main" val="0"/>
-              </a:ext>
-            </a:extLst>
-          </a:blip>
-          <a:srcRect/>
-          <a:stretch>
-            <a:fillRect/>
-          </a:stretch>
-        </p:blipFill>
-        <p:spPr bwMode="auto">
-          <a:xfrm>
-            <a:off x="9143724" y="116633"/>
-            <a:ext cx="2914310" cy="1944216"/>
-          </a:xfrm>
-          <a:prstGeom prst="rect">
-            <a:avLst/>
-          </a:prstGeom>
-          <a:noFill/>
-          <a:extLst>
-            <a:ext uri="{909E8E84-426E-40DD-AFC4-6F175D3DCCD1}">
-              <a14:hiddenFill xmlns:a14="http://schemas.microsoft.com/office/drawing/2010/main">
-                <a:solidFill>
-                  <a:srgbClr val="FFFFFF"/>
-                </a:solidFill>
-              </a14:hiddenFill>
-            </a:ext>
-          </a:extLst>
-        </p:spPr>
-      </p:pic>
-    </p:spTree>
-    <p:extLst>
-      <p:ext uri="{BB962C8B-B14F-4D97-AF65-F5344CB8AC3E}">
-        <p14:creationId xmlns:p14="http://schemas.microsoft.com/office/powerpoint/2010/main" val="4079525184"/>
-      </p:ext>
-    </p:extLst>
-  </p:cSld>
-  <p:clrMapOvr>
-    <a:masterClrMapping/>
-  </p:clrMapOvr>
-  <mc:AlternateContent xmlns:mc="http://schemas.openxmlformats.org/markup-compatibility/2006">
-    <mc:Choice xmlns:p14="http://schemas.microsoft.com/office/powerpoint/2010/main" Requires="p14">
-      <p:transition p14:dur="0"/>
-    </mc:Choice>
-    <mc:Fallback>
-      <p:transition/>
-    </mc:Fallback>
-  </mc:AlternateContent>
-</p:sld>
-</file>
-
-<file path=ppt/slides/slide17.xml><?xml version="1.0" encoding="utf-8"?>
+<file path=ppt/slides/slide15.xml><?xml version="1.0" encoding="utf-8"?>
 <p:sld xmlns:a="http://schemas.openxmlformats.org/drawingml/2006/main" xmlns:r="http://schemas.openxmlformats.org/officeDocument/2006/relationships" xmlns:p="http://schemas.openxmlformats.org/presentationml/2006/main">
   <p:cSld>
     <p:spTree>
@@ -5892,12 +5345,514 @@
   <p:clrMapOvr>
     <a:masterClrMapping/>
   </p:clrMapOvr>
-  <mc:AlternateContent xmlns:mc="http://schemas.openxmlformats.org/markup-compatibility/2006">
-    <mc:Choice xmlns:p14="http://schemas.microsoft.com/office/powerpoint/2010/main" Requires="p14">
+  <mc:AlternateContent xmlns:mc="http://schemas.openxmlformats.org/markup-compatibility/2006" xmlns:p14="http://schemas.microsoft.com/office/powerpoint/2010/main">
+    <mc:Choice Requires="p14">
       <p:transition p14:dur="0"/>
     </mc:Choice>
-    <mc:Fallback>
+    <mc:Fallback xmlns="">
       <p:transition/>
+    </mc:Fallback>
+  </mc:AlternateContent>
+</p:sld>
+</file>
+
+<file path=ppt/slides/slide16.xml><?xml version="1.0" encoding="utf-8"?>
+<p:sld xmlns:a="http://schemas.openxmlformats.org/drawingml/2006/main" xmlns:r="http://schemas.openxmlformats.org/officeDocument/2006/relationships" xmlns:p="http://schemas.openxmlformats.org/presentationml/2006/main">
+  <p:cSld>
+    <p:spTree>
+      <p:nvGrpSpPr>
+        <p:cNvPr id="1" name=""/>
+        <p:cNvGrpSpPr/>
+        <p:nvPr/>
+      </p:nvGrpSpPr>
+      <p:grpSpPr>
+        <a:xfrm>
+          <a:off x="0" y="0"/>
+          <a:ext cx="0" cy="0"/>
+          <a:chOff x="0" y="0"/>
+          <a:chExt cx="0" cy="0"/>
+        </a:xfrm>
+      </p:grpSpPr>
+      <p:pic>
+        <p:nvPicPr>
+          <p:cNvPr id="2" name="Picture 1">
+            <a:extLst>
+              <a:ext uri="{FF2B5EF4-FFF2-40B4-BE49-F238E27FC236}">
+                <a16:creationId xmlns:a16="http://schemas.microsoft.com/office/drawing/2014/main" id="{57989F37-1F45-4E56-A6A4-73EA8724F81F}"/>
+              </a:ext>
+            </a:extLst>
+          </p:cNvPr>
+          <p:cNvPicPr>
+            <a:picLocks noChangeAspect="1"/>
+          </p:cNvPicPr>
+          <p:nvPr/>
+        </p:nvPicPr>
+        <p:blipFill>
+          <a:blip r:embed="rId2"/>
+          <a:stretch>
+            <a:fillRect/>
+          </a:stretch>
+        </p:blipFill>
+        <p:spPr>
+          <a:xfrm>
+            <a:off x="727913" y="1066470"/>
+            <a:ext cx="10736173" cy="4725059"/>
+          </a:xfrm>
+          <a:prstGeom prst="rect">
+            <a:avLst/>
+          </a:prstGeom>
+        </p:spPr>
+      </p:pic>
+    </p:spTree>
+    <p:extLst>
+      <p:ext uri="{BB962C8B-B14F-4D97-AF65-F5344CB8AC3E}">
+        <p14:creationId xmlns:p14="http://schemas.microsoft.com/office/powerpoint/2010/main" val="736033462"/>
+      </p:ext>
+    </p:extLst>
+  </p:cSld>
+  <p:clrMapOvr>
+    <a:masterClrMapping/>
+  </p:clrMapOvr>
+  <mc:AlternateContent xmlns:mc="http://schemas.openxmlformats.org/markup-compatibility/2006" xmlns:p14="http://schemas.microsoft.com/office/powerpoint/2010/main">
+    <mc:Choice Requires="p14">
+      <p:transition spd="med" p14:dur="700">
+        <p:fade/>
+      </p:transition>
+    </mc:Choice>
+    <mc:Fallback xmlns="">
+      <p:transition spd="med">
+        <p:fade/>
+      </p:transition>
+    </mc:Fallback>
+  </mc:AlternateContent>
+</p:sld>
+</file>
+
+<file path=ppt/slides/slide17.xml><?xml version="1.0" encoding="utf-8"?>
+<p:sld xmlns:a="http://schemas.openxmlformats.org/drawingml/2006/main" xmlns:r="http://schemas.openxmlformats.org/officeDocument/2006/relationships" xmlns:p="http://schemas.openxmlformats.org/presentationml/2006/main">
+  <p:cSld>
+    <p:spTree>
+      <p:nvGrpSpPr>
+        <p:cNvPr id="1" name=""/>
+        <p:cNvGrpSpPr/>
+        <p:nvPr/>
+      </p:nvGrpSpPr>
+      <p:grpSpPr>
+        <a:xfrm>
+          <a:off x="0" y="0"/>
+          <a:ext cx="0" cy="0"/>
+          <a:chOff x="0" y="0"/>
+          <a:chExt cx="0" cy="0"/>
+        </a:xfrm>
+      </p:grpSpPr>
+      <p:sp>
+        <p:nvSpPr>
+          <p:cNvPr id="2" name="Nadpis 1">
+            <a:extLst>
+              <a:ext uri="{FF2B5EF4-FFF2-40B4-BE49-F238E27FC236}">
+                <a16:creationId xmlns:a16="http://schemas.microsoft.com/office/drawing/2014/main" id="{07466432-3673-4673-A122-1351A6CE994A}"/>
+              </a:ext>
+            </a:extLst>
+          </p:cNvPr>
+          <p:cNvSpPr>
+            <a:spLocks noGrp="1"/>
+          </p:cNvSpPr>
+          <p:nvPr>
+            <p:ph type="title"/>
+          </p:nvPr>
+        </p:nvSpPr>
+        <p:spPr/>
+        <p:txBody>
+          <a:bodyPr/>
+          <a:lstStyle/>
+          <a:p>
+            <a:r>
+              <a:rPr lang="cs-CZ" dirty="0"/>
+              <a:t>Návrh aplikace</a:t>
+            </a:r>
+          </a:p>
+        </p:txBody>
+      </p:sp>
+      <p:sp>
+        <p:nvSpPr>
+          <p:cNvPr id="3" name="Zástupný obsah 2">
+            <a:extLst>
+              <a:ext uri="{FF2B5EF4-FFF2-40B4-BE49-F238E27FC236}">
+                <a16:creationId xmlns:a16="http://schemas.microsoft.com/office/drawing/2014/main" id="{550AA8E5-F3B4-440E-A2D1-DCD1BF1FDAC1}"/>
+              </a:ext>
+            </a:extLst>
+          </p:cNvPr>
+          <p:cNvSpPr>
+            <a:spLocks noGrp="1"/>
+          </p:cNvSpPr>
+          <p:nvPr>
+            <p:ph idx="1"/>
+          </p:nvPr>
+        </p:nvSpPr>
+        <p:spPr>
+          <a:xfrm>
+            <a:off x="695400" y="1593059"/>
+            <a:ext cx="4752528" cy="4525963"/>
+          </a:xfrm>
+        </p:spPr>
+        <p:txBody>
+          <a:bodyPr/>
+          <a:lstStyle/>
+          <a:p>
+            <a:r>
+              <a:rPr lang="cs-CZ" dirty="0" err="1"/>
+              <a:t>WebAssembly</a:t>
+            </a:r>
+            <a:endParaRPr lang="cs-CZ" dirty="0"/>
+          </a:p>
+          <a:p>
+            <a:pPr lvl="1"/>
+            <a:r>
+              <a:rPr lang="cs-CZ" dirty="0"/>
+              <a:t>CPU </a:t>
+            </a:r>
+            <a:r>
+              <a:rPr lang="cs-CZ" dirty="0" err="1"/>
+              <a:t>intensive</a:t>
+            </a:r>
+            <a:r>
+              <a:rPr lang="cs-CZ" dirty="0"/>
+              <a:t> operace interpretované</a:t>
+            </a:r>
+          </a:p>
+          <a:p>
+            <a:pPr marL="914400" lvl="2" indent="0">
+              <a:buNone/>
+            </a:pPr>
+            <a:r>
+              <a:rPr lang="cs-CZ" dirty="0"/>
+              <a:t>(avšak distribuce výkonu)</a:t>
+            </a:r>
+          </a:p>
+          <a:p>
+            <a:pPr lvl="1"/>
+            <a:r>
+              <a:rPr lang="cs-CZ" dirty="0"/>
+              <a:t>jen http(s) komunikace!</a:t>
+            </a:r>
+          </a:p>
+          <a:p>
+            <a:pPr lvl="1"/>
+            <a:r>
+              <a:rPr lang="cs-CZ" dirty="0" err="1"/>
+              <a:t>IHttpClient</a:t>
+            </a:r>
+            <a:endParaRPr lang="cs-CZ" dirty="0"/>
+          </a:p>
+          <a:p>
+            <a:pPr lvl="1"/>
+            <a:r>
+              <a:rPr lang="cs-CZ" dirty="0"/>
+              <a:t>Nutný </a:t>
+            </a:r>
+            <a:r>
+              <a:rPr lang="cs-CZ" dirty="0" err="1"/>
+              <a:t>backend</a:t>
+            </a:r>
+            <a:endParaRPr lang="cs-CZ" dirty="0"/>
+          </a:p>
+          <a:p>
+            <a:pPr lvl="1"/>
+            <a:r>
+              <a:rPr lang="cs-CZ" dirty="0"/>
+              <a:t>Mono runtime</a:t>
+            </a:r>
+          </a:p>
+          <a:p>
+            <a:pPr lvl="1"/>
+            <a:endParaRPr lang="cs-CZ" dirty="0"/>
+          </a:p>
+        </p:txBody>
+      </p:sp>
+      <p:sp>
+        <p:nvSpPr>
+          <p:cNvPr id="4" name="Zástupný obsah 2">
+            <a:extLst>
+              <a:ext uri="{FF2B5EF4-FFF2-40B4-BE49-F238E27FC236}">
+                <a16:creationId xmlns:a16="http://schemas.microsoft.com/office/drawing/2014/main" id="{BBF11016-67FE-4824-A4EA-8D9C82E5D398}"/>
+              </a:ext>
+            </a:extLst>
+          </p:cNvPr>
+          <p:cNvSpPr txBox="1">
+            <a:spLocks/>
+          </p:cNvSpPr>
+          <p:nvPr/>
+        </p:nvSpPr>
+        <p:spPr>
+          <a:xfrm>
+            <a:off x="5519936" y="1593059"/>
+            <a:ext cx="4262264" cy="4525963"/>
+          </a:xfrm>
+          <a:prstGeom prst="rect">
+            <a:avLst/>
+          </a:prstGeom>
+        </p:spPr>
+        <p:txBody>
+          <a:bodyPr vert="horz" lIns="91440" tIns="45720" rIns="91440" bIns="45720" rtlCol="0">
+            <a:normAutofit/>
+          </a:bodyPr>
+          <a:lstStyle>
+            <a:lvl1pPr marL="342900" indent="-342900" algn="l" defTabSz="914400" rtl="0" eaLnBrk="1" latinLnBrk="0" hangingPunct="1">
+              <a:spcBef>
+                <a:spcPct val="20000"/>
+              </a:spcBef>
+              <a:buFont typeface="Arial" pitchFamily="34" charset="0"/>
+              <a:buChar char="•"/>
+              <a:defRPr sz="2800" kern="1200" spc="-200" baseline="0">
+                <a:solidFill>
+                  <a:schemeClr val="bg2">
+                    <a:lumMod val="10000"/>
+                  </a:schemeClr>
+                </a:solidFill>
+                <a:latin typeface="+mn-lt"/>
+                <a:ea typeface="+mn-ea"/>
+                <a:cs typeface="+mn-cs"/>
+              </a:defRPr>
+            </a:lvl1pPr>
+            <a:lvl2pPr marL="742950" indent="-285750" algn="l" defTabSz="914400" rtl="0" eaLnBrk="1" latinLnBrk="0" hangingPunct="1">
+              <a:spcBef>
+                <a:spcPct val="20000"/>
+              </a:spcBef>
+              <a:buFont typeface="Arial" pitchFamily="34" charset="0"/>
+              <a:buChar char="–"/>
+              <a:defRPr sz="2400" kern="1200" spc="-190" baseline="0">
+                <a:solidFill>
+                  <a:schemeClr val="bg2">
+                    <a:lumMod val="10000"/>
+                  </a:schemeClr>
+                </a:solidFill>
+                <a:latin typeface="+mn-lt"/>
+                <a:ea typeface="+mn-ea"/>
+                <a:cs typeface="+mn-cs"/>
+              </a:defRPr>
+            </a:lvl2pPr>
+            <a:lvl3pPr marL="1143000" indent="-228600" algn="l" defTabSz="914400" rtl="0" eaLnBrk="1" latinLnBrk="0" hangingPunct="1">
+              <a:spcBef>
+                <a:spcPct val="20000"/>
+              </a:spcBef>
+              <a:buFont typeface="Arial" pitchFamily="34" charset="0"/>
+              <a:buChar char="•"/>
+              <a:defRPr sz="2000" kern="1200" spc="-180" baseline="0">
+                <a:solidFill>
+                  <a:schemeClr val="bg2">
+                    <a:lumMod val="10000"/>
+                  </a:schemeClr>
+                </a:solidFill>
+                <a:latin typeface="+mn-lt"/>
+                <a:ea typeface="+mn-ea"/>
+                <a:cs typeface="+mn-cs"/>
+              </a:defRPr>
+            </a:lvl3pPr>
+            <a:lvl4pPr marL="1600200" indent="-228600" algn="l" defTabSz="914400" rtl="0" eaLnBrk="1" latinLnBrk="0" hangingPunct="1">
+              <a:spcBef>
+                <a:spcPct val="20000"/>
+              </a:spcBef>
+              <a:buFont typeface="Arial" pitchFamily="34" charset="0"/>
+              <a:buChar char="–"/>
+              <a:defRPr sz="1800" kern="1200" spc="-170" baseline="0">
+                <a:solidFill>
+                  <a:schemeClr val="bg2">
+                    <a:lumMod val="10000"/>
+                  </a:schemeClr>
+                </a:solidFill>
+                <a:latin typeface="+mn-lt"/>
+                <a:ea typeface="+mn-ea"/>
+                <a:cs typeface="+mn-cs"/>
+              </a:defRPr>
+            </a:lvl4pPr>
+            <a:lvl5pPr marL="2057400" indent="-228600" algn="l" defTabSz="914400" rtl="0" eaLnBrk="1" latinLnBrk="0" hangingPunct="1">
+              <a:spcBef>
+                <a:spcPct val="20000"/>
+              </a:spcBef>
+              <a:buFont typeface="Arial" pitchFamily="34" charset="0"/>
+              <a:buChar char="»"/>
+              <a:defRPr sz="1800" kern="1200" spc="-130" baseline="0">
+                <a:solidFill>
+                  <a:schemeClr val="bg2">
+                    <a:lumMod val="10000"/>
+                  </a:schemeClr>
+                </a:solidFill>
+                <a:latin typeface="+mn-lt"/>
+                <a:ea typeface="+mn-ea"/>
+                <a:cs typeface="+mn-cs"/>
+              </a:defRPr>
+            </a:lvl5pPr>
+            <a:lvl6pPr marL="2514600" indent="-228600" algn="l" defTabSz="914400" rtl="0" eaLnBrk="1" latinLnBrk="0" hangingPunct="1">
+              <a:spcBef>
+                <a:spcPct val="20000"/>
+              </a:spcBef>
+              <a:buFont typeface="Arial" pitchFamily="34" charset="0"/>
+              <a:buChar char="•"/>
+              <a:defRPr sz="2000" kern="1200">
+                <a:solidFill>
+                  <a:schemeClr val="tx1"/>
+                </a:solidFill>
+                <a:latin typeface="+mn-lt"/>
+                <a:ea typeface="+mn-ea"/>
+                <a:cs typeface="+mn-cs"/>
+              </a:defRPr>
+            </a:lvl6pPr>
+            <a:lvl7pPr marL="2971800" indent="-228600" algn="l" defTabSz="914400" rtl="0" eaLnBrk="1" latinLnBrk="0" hangingPunct="1">
+              <a:spcBef>
+                <a:spcPct val="20000"/>
+              </a:spcBef>
+              <a:buFont typeface="Arial" pitchFamily="34" charset="0"/>
+              <a:buChar char="•"/>
+              <a:defRPr sz="2000" kern="1200">
+                <a:solidFill>
+                  <a:schemeClr val="tx1"/>
+                </a:solidFill>
+                <a:latin typeface="+mn-lt"/>
+                <a:ea typeface="+mn-ea"/>
+                <a:cs typeface="+mn-cs"/>
+              </a:defRPr>
+            </a:lvl7pPr>
+            <a:lvl8pPr marL="3429000" indent="-228600" algn="l" defTabSz="914400" rtl="0" eaLnBrk="1" latinLnBrk="0" hangingPunct="1">
+              <a:spcBef>
+                <a:spcPct val="20000"/>
+              </a:spcBef>
+              <a:buFont typeface="Arial" pitchFamily="34" charset="0"/>
+              <a:buChar char="•"/>
+              <a:defRPr sz="2000" kern="1200">
+                <a:solidFill>
+                  <a:schemeClr val="tx1"/>
+                </a:solidFill>
+                <a:latin typeface="+mn-lt"/>
+                <a:ea typeface="+mn-ea"/>
+                <a:cs typeface="+mn-cs"/>
+              </a:defRPr>
+            </a:lvl8pPr>
+            <a:lvl9pPr marL="3886200" indent="-228600" algn="l" defTabSz="914400" rtl="0" eaLnBrk="1" latinLnBrk="0" hangingPunct="1">
+              <a:spcBef>
+                <a:spcPct val="20000"/>
+              </a:spcBef>
+              <a:buFont typeface="Arial" pitchFamily="34" charset="0"/>
+              <a:buChar char="•"/>
+              <a:defRPr sz="2000" kern="1200">
+                <a:solidFill>
+                  <a:schemeClr val="tx1"/>
+                </a:solidFill>
+                <a:latin typeface="+mn-lt"/>
+                <a:ea typeface="+mn-ea"/>
+                <a:cs typeface="+mn-cs"/>
+              </a:defRPr>
+            </a:lvl9pPr>
+          </a:lstStyle>
+          <a:p>
+            <a:pPr fontAlgn="auto">
+              <a:spcAft>
+                <a:spcPts val="0"/>
+              </a:spcAft>
+            </a:pPr>
+            <a:r>
+              <a:rPr lang="cs-CZ" dirty="0"/>
+              <a:t>Server</a:t>
+            </a:r>
+          </a:p>
+          <a:p>
+            <a:pPr lvl="1" fontAlgn="auto">
+              <a:spcAft>
+                <a:spcPts val="0"/>
+              </a:spcAft>
+            </a:pPr>
+            <a:r>
+              <a:rPr lang="cs-CZ" dirty="0"/>
+              <a:t>CPU </a:t>
+            </a:r>
+            <a:r>
+              <a:rPr lang="cs-CZ" dirty="0" err="1"/>
+              <a:t>intensive</a:t>
+            </a:r>
+            <a:r>
+              <a:rPr lang="cs-CZ" dirty="0"/>
+              <a:t> operace nativně</a:t>
+            </a:r>
+          </a:p>
+          <a:p>
+            <a:pPr marL="914400" lvl="2" indent="0" fontAlgn="auto">
+              <a:spcAft>
+                <a:spcPts val="0"/>
+              </a:spcAft>
+              <a:buFont typeface="Arial" pitchFamily="34" charset="0"/>
+              <a:buNone/>
+            </a:pPr>
+            <a:r>
+              <a:rPr lang="cs-CZ" dirty="0"/>
+              <a:t>(avšak centralizace na serveru)</a:t>
+            </a:r>
+          </a:p>
+          <a:p>
+            <a:pPr lvl="1" fontAlgn="auto">
+              <a:spcAft>
+                <a:spcPts val="0"/>
+              </a:spcAft>
+            </a:pPr>
+            <a:r>
+              <a:rPr lang="cs-CZ" dirty="0" err="1"/>
+              <a:t>SignalR</a:t>
+            </a:r>
+            <a:r>
+              <a:rPr lang="cs-CZ" dirty="0"/>
+              <a:t> – omezené škálování</a:t>
+            </a:r>
+          </a:p>
+          <a:p>
+            <a:pPr lvl="1" fontAlgn="auto">
+              <a:spcAft>
+                <a:spcPts val="0"/>
+              </a:spcAft>
+            </a:pPr>
+            <a:r>
+              <a:rPr lang="cs-CZ" dirty="0"/>
+              <a:t>možno použít „vše“ na serveru</a:t>
+            </a:r>
+          </a:p>
+          <a:p>
+            <a:pPr lvl="2" fontAlgn="auto">
+              <a:spcAft>
+                <a:spcPts val="0"/>
+              </a:spcAft>
+            </a:pPr>
+            <a:r>
+              <a:rPr lang="cs-CZ" dirty="0"/>
+              <a:t>(dosah do databáze, atp.)</a:t>
+            </a:r>
+          </a:p>
+          <a:p>
+            <a:pPr marL="857250" lvl="1" indent="-342900" fontAlgn="auto">
+              <a:spcAft>
+                <a:spcPts val="0"/>
+              </a:spcAft>
+            </a:pPr>
+            <a:endParaRPr lang="cs-CZ" dirty="0"/>
+          </a:p>
+        </p:txBody>
+      </p:sp>
+    </p:spTree>
+    <p:extLst>
+      <p:ext uri="{BB962C8B-B14F-4D97-AF65-F5344CB8AC3E}">
+        <p14:creationId xmlns:p14="http://schemas.microsoft.com/office/powerpoint/2010/main" val="1563647607"/>
+      </p:ext>
+    </p:extLst>
+  </p:cSld>
+  <p:clrMapOvr>
+    <a:masterClrMapping/>
+  </p:clrMapOvr>
+  <mc:AlternateContent xmlns:mc="http://schemas.openxmlformats.org/markup-compatibility/2006" xmlns:p14="http://schemas.microsoft.com/office/powerpoint/2010/main">
+    <mc:Choice Requires="p14">
+      <p:transition spd="med" p14:dur="700">
+        <p:fade/>
+      </p:transition>
+    </mc:Choice>
+    <mc:Fallback xmlns="">
+      <p:transition spd="med">
+        <p:fade/>
+      </p:transition>
     </mc:Fallback>
   </mc:AlternateContent>
 </p:sld>
@@ -6350,11 +6305,11 @@
   <p:clrMapOvr>
     <a:masterClrMapping/>
   </p:clrMapOvr>
-  <mc:AlternateContent xmlns:mc="http://schemas.openxmlformats.org/markup-compatibility/2006">
-    <mc:Choice xmlns:p14="http://schemas.microsoft.com/office/powerpoint/2010/main" Requires="p14">
+  <mc:AlternateContent xmlns:mc="http://schemas.openxmlformats.org/markup-compatibility/2006" xmlns:p14="http://schemas.microsoft.com/office/powerpoint/2010/main">
+    <mc:Choice Requires="p14">
       <p:transition p14:dur="0"/>
     </mc:Choice>
-    <mc:Fallback>
+    <mc:Fallback xmlns="">
       <p:transition/>
     </mc:Fallback>
   </mc:AlternateContent>
@@ -6883,11 +6838,11 @@
   <p:clrMapOvr>
     <a:masterClrMapping/>
   </p:clrMapOvr>
-  <mc:AlternateContent xmlns:mc="http://schemas.openxmlformats.org/markup-compatibility/2006">
-    <mc:Choice xmlns:p14="http://schemas.microsoft.com/office/powerpoint/2010/main" Requires="p14">
+  <mc:AlternateContent xmlns:mc="http://schemas.openxmlformats.org/markup-compatibility/2006" xmlns:p14="http://schemas.microsoft.com/office/powerpoint/2010/main">
+    <mc:Choice Requires="p14">
       <p:transition p14:dur="0"/>
     </mc:Choice>
-    <mc:Fallback>
+    <mc:Fallback xmlns="">
       <p:transition/>
     </mc:Fallback>
   </mc:AlternateContent>
@@ -7123,11 +7078,11 @@
   <p:clrMapOvr>
     <a:masterClrMapping/>
   </p:clrMapOvr>
-  <mc:AlternateContent xmlns:mc="http://schemas.openxmlformats.org/markup-compatibility/2006">
-    <mc:Choice xmlns:p14="http://schemas.microsoft.com/office/powerpoint/2010/main" Requires="p14">
+  <mc:AlternateContent xmlns:mc="http://schemas.openxmlformats.org/markup-compatibility/2006" xmlns:p14="http://schemas.microsoft.com/office/powerpoint/2010/main">
+    <mc:Choice Requires="p14">
       <p:transition p14:dur="0"/>
     </mc:Choice>
-    <mc:Fallback>
+    <mc:Fallback xmlns="">
       <p:transition/>
     </mc:Fallback>
   </mc:AlternateContent>
@@ -7307,11 +7262,11 @@
   <p:clrMapOvr>
     <a:masterClrMapping/>
   </p:clrMapOvr>
-  <mc:AlternateContent xmlns:mc="http://schemas.openxmlformats.org/markup-compatibility/2006">
-    <mc:Choice xmlns:p14="http://schemas.microsoft.com/office/powerpoint/2010/main" Requires="p14">
+  <mc:AlternateContent xmlns:mc="http://schemas.openxmlformats.org/markup-compatibility/2006" xmlns:p14="http://schemas.microsoft.com/office/powerpoint/2010/main">
+    <mc:Choice Requires="p14">
       <p:transition p14:dur="0"/>
     </mc:Choice>
-    <mc:Fallback>
+    <mc:Fallback xmlns="">
       <p:transition/>
     </mc:Fallback>
   </mc:AlternateContent>
@@ -7598,11 +7553,11 @@
   <p:clrMapOvr>
     <a:masterClrMapping/>
   </p:clrMapOvr>
-  <mc:AlternateContent xmlns:mc="http://schemas.openxmlformats.org/markup-compatibility/2006">
-    <mc:Choice xmlns:p14="http://schemas.microsoft.com/office/powerpoint/2010/main" Requires="p14">
+  <mc:AlternateContent xmlns:mc="http://schemas.openxmlformats.org/markup-compatibility/2006" xmlns:p14="http://schemas.microsoft.com/office/powerpoint/2010/main">
+    <mc:Choice Requires="p14">
       <p:transition p14:dur="0"/>
     </mc:Choice>
-    <mc:Fallback>
+    <mc:Fallback xmlns="">
       <p:transition/>
     </mc:Fallback>
   </mc:AlternateContent>
@@ -7886,11 +7841,11 @@
   <p:clrMapOvr>
     <a:masterClrMapping/>
   </p:clrMapOvr>
-  <mc:AlternateContent xmlns:mc="http://schemas.openxmlformats.org/markup-compatibility/2006">
-    <mc:Choice xmlns:p14="http://schemas.microsoft.com/office/powerpoint/2010/main" Requires="p14">
+  <mc:AlternateContent xmlns:mc="http://schemas.openxmlformats.org/markup-compatibility/2006" xmlns:p14="http://schemas.microsoft.com/office/powerpoint/2010/main">
+    <mc:Choice Requires="p14">
       <p:transition p14:dur="0"/>
     </mc:Choice>
-    <mc:Fallback>
+    <mc:Fallback xmlns="">
       <p:transition/>
     </mc:Fallback>
   </mc:AlternateContent>
@@ -8141,11 +8096,11 @@
   <p:clrMapOvr>
     <a:masterClrMapping/>
   </p:clrMapOvr>
-  <mc:AlternateContent xmlns:mc="http://schemas.openxmlformats.org/markup-compatibility/2006">
-    <mc:Choice xmlns:p14="http://schemas.microsoft.com/office/powerpoint/2010/main" Requires="p14">
+  <mc:AlternateContent xmlns:mc="http://schemas.openxmlformats.org/markup-compatibility/2006" xmlns:p14="http://schemas.microsoft.com/office/powerpoint/2010/main">
+    <mc:Choice Requires="p14">
       <p:transition p14:dur="0"/>
     </mc:Choice>
-    <mc:Fallback>
+    <mc:Fallback xmlns="">
       <p:transition/>
     </mc:Fallback>
   </mc:AlternateContent>

--- a/Presentation/01 - Blazor - Hostingové modely.pptx
+++ b/Presentation/01 - Blazor - Hostingové modely.pptx
@@ -5,7 +5,7 @@
     <p:sldMasterId id="2147483794" r:id="rId4"/>
   </p:sldMasterIdLst>
   <p:notesMasterIdLst>
-    <p:notesMasterId r:id="rId22"/>
+    <p:notesMasterId r:id="rId25"/>
   </p:notesMasterIdLst>
   <p:sldIdLst>
     <p:sldId id="256" r:id="rId5"/>
@@ -15,16 +15,19 @@
     <p:sldId id="323" r:id="rId9"/>
     <p:sldId id="338" r:id="rId10"/>
     <p:sldId id="326" r:id="rId11"/>
-    <p:sldId id="327" r:id="rId12"/>
-    <p:sldId id="328" r:id="rId13"/>
-    <p:sldId id="334" r:id="rId14"/>
-    <p:sldId id="335" r:id="rId15"/>
-    <p:sldId id="337" r:id="rId16"/>
-    <p:sldId id="336" r:id="rId17"/>
-    <p:sldId id="333" r:id="rId18"/>
-    <p:sldId id="329" r:id="rId19"/>
-    <p:sldId id="339" r:id="rId20"/>
-    <p:sldId id="340" r:id="rId21"/>
+    <p:sldId id="341" r:id="rId12"/>
+    <p:sldId id="342" r:id="rId13"/>
+    <p:sldId id="328" r:id="rId14"/>
+    <p:sldId id="334" r:id="rId15"/>
+    <p:sldId id="335" r:id="rId16"/>
+    <p:sldId id="337" r:id="rId17"/>
+    <p:sldId id="336" r:id="rId18"/>
+    <p:sldId id="333" r:id="rId19"/>
+    <p:sldId id="329" r:id="rId20"/>
+    <p:sldId id="339" r:id="rId21"/>
+    <p:sldId id="340" r:id="rId22"/>
+    <p:sldId id="343" r:id="rId23"/>
+    <p:sldId id="344" r:id="rId24"/>
   </p:sldIdLst>
   <p:sldSz cx="12192000" cy="6858000"/>
   <p:notesSz cx="6858000" cy="9144000"/>
@@ -255,7 +258,7 @@
             <a:fld id="{A74C3DD1-6B4C-423E-A696-BD4124EC33BC}" type="datetimeFigureOut">
               <a:rPr lang="cs-CZ" smtClean="0"/>
               <a:pPr/>
-              <a:t>11.10.2021</a:t>
+              <a:t>12.01.2024</a:t>
             </a:fld>
             <a:endParaRPr lang="cs-CZ" dirty="0"/>
           </a:p>
@@ -722,7 +725,7 @@
           <a:p>
             <a:fld id="{0DA6F2F8-F70A-47D7-AD2D-4F12E71A0C18}" type="datetimeFigureOut">
               <a:rPr lang="cs-CZ" smtClean="0"/>
-              <a:t>11.10.2021</a:t>
+              <a:t>12.01.2024</a:t>
             </a:fld>
             <a:endParaRPr lang="cs-CZ"/>
           </a:p>
@@ -904,7 +907,7 @@
           <a:p>
             <a:fld id="{0DA6F2F8-F70A-47D7-AD2D-4F12E71A0C18}" type="datetimeFigureOut">
               <a:rPr lang="cs-CZ" smtClean="0"/>
-              <a:t>11.10.2021</a:t>
+              <a:t>12.01.2024</a:t>
             </a:fld>
             <a:endParaRPr lang="cs-CZ"/>
           </a:p>
@@ -1096,7 +1099,7 @@
           <a:p>
             <a:fld id="{0DA6F2F8-F70A-47D7-AD2D-4F12E71A0C18}" type="datetimeFigureOut">
               <a:rPr lang="cs-CZ" smtClean="0"/>
-              <a:t>11.10.2021</a:t>
+              <a:t>12.01.2024</a:t>
             </a:fld>
             <a:endParaRPr lang="cs-CZ"/>
           </a:p>
@@ -1311,7 +1314,7 @@
           <a:p>
             <a:fld id="{0DA6F2F8-F70A-47D7-AD2D-4F12E71A0C18}" type="datetimeFigureOut">
               <a:rPr lang="cs-CZ" smtClean="0"/>
-              <a:t>11.10.2021</a:t>
+              <a:t>12.01.2024</a:t>
             </a:fld>
             <a:endParaRPr lang="cs-CZ"/>
           </a:p>
@@ -1586,7 +1589,7 @@
           <a:p>
             <a:fld id="{0DA6F2F8-F70A-47D7-AD2D-4F12E71A0C18}" type="datetimeFigureOut">
               <a:rPr lang="cs-CZ" smtClean="0"/>
-              <a:t>11.10.2021</a:t>
+              <a:t>12.01.2024</a:t>
             </a:fld>
             <a:endParaRPr lang="cs-CZ"/>
           </a:p>
@@ -1903,7 +1906,7 @@
           <a:p>
             <a:fld id="{0DA6F2F8-F70A-47D7-AD2D-4F12E71A0C18}" type="datetimeFigureOut">
               <a:rPr lang="cs-CZ" smtClean="0"/>
-              <a:t>11.10.2021</a:t>
+              <a:t>12.01.2024</a:t>
             </a:fld>
             <a:endParaRPr lang="cs-CZ" dirty="0"/>
           </a:p>
@@ -2354,7 +2357,7 @@
           <a:p>
             <a:fld id="{0DA6F2F8-F70A-47D7-AD2D-4F12E71A0C18}" type="datetimeFigureOut">
               <a:rPr lang="cs-CZ" smtClean="0"/>
-              <a:t>11.10.2021</a:t>
+              <a:t>12.01.2024</a:t>
             </a:fld>
             <a:endParaRPr lang="cs-CZ"/>
           </a:p>
@@ -2501,7 +2504,7 @@
           <a:p>
             <a:fld id="{0DA6F2F8-F70A-47D7-AD2D-4F12E71A0C18}" type="datetimeFigureOut">
               <a:rPr lang="cs-CZ" smtClean="0"/>
-              <a:t>11.10.2021</a:t>
+              <a:t>12.01.2024</a:t>
             </a:fld>
             <a:endParaRPr lang="cs-CZ"/>
           </a:p>
@@ -2608,7 +2611,7 @@
           <a:p>
             <a:fld id="{0DA6F2F8-F70A-47D7-AD2D-4F12E71A0C18}" type="datetimeFigureOut">
               <a:rPr lang="cs-CZ" smtClean="0"/>
-              <a:t>11.10.2021</a:t>
+              <a:t>12.01.2024</a:t>
             </a:fld>
             <a:endParaRPr lang="cs-CZ"/>
           </a:p>
@@ -2899,7 +2902,7 @@
           <a:p>
             <a:fld id="{0DA6F2F8-F70A-47D7-AD2D-4F12E71A0C18}" type="datetimeFigureOut">
               <a:rPr lang="cs-CZ" smtClean="0"/>
-              <a:t>11.10.2021</a:t>
+              <a:t>12.01.2024</a:t>
             </a:fld>
             <a:endParaRPr lang="cs-CZ"/>
           </a:p>
@@ -3168,7 +3171,7 @@
           <a:p>
             <a:fld id="{0DA6F2F8-F70A-47D7-AD2D-4F12E71A0C18}" type="datetimeFigureOut">
               <a:rPr lang="cs-CZ" smtClean="0"/>
-              <a:t>11.10.2021</a:t>
+              <a:t>12.01.2024</a:t>
             </a:fld>
             <a:endParaRPr lang="cs-CZ"/>
           </a:p>
@@ -3432,7 +3435,7 @@
           <a:p>
             <a:fld id="{0DA6F2F8-F70A-47D7-AD2D-4F12E71A0C18}" type="datetimeFigureOut">
               <a:rPr lang="cs-CZ" smtClean="0"/>
-              <a:t>11.10.2021</a:t>
+              <a:t>12.01.2024</a:t>
             </a:fld>
             <a:endParaRPr lang="cs-CZ"/>
           </a:p>
@@ -3980,6 +3983,186 @@
             <a:pPr marL="0" indent="0" algn="ctr">
               <a:buNone/>
             </a:pPr>
+            <a:r>
+              <a:rPr lang="en-US" sz="4000" dirty="0"/>
+              <a:t>ASP.NET Core </a:t>
+            </a:r>
+            <a:r>
+              <a:rPr lang="en-US" sz="4000" dirty="0" err="1"/>
+              <a:t>SignalR</a:t>
+            </a:r>
+            <a:r>
+              <a:rPr lang="en-US" sz="4000" dirty="0"/>
+              <a:t> is a library for ASP.NET Core developers that makes it incredibly simple to add real-time web functionality to your applications.</a:t>
+            </a:r>
+            <a:endParaRPr lang="cs-CZ" sz="4000" dirty="0"/>
+          </a:p>
+          <a:p>
+            <a:pPr marL="0" indent="0" algn="ctr">
+              <a:buNone/>
+            </a:pPr>
+            <a:endParaRPr lang="cs-CZ" sz="4000" dirty="0"/>
+          </a:p>
+          <a:p>
+            <a:pPr marL="0" indent="0" algn="ctr">
+              <a:buNone/>
+            </a:pPr>
+            <a:r>
+              <a:rPr lang="cs-CZ" sz="2400" dirty="0"/>
+              <a:t>[</a:t>
+            </a:r>
+            <a:r>
+              <a:rPr lang="cs-CZ" sz="2400" dirty="0">
+                <a:hlinkClick r:id="rId2"/>
+              </a:rPr>
+              <a:t>https://github.com/dotnet/aspnetcore/tree/master/src/SignalR</a:t>
+            </a:r>
+            <a:r>
+              <a:rPr lang="cs-CZ" sz="2400" dirty="0"/>
+              <a:t>]</a:t>
+            </a:r>
+          </a:p>
+        </p:txBody>
+      </p:sp>
+      <p:pic>
+        <p:nvPicPr>
+          <p:cNvPr id="1026" name="Picture 2" descr="Image result for signalr logo">
+            <a:extLst>
+              <a:ext uri="{FF2B5EF4-FFF2-40B4-BE49-F238E27FC236}">
+                <a16:creationId xmlns:a16="http://schemas.microsoft.com/office/drawing/2014/main" id="{FC77DB81-6F88-48A2-B222-C8796A0858BB}"/>
+              </a:ext>
+            </a:extLst>
+          </p:cNvPr>
+          <p:cNvPicPr>
+            <a:picLocks noChangeAspect="1" noChangeArrowheads="1"/>
+          </p:cNvPicPr>
+          <p:nvPr/>
+        </p:nvPicPr>
+        <p:blipFill>
+          <a:blip r:embed="rId3" cstate="print">
+            <a:extLst>
+              <a:ext uri="{28A0092B-C50C-407E-A947-70E740481C1C}">
+                <a14:useLocalDpi xmlns:a14="http://schemas.microsoft.com/office/drawing/2010/main" val="0"/>
+              </a:ext>
+            </a:extLst>
+          </a:blip>
+          <a:srcRect/>
+          <a:stretch>
+            <a:fillRect/>
+          </a:stretch>
+        </p:blipFill>
+        <p:spPr bwMode="auto">
+          <a:xfrm>
+            <a:off x="10416480" y="274638"/>
+            <a:ext cx="1546196" cy="1463854"/>
+          </a:xfrm>
+          <a:prstGeom prst="rect">
+            <a:avLst/>
+          </a:prstGeom>
+          <a:noFill/>
+          <a:extLst>
+            <a:ext uri="{909E8E84-426E-40DD-AFC4-6F175D3DCCD1}">
+              <a14:hiddenFill xmlns:a14="http://schemas.microsoft.com/office/drawing/2010/main">
+                <a:solidFill>
+                  <a:srgbClr val="FFFFFF"/>
+                </a:solidFill>
+              </a14:hiddenFill>
+            </a:ext>
+          </a:extLst>
+        </p:spPr>
+      </p:pic>
+    </p:spTree>
+    <p:extLst>
+      <p:ext uri="{BB962C8B-B14F-4D97-AF65-F5344CB8AC3E}">
+        <p14:creationId xmlns:p14="http://schemas.microsoft.com/office/powerpoint/2010/main" val="981490380"/>
+      </p:ext>
+    </p:extLst>
+  </p:cSld>
+  <p:clrMapOvr>
+    <a:masterClrMapping/>
+  </p:clrMapOvr>
+  <mc:AlternateContent xmlns:mc="http://schemas.openxmlformats.org/markup-compatibility/2006" xmlns:p14="http://schemas.microsoft.com/office/powerpoint/2010/main">
+    <mc:Choice Requires="p14">
+      <p:transition p14:dur="0"/>
+    </mc:Choice>
+    <mc:Fallback xmlns="">
+      <p:transition/>
+    </mc:Fallback>
+  </mc:AlternateContent>
+</p:sld>
+</file>
+
+<file path=ppt/slides/slide11.xml><?xml version="1.0" encoding="utf-8"?>
+<p:sld xmlns:a="http://schemas.openxmlformats.org/drawingml/2006/main" xmlns:r="http://schemas.openxmlformats.org/officeDocument/2006/relationships" xmlns:p="http://schemas.openxmlformats.org/presentationml/2006/main">
+  <p:cSld>
+    <p:spTree>
+      <p:nvGrpSpPr>
+        <p:cNvPr id="1" name=""/>
+        <p:cNvGrpSpPr/>
+        <p:nvPr/>
+      </p:nvGrpSpPr>
+      <p:grpSpPr>
+        <a:xfrm>
+          <a:off x="0" y="0"/>
+          <a:ext cx="0" cy="0"/>
+          <a:chOff x="0" y="0"/>
+          <a:chExt cx="0" cy="0"/>
+        </a:xfrm>
+      </p:grpSpPr>
+      <p:sp>
+        <p:nvSpPr>
+          <p:cNvPr id="2" name="Title 1">
+            <a:extLst>
+              <a:ext uri="{FF2B5EF4-FFF2-40B4-BE49-F238E27FC236}">
+                <a16:creationId xmlns:a16="http://schemas.microsoft.com/office/drawing/2014/main" id="{B96519DC-5FD9-49D4-BC41-FDD55963666F}"/>
+              </a:ext>
+            </a:extLst>
+          </p:cNvPr>
+          <p:cNvSpPr>
+            <a:spLocks noGrp="1"/>
+          </p:cNvSpPr>
+          <p:nvPr>
+            <p:ph type="title"/>
+          </p:nvPr>
+        </p:nvSpPr>
+        <p:spPr/>
+        <p:txBody>
+          <a:bodyPr/>
+          <a:lstStyle/>
+          <a:p>
+            <a:r>
+              <a:rPr lang="cs-CZ" dirty="0"/>
+              <a:t>SignalR</a:t>
+            </a:r>
+          </a:p>
+        </p:txBody>
+      </p:sp>
+      <p:sp>
+        <p:nvSpPr>
+          <p:cNvPr id="3" name="Content Placeholder 2">
+            <a:extLst>
+              <a:ext uri="{FF2B5EF4-FFF2-40B4-BE49-F238E27FC236}">
+                <a16:creationId xmlns:a16="http://schemas.microsoft.com/office/drawing/2014/main" id="{94DDD2EE-D4E9-4D54-BE99-640F2632D933}"/>
+              </a:ext>
+            </a:extLst>
+          </p:cNvPr>
+          <p:cNvSpPr>
+            <a:spLocks noGrp="1"/>
+          </p:cNvSpPr>
+          <p:nvPr>
+            <p:ph idx="1"/>
+          </p:nvPr>
+        </p:nvSpPr>
+        <p:spPr/>
+        <p:txBody>
+          <a:bodyPr>
+            <a:normAutofit/>
+          </a:bodyPr>
+          <a:lstStyle/>
+          <a:p>
+            <a:pPr marL="0" indent="0" algn="ctr">
+              <a:buNone/>
+            </a:pPr>
             <a:endParaRPr lang="cs-CZ" sz="2400" dirty="0"/>
           </a:p>
         </p:txBody>
@@ -4372,8 +4555,8 @@
 </p:sld>
 </file>
 
-<file path=ppt/slides/slide11.xml><?xml version="1.0" encoding="utf-8"?>
-<p:sld xmlns:a="http://schemas.openxmlformats.org/drawingml/2006/main" xmlns:r="http://schemas.openxmlformats.org/officeDocument/2006/relationships" xmlns:p="http://schemas.openxmlformats.org/presentationml/2006/main">
+<file path=ppt/slides/slide12.xml><?xml version="1.0" encoding="utf-8"?>
+<p:sld xmlns:a="http://schemas.openxmlformats.org/drawingml/2006/main" xmlns:r="http://schemas.openxmlformats.org/officeDocument/2006/relationships" xmlns:p="http://schemas.openxmlformats.org/presentationml/2006/main" show="0">
   <p:cSld>
     <p:spTree>
       <p:nvGrpSpPr>
@@ -4517,8 +4700,8 @@
 </p:sld>
 </file>
 
-<file path=ppt/slides/slide12.xml><?xml version="1.0" encoding="utf-8"?>
-<p:sld xmlns:a="http://schemas.openxmlformats.org/drawingml/2006/main" xmlns:r="http://schemas.openxmlformats.org/officeDocument/2006/relationships" xmlns:p="http://schemas.openxmlformats.org/presentationml/2006/main">
+<file path=ppt/slides/slide13.xml><?xml version="1.0" encoding="utf-8"?>
+<p:sld xmlns:a="http://schemas.openxmlformats.org/drawingml/2006/main" xmlns:r="http://schemas.openxmlformats.org/officeDocument/2006/relationships" xmlns:p="http://schemas.openxmlformats.org/presentationml/2006/main" show="0">
   <p:cSld>
     <p:spTree>
       <p:nvGrpSpPr>
@@ -4662,7 +4845,7 @@
 </p:sld>
 </file>
 
-<file path=ppt/slides/slide13.xml><?xml version="1.0" encoding="utf-8"?>
+<file path=ppt/slides/slide14.xml><?xml version="1.0" encoding="utf-8"?>
 <p:sld xmlns:a="http://schemas.openxmlformats.org/drawingml/2006/main" xmlns:r="http://schemas.openxmlformats.org/officeDocument/2006/relationships" xmlns:p="http://schemas.openxmlformats.org/presentationml/2006/main">
   <p:cSld>
     <p:spTree>
@@ -4805,7 +4988,7 @@
 </p:sld>
 </file>
 
-<file path=ppt/slides/slide14.xml><?xml version="1.0" encoding="utf-8"?>
+<file path=ppt/slides/slide15.xml><?xml version="1.0" encoding="utf-8"?>
 <p:sld xmlns:a="http://schemas.openxmlformats.org/drawingml/2006/main" xmlns:r="http://schemas.openxmlformats.org/officeDocument/2006/relationships" xmlns:p="http://schemas.openxmlformats.org/presentationml/2006/main">
   <p:cSld>
     <p:spTree>
@@ -4845,7 +5028,7 @@
           <a:p>
             <a:r>
               <a:rPr lang="cs-CZ" dirty="0"/>
-              <a:t>Podpora prohlížečů</a:t>
+              <a:t>Podpora prohlížečů (dle dokumentace)</a:t>
             </a:r>
           </a:p>
         </p:txBody>
@@ -4936,63 +5119,6 @@
                 </a:solidFill>
               </a:rPr>
               <a:t>Vždy jen poslední verze.</a:t>
-            </a:r>
-          </a:p>
-          <a:p>
-            <a:endParaRPr lang="cs-CZ" dirty="0"/>
-          </a:p>
-        </p:txBody>
-      </p:sp>
-      <p:sp>
-        <p:nvSpPr>
-          <p:cNvPr id="4" name="Content Placeholder 3">
-            <a:extLst>
-              <a:ext uri="{FF2B5EF4-FFF2-40B4-BE49-F238E27FC236}">
-                <a16:creationId xmlns:a16="http://schemas.microsoft.com/office/drawing/2014/main" id="{91D7ACF6-1112-4873-8768-66766030F216}"/>
-              </a:ext>
-            </a:extLst>
-          </p:cNvPr>
-          <p:cNvSpPr>
-            <a:spLocks noGrp="1"/>
-          </p:cNvSpPr>
-          <p:nvPr>
-            <p:ph sz="half" idx="2"/>
-          </p:nvPr>
-        </p:nvSpPr>
-        <p:spPr/>
-        <p:txBody>
-          <a:bodyPr/>
-          <a:lstStyle/>
-          <a:p>
-            <a:r>
-              <a:rPr lang="cs-CZ" dirty="0">
-                <a:solidFill>
-                  <a:srgbClr val="FF0000"/>
-                </a:solidFill>
-              </a:rPr>
-              <a:t>Microsoft Internet Explorer</a:t>
-            </a:r>
-          </a:p>
-          <a:p>
-            <a:pPr lvl="1"/>
-            <a:r>
-              <a:rPr lang="cs-CZ" dirty="0">
-                <a:solidFill>
-                  <a:srgbClr val="FF0000"/>
-                </a:solidFill>
-              </a:rPr>
-              <a:t>Neumí WebAssembly</a:t>
-            </a:r>
-          </a:p>
-          <a:p>
-            <a:pPr lvl="1"/>
-            <a:r>
-              <a:rPr lang="cs-CZ" dirty="0">
-                <a:solidFill>
-                  <a:srgbClr val="FF0000"/>
-                </a:solidFill>
-              </a:rPr>
-              <a:t>(Server-side je možný v IE 11)</a:t>
             </a:r>
           </a:p>
           <a:p>
@@ -5018,154 +5144,10 @@
       <p:transition/>
     </mc:Fallback>
   </mc:AlternateContent>
-  <p:timing>
-    <p:tnLst>
-      <p:par>
-        <p:cTn id="1" dur="indefinite" restart="never" nodeType="tmRoot">
-          <p:childTnLst>
-            <p:seq concurrent="1" nextAc="seek">
-              <p:cTn id="2" dur="indefinite" nodeType="mainSeq">
-                <p:childTnLst>
-                  <p:par>
-                    <p:cTn id="3" fill="hold">
-                      <p:stCondLst>
-                        <p:cond delay="indefinite"/>
-                      </p:stCondLst>
-                      <p:childTnLst>
-                        <p:par>
-                          <p:cTn id="4" fill="hold">
-                            <p:stCondLst>
-                              <p:cond delay="0"/>
-                            </p:stCondLst>
-                            <p:childTnLst>
-                              <p:par>
-                                <p:cTn id="5" presetID="1" presetClass="entr" presetSubtype="0" fill="hold" grpId="0" nodeType="clickEffect">
-                                  <p:stCondLst>
-                                    <p:cond delay="0"/>
-                                  </p:stCondLst>
-                                  <p:childTnLst>
-                                    <p:set>
-                                      <p:cBhvr>
-                                        <p:cTn id="6" dur="1" fill="hold">
-                                          <p:stCondLst>
-                                            <p:cond delay="0"/>
-                                          </p:stCondLst>
-                                        </p:cTn>
-                                        <p:tgtEl>
-                                          <p:spTgt spid="4">
-                                            <p:txEl>
-                                              <p:pRg st="0" end="0"/>
-                                            </p:txEl>
-                                          </p:spTgt>
-                                        </p:tgtEl>
-                                        <p:attrNameLst>
-                                          <p:attrName>style.visibility</p:attrName>
-                                        </p:attrNameLst>
-                                      </p:cBhvr>
-                                      <p:to>
-                                        <p:strVal val="visible"/>
-                                      </p:to>
-                                    </p:set>
-                                  </p:childTnLst>
-                                </p:cTn>
-                              </p:par>
-                              <p:par>
-                                <p:cTn id="7" presetID="1" presetClass="entr" presetSubtype="0" fill="hold" grpId="0" nodeType="withEffect">
-                                  <p:stCondLst>
-                                    <p:cond delay="0"/>
-                                  </p:stCondLst>
-                                  <p:childTnLst>
-                                    <p:set>
-                                      <p:cBhvr>
-                                        <p:cTn id="8" dur="1" fill="hold">
-                                          <p:stCondLst>
-                                            <p:cond delay="0"/>
-                                          </p:stCondLst>
-                                        </p:cTn>
-                                        <p:tgtEl>
-                                          <p:spTgt spid="4">
-                                            <p:txEl>
-                                              <p:pRg st="1" end="1"/>
-                                            </p:txEl>
-                                          </p:spTgt>
-                                        </p:tgtEl>
-                                        <p:attrNameLst>
-                                          <p:attrName>style.visibility</p:attrName>
-                                        </p:attrNameLst>
-                                      </p:cBhvr>
-                                      <p:to>
-                                        <p:strVal val="visible"/>
-                                      </p:to>
-                                    </p:set>
-                                  </p:childTnLst>
-                                </p:cTn>
-                              </p:par>
-                              <p:par>
-                                <p:cTn id="9" presetID="1" presetClass="entr" presetSubtype="0" fill="hold" grpId="0" nodeType="withEffect">
-                                  <p:stCondLst>
-                                    <p:cond delay="0"/>
-                                  </p:stCondLst>
-                                  <p:childTnLst>
-                                    <p:set>
-                                      <p:cBhvr>
-                                        <p:cTn id="10" dur="1" fill="hold">
-                                          <p:stCondLst>
-                                            <p:cond delay="0"/>
-                                          </p:stCondLst>
-                                        </p:cTn>
-                                        <p:tgtEl>
-                                          <p:spTgt spid="4">
-                                            <p:txEl>
-                                              <p:pRg st="2" end="2"/>
-                                            </p:txEl>
-                                          </p:spTgt>
-                                        </p:tgtEl>
-                                        <p:attrNameLst>
-                                          <p:attrName>style.visibility</p:attrName>
-                                        </p:attrNameLst>
-                                      </p:cBhvr>
-                                      <p:to>
-                                        <p:strVal val="visible"/>
-                                      </p:to>
-                                    </p:set>
-                                  </p:childTnLst>
-                                </p:cTn>
-                              </p:par>
-                            </p:childTnLst>
-                          </p:cTn>
-                        </p:par>
-                      </p:childTnLst>
-                    </p:cTn>
-                  </p:par>
-                </p:childTnLst>
-              </p:cTn>
-              <p:prevCondLst>
-                <p:cond evt="onPrev" delay="0">
-                  <p:tgtEl>
-                    <p:sldTgt/>
-                  </p:tgtEl>
-                </p:cond>
-              </p:prevCondLst>
-              <p:nextCondLst>
-                <p:cond evt="onNext" delay="0">
-                  <p:tgtEl>
-                    <p:sldTgt/>
-                  </p:tgtEl>
-                </p:cond>
-              </p:nextCondLst>
-            </p:seq>
-          </p:childTnLst>
-        </p:cTn>
-      </p:par>
-    </p:tnLst>
-    <p:bldLst>
-      <p:bldP spid="4" grpId="0" build="p"/>
-    </p:bldLst>
-  </p:timing>
 </p:sld>
 </file>
 
-<file path=ppt/slides/slide15.xml><?xml version="1.0" encoding="utf-8"?>
+<file path=ppt/slides/slide16.xml><?xml version="1.0" encoding="utf-8"?>
 <p:sld xmlns:a="http://schemas.openxmlformats.org/drawingml/2006/main" xmlns:r="http://schemas.openxmlformats.org/officeDocument/2006/relationships" xmlns:p="http://schemas.openxmlformats.org/presentationml/2006/main">
   <p:cSld>
     <p:spTree>
@@ -5356,8 +5338,8 @@
 </p:sld>
 </file>
 
-<file path=ppt/slides/slide16.xml><?xml version="1.0" encoding="utf-8"?>
-<p:sld xmlns:a="http://schemas.openxmlformats.org/drawingml/2006/main" xmlns:r="http://schemas.openxmlformats.org/officeDocument/2006/relationships" xmlns:p="http://schemas.openxmlformats.org/presentationml/2006/main">
+<file path=ppt/slides/slide17.xml><?xml version="1.0" encoding="utf-8"?>
+<p:sld xmlns:a="http://schemas.openxmlformats.org/drawingml/2006/main" xmlns:r="http://schemas.openxmlformats.org/officeDocument/2006/relationships" xmlns:p="http://schemas.openxmlformats.org/presentationml/2006/main" showMasterSp="0">
   <p:cSld>
     <p:spTree>
       <p:nvGrpSpPr>
@@ -5428,7 +5410,7 @@
 </p:sld>
 </file>
 
-<file path=ppt/slides/slide17.xml><?xml version="1.0" encoding="utf-8"?>
+<file path=ppt/slides/slide18.xml><?xml version="1.0" encoding="utf-8"?>
 <p:sld xmlns:a="http://schemas.openxmlformats.org/drawingml/2006/main" xmlns:r="http://schemas.openxmlformats.org/officeDocument/2006/relationships" xmlns:p="http://schemas.openxmlformats.org/presentationml/2006/main">
   <p:cSld>
     <p:spTree>
@@ -5554,17 +5536,6 @@
               <a:rPr lang="cs-CZ" dirty="0" err="1"/>
               <a:t>backend</a:t>
             </a:r>
-            <a:endParaRPr lang="cs-CZ" dirty="0"/>
-          </a:p>
-          <a:p>
-            <a:pPr lvl="1"/>
-            <a:r>
-              <a:rPr lang="cs-CZ" dirty="0"/>
-              <a:t>Mono runtime</a:t>
-            </a:r>
-          </a:p>
-          <a:p>
-            <a:pPr lvl="1"/>
             <a:endParaRPr lang="cs-CZ" dirty="0"/>
           </a:p>
         </p:txBody>
@@ -5833,10 +5804,713 @@
           </a:p>
         </p:txBody>
       </p:sp>
+      <p:sp>
+        <p:nvSpPr>
+          <p:cNvPr id="6" name="TextBox 5">
+            <a:extLst>
+              <a:ext uri="{FF2B5EF4-FFF2-40B4-BE49-F238E27FC236}">
+                <a16:creationId xmlns:a16="http://schemas.microsoft.com/office/drawing/2014/main" id="{17CD60E5-946D-1C7A-1FA5-7668F189C89A}"/>
+              </a:ext>
+            </a:extLst>
+          </p:cNvPr>
+          <p:cNvSpPr txBox="1"/>
+          <p:nvPr/>
+        </p:nvSpPr>
+        <p:spPr>
+          <a:xfrm>
+            <a:off x="698104" y="5383033"/>
+            <a:ext cx="6096000" cy="1200329"/>
+          </a:xfrm>
+          <a:prstGeom prst="rect">
+            <a:avLst/>
+          </a:prstGeom>
+          <a:noFill/>
+        </p:spPr>
+        <p:txBody>
+          <a:bodyPr wrap="square">
+            <a:spAutoFit/>
+          </a:bodyPr>
+          <a:lstStyle/>
+          <a:p>
+            <a:r>
+              <a:rPr lang="cs-CZ" dirty="0">
+                <a:hlinkClick r:id="rId2"/>
+              </a:rPr>
+              <a:t>https://learn.microsoft.com/en-us/aspnet/core/blazor/hosting-models?view=aspnetcore-8.0#which-blazor-hosting-model-should-i-choose</a:t>
+            </a:r>
+            <a:endParaRPr lang="cs-CZ" dirty="0"/>
+          </a:p>
+          <a:p>
+            <a:endParaRPr lang="cs-CZ" dirty="0"/>
+          </a:p>
+        </p:txBody>
+      </p:sp>
     </p:spTree>
     <p:extLst>
       <p:ext uri="{BB962C8B-B14F-4D97-AF65-F5344CB8AC3E}">
         <p14:creationId xmlns:p14="http://schemas.microsoft.com/office/powerpoint/2010/main" val="1563647607"/>
+      </p:ext>
+    </p:extLst>
+  </p:cSld>
+  <p:clrMapOvr>
+    <a:masterClrMapping/>
+  </p:clrMapOvr>
+  <mc:AlternateContent xmlns:mc="http://schemas.openxmlformats.org/markup-compatibility/2006" xmlns:p14="http://schemas.microsoft.com/office/powerpoint/2010/main">
+    <mc:Choice Requires="p14">
+      <p:transition spd="med" p14:dur="700">
+        <p:fade/>
+      </p:transition>
+    </mc:Choice>
+    <mc:Fallback xmlns="">
+      <p:transition spd="med">
+        <p:fade/>
+      </p:transition>
+    </mc:Fallback>
+  </mc:AlternateContent>
+</p:sld>
+</file>
+
+<file path=ppt/slides/slide19.xml><?xml version="1.0" encoding="utf-8"?>
+<p:sld xmlns:a="http://schemas.openxmlformats.org/drawingml/2006/main" xmlns:r="http://schemas.openxmlformats.org/officeDocument/2006/relationships" xmlns:p="http://schemas.openxmlformats.org/presentationml/2006/main">
+  <p:cSld>
+    <p:spTree>
+      <p:nvGrpSpPr>
+        <p:cNvPr id="1" name=""/>
+        <p:cNvGrpSpPr/>
+        <p:nvPr/>
+      </p:nvGrpSpPr>
+      <p:grpSpPr>
+        <a:xfrm>
+          <a:off x="0" y="0"/>
+          <a:ext cx="0" cy="0"/>
+          <a:chOff x="0" y="0"/>
+          <a:chExt cx="0" cy="0"/>
+        </a:xfrm>
+      </p:grpSpPr>
+      <p:sp>
+        <p:nvSpPr>
+          <p:cNvPr id="3" name="Rectangle 2">
+            <a:extLst>
+              <a:ext uri="{FF2B5EF4-FFF2-40B4-BE49-F238E27FC236}">
+                <a16:creationId xmlns:a16="http://schemas.microsoft.com/office/drawing/2014/main" id="{FC1F52AF-BCBE-666D-8689-DAA24FC301D9}"/>
+              </a:ext>
+            </a:extLst>
+          </p:cNvPr>
+          <p:cNvSpPr/>
+          <p:nvPr/>
+        </p:nvSpPr>
+        <p:spPr>
+          <a:xfrm>
+            <a:off x="5879976" y="2505324"/>
+            <a:ext cx="2088232" cy="2160240"/>
+          </a:xfrm>
+          <a:prstGeom prst="rect">
+            <a:avLst/>
+          </a:prstGeom>
+        </p:spPr>
+        <p:style>
+          <a:lnRef idx="2">
+            <a:schemeClr val="accent1">
+              <a:shade val="15000"/>
+            </a:schemeClr>
+          </a:lnRef>
+          <a:fillRef idx="1">
+            <a:schemeClr val="accent1"/>
+          </a:fillRef>
+          <a:effectRef idx="0">
+            <a:schemeClr val="accent1"/>
+          </a:effectRef>
+          <a:fontRef idx="minor">
+            <a:schemeClr val="lt1"/>
+          </a:fontRef>
+        </p:style>
+        <p:txBody>
+          <a:bodyPr rtlCol="0" anchor="ctr"/>
+          <a:lstStyle/>
+          <a:p>
+            <a:pPr algn="ctr"/>
+            <a:r>
+              <a:rPr lang="cs-CZ" dirty="0"/>
+              <a:t>ASP.NET </a:t>
+            </a:r>
+            <a:r>
+              <a:rPr lang="cs-CZ" dirty="0" err="1"/>
+              <a:t>Core</a:t>
+            </a:r>
+            <a:br>
+              <a:rPr lang="cs-CZ" dirty="0"/>
+            </a:br>
+            <a:r>
+              <a:rPr lang="cs-CZ" dirty="0"/>
+              <a:t>Web API, …</a:t>
+            </a:r>
+            <a:br>
+              <a:rPr lang="cs-CZ" dirty="0"/>
+            </a:br>
+            <a:br>
+              <a:rPr lang="cs-CZ" dirty="0"/>
+            </a:br>
+            <a:r>
+              <a:rPr lang="cs-CZ" dirty="0"/>
+              <a:t>BFF</a:t>
+            </a:r>
+          </a:p>
+        </p:txBody>
+      </p:sp>
+      <p:sp>
+        <p:nvSpPr>
+          <p:cNvPr id="4" name="Rectangle 3">
+            <a:extLst>
+              <a:ext uri="{FF2B5EF4-FFF2-40B4-BE49-F238E27FC236}">
+                <a16:creationId xmlns:a16="http://schemas.microsoft.com/office/drawing/2014/main" id="{4B2BDA72-461C-D119-AFE9-CD4CDC09745B}"/>
+              </a:ext>
+            </a:extLst>
+          </p:cNvPr>
+          <p:cNvSpPr/>
+          <p:nvPr/>
+        </p:nvSpPr>
+        <p:spPr>
+          <a:xfrm>
+            <a:off x="1127448" y="1866256"/>
+            <a:ext cx="2520280" cy="2952328"/>
+          </a:xfrm>
+          <a:prstGeom prst="rect">
+            <a:avLst/>
+          </a:prstGeom>
+        </p:spPr>
+        <p:style>
+          <a:lnRef idx="2">
+            <a:schemeClr val="dk1">
+              <a:shade val="15000"/>
+            </a:schemeClr>
+          </a:lnRef>
+          <a:fillRef idx="1">
+            <a:schemeClr val="dk1"/>
+          </a:fillRef>
+          <a:effectRef idx="0">
+            <a:schemeClr val="dk1"/>
+          </a:effectRef>
+          <a:fontRef idx="minor">
+            <a:schemeClr val="lt1"/>
+          </a:fontRef>
+        </p:style>
+        <p:txBody>
+          <a:bodyPr rtlCol="0" anchor="t"/>
+          <a:lstStyle/>
+          <a:p>
+            <a:pPr algn="ctr"/>
+            <a:r>
+              <a:rPr lang="cs-CZ" dirty="0"/>
+              <a:t>Browser</a:t>
+            </a:r>
+          </a:p>
+        </p:txBody>
+      </p:sp>
+      <p:sp>
+        <p:nvSpPr>
+          <p:cNvPr id="2" name="Rectangle 1">
+            <a:extLst>
+              <a:ext uri="{FF2B5EF4-FFF2-40B4-BE49-F238E27FC236}">
+                <a16:creationId xmlns:a16="http://schemas.microsoft.com/office/drawing/2014/main" id="{27DE97C2-1E99-A1EC-C4F2-62C804892DFA}"/>
+              </a:ext>
+            </a:extLst>
+          </p:cNvPr>
+          <p:cNvSpPr/>
+          <p:nvPr/>
+        </p:nvSpPr>
+        <p:spPr>
+          <a:xfrm>
+            <a:off x="1343472" y="2505324"/>
+            <a:ext cx="2088232" cy="2160240"/>
+          </a:xfrm>
+          <a:prstGeom prst="rect">
+            <a:avLst/>
+          </a:prstGeom>
+        </p:spPr>
+        <p:style>
+          <a:lnRef idx="2">
+            <a:schemeClr val="accent1">
+              <a:shade val="15000"/>
+            </a:schemeClr>
+          </a:lnRef>
+          <a:fillRef idx="1">
+            <a:schemeClr val="accent1"/>
+          </a:fillRef>
+          <a:effectRef idx="0">
+            <a:schemeClr val="accent1"/>
+          </a:effectRef>
+          <a:fontRef idx="minor">
+            <a:schemeClr val="lt1"/>
+          </a:fontRef>
+        </p:style>
+        <p:txBody>
+          <a:bodyPr rtlCol="0" anchor="ctr"/>
+          <a:lstStyle/>
+          <a:p>
+            <a:pPr algn="ctr"/>
+            <a:r>
+              <a:rPr lang="cs-CZ" dirty="0" err="1"/>
+              <a:t>Blazor</a:t>
+            </a:r>
+            <a:r>
+              <a:rPr lang="cs-CZ" dirty="0"/>
+              <a:t> </a:t>
+            </a:r>
+            <a:r>
+              <a:rPr lang="cs-CZ" dirty="0" err="1"/>
+              <a:t>WebAssembly</a:t>
+            </a:r>
+            <a:endParaRPr lang="cs-CZ" dirty="0"/>
+          </a:p>
+        </p:txBody>
+      </p:sp>
+      <p:sp>
+        <p:nvSpPr>
+          <p:cNvPr id="5" name="Arrow: Right 4">
+            <a:extLst>
+              <a:ext uri="{FF2B5EF4-FFF2-40B4-BE49-F238E27FC236}">
+                <a16:creationId xmlns:a16="http://schemas.microsoft.com/office/drawing/2014/main" id="{FF90F2D0-B499-19E2-8650-57B858BC5349}"/>
+              </a:ext>
+            </a:extLst>
+          </p:cNvPr>
+          <p:cNvSpPr/>
+          <p:nvPr/>
+        </p:nvSpPr>
+        <p:spPr>
+          <a:xfrm>
+            <a:off x="3935760" y="3261408"/>
+            <a:ext cx="1728192" cy="648072"/>
+          </a:xfrm>
+          <a:prstGeom prst="rightArrow">
+            <a:avLst/>
+          </a:prstGeom>
+        </p:spPr>
+        <p:style>
+          <a:lnRef idx="2">
+            <a:schemeClr val="dk1">
+              <a:shade val="15000"/>
+            </a:schemeClr>
+          </a:lnRef>
+          <a:fillRef idx="1">
+            <a:schemeClr val="dk1"/>
+          </a:fillRef>
+          <a:effectRef idx="0">
+            <a:schemeClr val="dk1"/>
+          </a:effectRef>
+          <a:fontRef idx="minor">
+            <a:schemeClr val="lt1"/>
+          </a:fontRef>
+        </p:style>
+        <p:txBody>
+          <a:bodyPr rtlCol="0" anchor="ctr"/>
+          <a:lstStyle/>
+          <a:p>
+            <a:pPr algn="ctr"/>
+            <a:r>
+              <a:rPr lang="cs-CZ" dirty="0"/>
+              <a:t>http(s)</a:t>
+            </a:r>
+          </a:p>
+        </p:txBody>
+      </p:sp>
+      <p:sp>
+        <p:nvSpPr>
+          <p:cNvPr id="6" name="Arrow: Right 5">
+            <a:extLst>
+              <a:ext uri="{FF2B5EF4-FFF2-40B4-BE49-F238E27FC236}">
+                <a16:creationId xmlns:a16="http://schemas.microsoft.com/office/drawing/2014/main" id="{9DDB76BF-178F-7612-9A72-CDB95CE9F9EB}"/>
+              </a:ext>
+            </a:extLst>
+          </p:cNvPr>
+          <p:cNvSpPr/>
+          <p:nvPr/>
+        </p:nvSpPr>
+        <p:spPr>
+          <a:xfrm rot="2722915">
+            <a:off x="3621205" y="5286636"/>
+            <a:ext cx="1728192" cy="648072"/>
+          </a:xfrm>
+          <a:prstGeom prst="rightArrow">
+            <a:avLst/>
+          </a:prstGeom>
+        </p:spPr>
+        <p:style>
+          <a:lnRef idx="2">
+            <a:schemeClr val="dk1">
+              <a:shade val="15000"/>
+            </a:schemeClr>
+          </a:lnRef>
+          <a:fillRef idx="1">
+            <a:schemeClr val="dk1"/>
+          </a:fillRef>
+          <a:effectRef idx="0">
+            <a:schemeClr val="dk1"/>
+          </a:effectRef>
+          <a:fontRef idx="minor">
+            <a:schemeClr val="lt1"/>
+          </a:fontRef>
+        </p:style>
+        <p:txBody>
+          <a:bodyPr rtlCol="0" anchor="ctr"/>
+          <a:lstStyle/>
+          <a:p>
+            <a:pPr algn="ctr"/>
+            <a:r>
+              <a:rPr lang="cs-CZ" b="1" dirty="0"/>
+              <a:t>http(s</a:t>
+            </a:r>
+            <a:r>
+              <a:rPr lang="cs-CZ" dirty="0"/>
+              <a:t>)</a:t>
+            </a:r>
+          </a:p>
+        </p:txBody>
+      </p:sp>
+      <p:sp>
+        <p:nvSpPr>
+          <p:cNvPr id="7" name="Arrow: Right 6">
+            <a:extLst>
+              <a:ext uri="{FF2B5EF4-FFF2-40B4-BE49-F238E27FC236}">
+                <a16:creationId xmlns:a16="http://schemas.microsoft.com/office/drawing/2014/main" id="{97259D1D-5D97-6785-D2D2-2C4455F3FA85}"/>
+              </a:ext>
+            </a:extLst>
+          </p:cNvPr>
+          <p:cNvSpPr/>
+          <p:nvPr/>
+        </p:nvSpPr>
+        <p:spPr>
+          <a:xfrm rot="18993072">
+            <a:off x="3633798" y="854311"/>
+            <a:ext cx="1728192" cy="648072"/>
+          </a:xfrm>
+          <a:prstGeom prst="rightArrow">
+            <a:avLst/>
+          </a:prstGeom>
+        </p:spPr>
+        <p:style>
+          <a:lnRef idx="2">
+            <a:schemeClr val="dk1">
+              <a:shade val="15000"/>
+            </a:schemeClr>
+          </a:lnRef>
+          <a:fillRef idx="1">
+            <a:schemeClr val="dk1"/>
+          </a:fillRef>
+          <a:effectRef idx="0">
+            <a:schemeClr val="dk1"/>
+          </a:effectRef>
+          <a:fontRef idx="minor">
+            <a:schemeClr val="lt1"/>
+          </a:fontRef>
+        </p:style>
+        <p:txBody>
+          <a:bodyPr rtlCol="0" anchor="ctr"/>
+          <a:lstStyle/>
+          <a:p>
+            <a:pPr algn="ctr"/>
+            <a:r>
+              <a:rPr lang="cs-CZ" b="1" dirty="0"/>
+              <a:t>http(s</a:t>
+            </a:r>
+            <a:r>
+              <a:rPr lang="cs-CZ" dirty="0"/>
+              <a:t>)</a:t>
+            </a:r>
+          </a:p>
+        </p:txBody>
+      </p:sp>
+      <p:sp>
+        <p:nvSpPr>
+          <p:cNvPr id="9" name="Arrow: Right 8">
+            <a:extLst>
+              <a:ext uri="{FF2B5EF4-FFF2-40B4-BE49-F238E27FC236}">
+                <a16:creationId xmlns:a16="http://schemas.microsoft.com/office/drawing/2014/main" id="{73F8234D-DB80-6B05-E9F7-D7303552ED2F}"/>
+              </a:ext>
+            </a:extLst>
+          </p:cNvPr>
+          <p:cNvSpPr/>
+          <p:nvPr/>
+        </p:nvSpPr>
+        <p:spPr>
+          <a:xfrm>
+            <a:off x="8184232" y="4119936"/>
+            <a:ext cx="1728192" cy="648072"/>
+          </a:xfrm>
+          <a:prstGeom prst="rightArrow">
+            <a:avLst/>
+          </a:prstGeom>
+        </p:spPr>
+        <p:style>
+          <a:lnRef idx="2">
+            <a:schemeClr val="dk1">
+              <a:shade val="15000"/>
+            </a:schemeClr>
+          </a:lnRef>
+          <a:fillRef idx="1">
+            <a:schemeClr val="dk1"/>
+          </a:fillRef>
+          <a:effectRef idx="0">
+            <a:schemeClr val="dk1"/>
+          </a:effectRef>
+          <a:fontRef idx="minor">
+            <a:schemeClr val="lt1"/>
+          </a:fontRef>
+        </p:style>
+        <p:txBody>
+          <a:bodyPr rtlCol="0" anchor="ctr"/>
+          <a:lstStyle/>
+          <a:p>
+            <a:pPr algn="ctr"/>
+            <a:r>
+              <a:rPr lang="cs-CZ" dirty="0"/>
+              <a:t>cokoliv</a:t>
+            </a:r>
+          </a:p>
+        </p:txBody>
+      </p:sp>
+      <p:sp>
+        <p:nvSpPr>
+          <p:cNvPr id="10" name="Arrow: Right 9">
+            <a:extLst>
+              <a:ext uri="{FF2B5EF4-FFF2-40B4-BE49-F238E27FC236}">
+                <a16:creationId xmlns:a16="http://schemas.microsoft.com/office/drawing/2014/main" id="{FFE073F6-DFF8-74A1-1B52-AF8B71B87D22}"/>
+              </a:ext>
+            </a:extLst>
+          </p:cNvPr>
+          <p:cNvSpPr/>
+          <p:nvPr/>
+        </p:nvSpPr>
+        <p:spPr>
+          <a:xfrm>
+            <a:off x="8184232" y="3273080"/>
+            <a:ext cx="1728192" cy="648072"/>
+          </a:xfrm>
+          <a:prstGeom prst="rightArrow">
+            <a:avLst/>
+          </a:prstGeom>
+        </p:spPr>
+        <p:style>
+          <a:lnRef idx="2">
+            <a:schemeClr val="dk1">
+              <a:shade val="15000"/>
+            </a:schemeClr>
+          </a:lnRef>
+          <a:fillRef idx="1">
+            <a:schemeClr val="dk1"/>
+          </a:fillRef>
+          <a:effectRef idx="0">
+            <a:schemeClr val="dk1"/>
+          </a:effectRef>
+          <a:fontRef idx="minor">
+            <a:schemeClr val="lt1"/>
+          </a:fontRef>
+        </p:style>
+        <p:txBody>
+          <a:bodyPr rtlCol="0" anchor="ctr"/>
+          <a:lstStyle/>
+          <a:p>
+            <a:pPr algn="ctr"/>
+            <a:r>
+              <a:rPr lang="cs-CZ" dirty="0"/>
+              <a:t>cokoliv</a:t>
+            </a:r>
+          </a:p>
+        </p:txBody>
+      </p:sp>
+      <p:sp>
+        <p:nvSpPr>
+          <p:cNvPr id="11" name="Arrow: Right 10">
+            <a:extLst>
+              <a:ext uri="{FF2B5EF4-FFF2-40B4-BE49-F238E27FC236}">
+                <a16:creationId xmlns:a16="http://schemas.microsoft.com/office/drawing/2014/main" id="{0D95C992-BE60-D7C7-388A-11BBFC56EDCC}"/>
+              </a:ext>
+            </a:extLst>
+          </p:cNvPr>
+          <p:cNvSpPr/>
+          <p:nvPr/>
+        </p:nvSpPr>
+        <p:spPr>
+          <a:xfrm>
+            <a:off x="8184232" y="2509368"/>
+            <a:ext cx="1728192" cy="648072"/>
+          </a:xfrm>
+          <a:prstGeom prst="rightArrow">
+            <a:avLst/>
+          </a:prstGeom>
+        </p:spPr>
+        <p:style>
+          <a:lnRef idx="2">
+            <a:schemeClr val="dk1">
+              <a:shade val="15000"/>
+            </a:schemeClr>
+          </a:lnRef>
+          <a:fillRef idx="1">
+            <a:schemeClr val="dk1"/>
+          </a:fillRef>
+          <a:effectRef idx="0">
+            <a:schemeClr val="dk1"/>
+          </a:effectRef>
+          <a:fontRef idx="minor">
+            <a:schemeClr val="lt1"/>
+          </a:fontRef>
+        </p:style>
+        <p:txBody>
+          <a:bodyPr rtlCol="0" anchor="ctr"/>
+          <a:lstStyle/>
+          <a:p>
+            <a:pPr algn="ctr"/>
+            <a:r>
+              <a:rPr lang="cs-CZ" dirty="0"/>
+              <a:t>cokoliv</a:t>
+            </a:r>
+          </a:p>
+        </p:txBody>
+      </p:sp>
+      <p:sp>
+        <p:nvSpPr>
+          <p:cNvPr id="12" name="Rectangle 11">
+            <a:extLst>
+              <a:ext uri="{FF2B5EF4-FFF2-40B4-BE49-F238E27FC236}">
+                <a16:creationId xmlns:a16="http://schemas.microsoft.com/office/drawing/2014/main" id="{748993A9-B62D-D5EE-387B-F609E13D2398}"/>
+              </a:ext>
+            </a:extLst>
+          </p:cNvPr>
+          <p:cNvSpPr/>
+          <p:nvPr/>
+        </p:nvSpPr>
+        <p:spPr>
+          <a:xfrm>
+            <a:off x="10200456" y="2505324"/>
+            <a:ext cx="1656184" cy="648072"/>
+          </a:xfrm>
+          <a:prstGeom prst="rect">
+            <a:avLst/>
+          </a:prstGeom>
+        </p:spPr>
+        <p:style>
+          <a:lnRef idx="2">
+            <a:schemeClr val="dk1"/>
+          </a:lnRef>
+          <a:fillRef idx="1">
+            <a:schemeClr val="lt1"/>
+          </a:fillRef>
+          <a:effectRef idx="0">
+            <a:schemeClr val="dk1"/>
+          </a:effectRef>
+          <a:fontRef idx="minor">
+            <a:schemeClr val="dk1"/>
+          </a:fontRef>
+        </p:style>
+        <p:txBody>
+          <a:bodyPr rtlCol="0" anchor="ctr"/>
+          <a:lstStyle/>
+          <a:p>
+            <a:pPr algn="ctr"/>
+            <a:r>
+              <a:rPr lang="cs-CZ" dirty="0"/>
+              <a:t>…</a:t>
+            </a:r>
+          </a:p>
+        </p:txBody>
+      </p:sp>
+      <p:sp>
+        <p:nvSpPr>
+          <p:cNvPr id="13" name="Rectangle 12">
+            <a:extLst>
+              <a:ext uri="{FF2B5EF4-FFF2-40B4-BE49-F238E27FC236}">
+                <a16:creationId xmlns:a16="http://schemas.microsoft.com/office/drawing/2014/main" id="{3181FCB6-757C-AE96-268A-0F84849B8C76}"/>
+              </a:ext>
+            </a:extLst>
+          </p:cNvPr>
+          <p:cNvSpPr/>
+          <p:nvPr/>
+        </p:nvSpPr>
+        <p:spPr>
+          <a:xfrm>
+            <a:off x="10200456" y="3273080"/>
+            <a:ext cx="1656184" cy="648072"/>
+          </a:xfrm>
+          <a:prstGeom prst="rect">
+            <a:avLst/>
+          </a:prstGeom>
+        </p:spPr>
+        <p:style>
+          <a:lnRef idx="2">
+            <a:schemeClr val="dk1"/>
+          </a:lnRef>
+          <a:fillRef idx="1">
+            <a:schemeClr val="lt1"/>
+          </a:fillRef>
+          <a:effectRef idx="0">
+            <a:schemeClr val="dk1"/>
+          </a:effectRef>
+          <a:fontRef idx="minor">
+            <a:schemeClr val="dk1"/>
+          </a:fontRef>
+        </p:style>
+        <p:txBody>
+          <a:bodyPr rtlCol="0" anchor="ctr"/>
+          <a:lstStyle/>
+          <a:p>
+            <a:pPr algn="ctr"/>
+            <a:r>
+              <a:rPr lang="cs-CZ" dirty="0"/>
+              <a:t>…</a:t>
+            </a:r>
+          </a:p>
+        </p:txBody>
+      </p:sp>
+      <p:sp>
+        <p:nvSpPr>
+          <p:cNvPr id="14" name="Rectangle 13">
+            <a:extLst>
+              <a:ext uri="{FF2B5EF4-FFF2-40B4-BE49-F238E27FC236}">
+                <a16:creationId xmlns:a16="http://schemas.microsoft.com/office/drawing/2014/main" id="{ABB4B674-F6BA-B1BF-41D9-36586AD98874}"/>
+              </a:ext>
+            </a:extLst>
+          </p:cNvPr>
+          <p:cNvSpPr/>
+          <p:nvPr/>
+        </p:nvSpPr>
+        <p:spPr>
+          <a:xfrm>
+            <a:off x="10200456" y="4119936"/>
+            <a:ext cx="1656184" cy="648072"/>
+          </a:xfrm>
+          <a:prstGeom prst="rect">
+            <a:avLst/>
+          </a:prstGeom>
+        </p:spPr>
+        <p:style>
+          <a:lnRef idx="2">
+            <a:schemeClr val="dk1"/>
+          </a:lnRef>
+          <a:fillRef idx="1">
+            <a:schemeClr val="lt1"/>
+          </a:fillRef>
+          <a:effectRef idx="0">
+            <a:schemeClr val="dk1"/>
+          </a:effectRef>
+          <a:fontRef idx="minor">
+            <a:schemeClr val="dk1"/>
+          </a:fontRef>
+        </p:style>
+        <p:txBody>
+          <a:bodyPr rtlCol="0" anchor="ctr"/>
+          <a:lstStyle/>
+          <a:p>
+            <a:pPr algn="ctr"/>
+            <a:r>
+              <a:rPr lang="cs-CZ" dirty="0"/>
+              <a:t>…</a:t>
+            </a:r>
+          </a:p>
+        </p:txBody>
+      </p:sp>
+    </p:spTree>
+    <p:extLst>
+      <p:ext uri="{BB962C8B-B14F-4D97-AF65-F5344CB8AC3E}">
+        <p14:creationId xmlns:p14="http://schemas.microsoft.com/office/powerpoint/2010/main" val="2097659395"/>
       </p:ext>
     </p:extLst>
   </p:cSld>
@@ -6780,6 +7454,494 @@
 </p:sld>
 </file>
 
+<file path=ppt/slides/slide20.xml><?xml version="1.0" encoding="utf-8"?>
+<p:sld xmlns:a="http://schemas.openxmlformats.org/drawingml/2006/main" xmlns:r="http://schemas.openxmlformats.org/officeDocument/2006/relationships" xmlns:p="http://schemas.openxmlformats.org/presentationml/2006/main">
+  <p:cSld>
+    <p:spTree>
+      <p:nvGrpSpPr>
+        <p:cNvPr id="1" name=""/>
+        <p:cNvGrpSpPr/>
+        <p:nvPr/>
+      </p:nvGrpSpPr>
+      <p:grpSpPr>
+        <a:xfrm>
+          <a:off x="0" y="0"/>
+          <a:ext cx="0" cy="0"/>
+          <a:chOff x="0" y="0"/>
+          <a:chExt cx="0" cy="0"/>
+        </a:xfrm>
+      </p:grpSpPr>
+      <p:sp>
+        <p:nvSpPr>
+          <p:cNvPr id="3" name="Rectangle 2">
+            <a:extLst>
+              <a:ext uri="{FF2B5EF4-FFF2-40B4-BE49-F238E27FC236}">
+                <a16:creationId xmlns:a16="http://schemas.microsoft.com/office/drawing/2014/main" id="{FC1F52AF-BCBE-666D-8689-DAA24FC301D9}"/>
+              </a:ext>
+            </a:extLst>
+          </p:cNvPr>
+          <p:cNvSpPr/>
+          <p:nvPr/>
+        </p:nvSpPr>
+        <p:spPr>
+          <a:xfrm>
+            <a:off x="5879976" y="2505324"/>
+            <a:ext cx="2088232" cy="2160240"/>
+          </a:xfrm>
+          <a:prstGeom prst="rect">
+            <a:avLst/>
+          </a:prstGeom>
+        </p:spPr>
+        <p:style>
+          <a:lnRef idx="2">
+            <a:schemeClr val="accent1">
+              <a:shade val="15000"/>
+            </a:schemeClr>
+          </a:lnRef>
+          <a:fillRef idx="1">
+            <a:schemeClr val="accent1"/>
+          </a:fillRef>
+          <a:effectRef idx="0">
+            <a:schemeClr val="accent1"/>
+          </a:effectRef>
+          <a:fontRef idx="minor">
+            <a:schemeClr val="lt1"/>
+          </a:fontRef>
+        </p:style>
+        <p:txBody>
+          <a:bodyPr rtlCol="0" anchor="ctr"/>
+          <a:lstStyle/>
+          <a:p>
+            <a:pPr algn="ctr"/>
+            <a:r>
+              <a:rPr lang="cs-CZ" dirty="0" err="1"/>
+              <a:t>Blazor</a:t>
+            </a:r>
+            <a:br>
+              <a:rPr lang="cs-CZ" dirty="0"/>
+            </a:br>
+            <a:r>
+              <a:rPr lang="cs-CZ" dirty="0"/>
+              <a:t>Server</a:t>
+            </a:r>
+          </a:p>
+        </p:txBody>
+      </p:sp>
+      <p:sp>
+        <p:nvSpPr>
+          <p:cNvPr id="2" name="Rectangle 1">
+            <a:extLst>
+              <a:ext uri="{FF2B5EF4-FFF2-40B4-BE49-F238E27FC236}">
+                <a16:creationId xmlns:a16="http://schemas.microsoft.com/office/drawing/2014/main" id="{27DE97C2-1E99-A1EC-C4F2-62C804892DFA}"/>
+              </a:ext>
+            </a:extLst>
+          </p:cNvPr>
+          <p:cNvSpPr/>
+          <p:nvPr/>
+        </p:nvSpPr>
+        <p:spPr>
+          <a:xfrm>
+            <a:off x="1199456" y="2505324"/>
+            <a:ext cx="2088232" cy="2160240"/>
+          </a:xfrm>
+          <a:prstGeom prst="rect">
+            <a:avLst/>
+          </a:prstGeom>
+        </p:spPr>
+        <p:style>
+          <a:lnRef idx="2">
+            <a:schemeClr val="dk1">
+              <a:shade val="15000"/>
+            </a:schemeClr>
+          </a:lnRef>
+          <a:fillRef idx="1">
+            <a:schemeClr val="dk1"/>
+          </a:fillRef>
+          <a:effectRef idx="0">
+            <a:schemeClr val="dk1"/>
+          </a:effectRef>
+          <a:fontRef idx="minor">
+            <a:schemeClr val="lt1"/>
+          </a:fontRef>
+        </p:style>
+        <p:txBody>
+          <a:bodyPr rtlCol="0" anchor="ctr"/>
+          <a:lstStyle/>
+          <a:p>
+            <a:pPr algn="ctr"/>
+            <a:r>
+              <a:rPr lang="cs-CZ" dirty="0"/>
+              <a:t>Browser</a:t>
+            </a:r>
+          </a:p>
+        </p:txBody>
+      </p:sp>
+      <p:sp>
+        <p:nvSpPr>
+          <p:cNvPr id="9" name="Arrow: Right 8">
+            <a:extLst>
+              <a:ext uri="{FF2B5EF4-FFF2-40B4-BE49-F238E27FC236}">
+                <a16:creationId xmlns:a16="http://schemas.microsoft.com/office/drawing/2014/main" id="{73F8234D-DB80-6B05-E9F7-D7303552ED2F}"/>
+              </a:ext>
+            </a:extLst>
+          </p:cNvPr>
+          <p:cNvSpPr/>
+          <p:nvPr/>
+        </p:nvSpPr>
+        <p:spPr>
+          <a:xfrm>
+            <a:off x="8184232" y="4119936"/>
+            <a:ext cx="1728192" cy="648072"/>
+          </a:xfrm>
+          <a:prstGeom prst="rightArrow">
+            <a:avLst/>
+          </a:prstGeom>
+        </p:spPr>
+        <p:style>
+          <a:lnRef idx="2">
+            <a:schemeClr val="dk1">
+              <a:shade val="15000"/>
+            </a:schemeClr>
+          </a:lnRef>
+          <a:fillRef idx="1">
+            <a:schemeClr val="dk1"/>
+          </a:fillRef>
+          <a:effectRef idx="0">
+            <a:schemeClr val="dk1"/>
+          </a:effectRef>
+          <a:fontRef idx="minor">
+            <a:schemeClr val="lt1"/>
+          </a:fontRef>
+        </p:style>
+        <p:txBody>
+          <a:bodyPr rtlCol="0" anchor="ctr"/>
+          <a:lstStyle/>
+          <a:p>
+            <a:pPr algn="ctr"/>
+            <a:r>
+              <a:rPr lang="cs-CZ" dirty="0"/>
+              <a:t>cokoliv</a:t>
+            </a:r>
+          </a:p>
+        </p:txBody>
+      </p:sp>
+      <p:sp>
+        <p:nvSpPr>
+          <p:cNvPr id="10" name="Arrow: Right 9">
+            <a:extLst>
+              <a:ext uri="{FF2B5EF4-FFF2-40B4-BE49-F238E27FC236}">
+                <a16:creationId xmlns:a16="http://schemas.microsoft.com/office/drawing/2014/main" id="{FFE073F6-DFF8-74A1-1B52-AF8B71B87D22}"/>
+              </a:ext>
+            </a:extLst>
+          </p:cNvPr>
+          <p:cNvSpPr/>
+          <p:nvPr/>
+        </p:nvSpPr>
+        <p:spPr>
+          <a:xfrm>
+            <a:off x="8184232" y="3273080"/>
+            <a:ext cx="1728192" cy="648072"/>
+          </a:xfrm>
+          <a:prstGeom prst="rightArrow">
+            <a:avLst/>
+          </a:prstGeom>
+        </p:spPr>
+        <p:style>
+          <a:lnRef idx="2">
+            <a:schemeClr val="dk1">
+              <a:shade val="15000"/>
+            </a:schemeClr>
+          </a:lnRef>
+          <a:fillRef idx="1">
+            <a:schemeClr val="dk1"/>
+          </a:fillRef>
+          <a:effectRef idx="0">
+            <a:schemeClr val="dk1"/>
+          </a:effectRef>
+          <a:fontRef idx="minor">
+            <a:schemeClr val="lt1"/>
+          </a:fontRef>
+        </p:style>
+        <p:txBody>
+          <a:bodyPr rtlCol="0" anchor="ctr"/>
+          <a:lstStyle/>
+          <a:p>
+            <a:pPr algn="ctr"/>
+            <a:r>
+              <a:rPr lang="cs-CZ" dirty="0"/>
+              <a:t>cokoliv</a:t>
+            </a:r>
+          </a:p>
+        </p:txBody>
+      </p:sp>
+      <p:sp>
+        <p:nvSpPr>
+          <p:cNvPr id="11" name="Arrow: Right 10">
+            <a:extLst>
+              <a:ext uri="{FF2B5EF4-FFF2-40B4-BE49-F238E27FC236}">
+                <a16:creationId xmlns:a16="http://schemas.microsoft.com/office/drawing/2014/main" id="{0D95C992-BE60-D7C7-388A-11BBFC56EDCC}"/>
+              </a:ext>
+            </a:extLst>
+          </p:cNvPr>
+          <p:cNvSpPr/>
+          <p:nvPr/>
+        </p:nvSpPr>
+        <p:spPr>
+          <a:xfrm>
+            <a:off x="8184232" y="2509368"/>
+            <a:ext cx="1728192" cy="648072"/>
+          </a:xfrm>
+          <a:prstGeom prst="rightArrow">
+            <a:avLst/>
+          </a:prstGeom>
+        </p:spPr>
+        <p:style>
+          <a:lnRef idx="2">
+            <a:schemeClr val="dk1">
+              <a:shade val="15000"/>
+            </a:schemeClr>
+          </a:lnRef>
+          <a:fillRef idx="1">
+            <a:schemeClr val="dk1"/>
+          </a:fillRef>
+          <a:effectRef idx="0">
+            <a:schemeClr val="dk1"/>
+          </a:effectRef>
+          <a:fontRef idx="minor">
+            <a:schemeClr val="lt1"/>
+          </a:fontRef>
+        </p:style>
+        <p:txBody>
+          <a:bodyPr rtlCol="0" anchor="ctr"/>
+          <a:lstStyle/>
+          <a:p>
+            <a:pPr algn="ctr"/>
+            <a:r>
+              <a:rPr lang="cs-CZ" dirty="0"/>
+              <a:t>cokoliv</a:t>
+            </a:r>
+          </a:p>
+        </p:txBody>
+      </p:sp>
+      <p:sp>
+        <p:nvSpPr>
+          <p:cNvPr id="12" name="Rectangle 11">
+            <a:extLst>
+              <a:ext uri="{FF2B5EF4-FFF2-40B4-BE49-F238E27FC236}">
+                <a16:creationId xmlns:a16="http://schemas.microsoft.com/office/drawing/2014/main" id="{748993A9-B62D-D5EE-387B-F609E13D2398}"/>
+              </a:ext>
+            </a:extLst>
+          </p:cNvPr>
+          <p:cNvSpPr/>
+          <p:nvPr/>
+        </p:nvSpPr>
+        <p:spPr>
+          <a:xfrm>
+            <a:off x="10200456" y="2505324"/>
+            <a:ext cx="1656184" cy="648072"/>
+          </a:xfrm>
+          <a:prstGeom prst="rect">
+            <a:avLst/>
+          </a:prstGeom>
+        </p:spPr>
+        <p:style>
+          <a:lnRef idx="2">
+            <a:schemeClr val="dk1"/>
+          </a:lnRef>
+          <a:fillRef idx="1">
+            <a:schemeClr val="lt1"/>
+          </a:fillRef>
+          <a:effectRef idx="0">
+            <a:schemeClr val="dk1"/>
+          </a:effectRef>
+          <a:fontRef idx="minor">
+            <a:schemeClr val="dk1"/>
+          </a:fontRef>
+        </p:style>
+        <p:txBody>
+          <a:bodyPr rtlCol="0" anchor="ctr"/>
+          <a:lstStyle/>
+          <a:p>
+            <a:pPr algn="ctr"/>
+            <a:r>
+              <a:rPr lang="cs-CZ" dirty="0"/>
+              <a:t>…</a:t>
+            </a:r>
+          </a:p>
+        </p:txBody>
+      </p:sp>
+      <p:sp>
+        <p:nvSpPr>
+          <p:cNvPr id="13" name="Rectangle 12">
+            <a:extLst>
+              <a:ext uri="{FF2B5EF4-FFF2-40B4-BE49-F238E27FC236}">
+                <a16:creationId xmlns:a16="http://schemas.microsoft.com/office/drawing/2014/main" id="{3181FCB6-757C-AE96-268A-0F84849B8C76}"/>
+              </a:ext>
+            </a:extLst>
+          </p:cNvPr>
+          <p:cNvSpPr/>
+          <p:nvPr/>
+        </p:nvSpPr>
+        <p:spPr>
+          <a:xfrm>
+            <a:off x="10200456" y="3273080"/>
+            <a:ext cx="1656184" cy="648072"/>
+          </a:xfrm>
+          <a:prstGeom prst="rect">
+            <a:avLst/>
+          </a:prstGeom>
+        </p:spPr>
+        <p:style>
+          <a:lnRef idx="2">
+            <a:schemeClr val="dk1"/>
+          </a:lnRef>
+          <a:fillRef idx="1">
+            <a:schemeClr val="lt1"/>
+          </a:fillRef>
+          <a:effectRef idx="0">
+            <a:schemeClr val="dk1"/>
+          </a:effectRef>
+          <a:fontRef idx="minor">
+            <a:schemeClr val="dk1"/>
+          </a:fontRef>
+        </p:style>
+        <p:txBody>
+          <a:bodyPr rtlCol="0" anchor="ctr"/>
+          <a:lstStyle/>
+          <a:p>
+            <a:pPr algn="ctr"/>
+            <a:r>
+              <a:rPr lang="cs-CZ" dirty="0"/>
+              <a:t>…</a:t>
+            </a:r>
+          </a:p>
+        </p:txBody>
+      </p:sp>
+      <p:sp>
+        <p:nvSpPr>
+          <p:cNvPr id="14" name="Rectangle 13">
+            <a:extLst>
+              <a:ext uri="{FF2B5EF4-FFF2-40B4-BE49-F238E27FC236}">
+                <a16:creationId xmlns:a16="http://schemas.microsoft.com/office/drawing/2014/main" id="{ABB4B674-F6BA-B1BF-41D9-36586AD98874}"/>
+              </a:ext>
+            </a:extLst>
+          </p:cNvPr>
+          <p:cNvSpPr/>
+          <p:nvPr/>
+        </p:nvSpPr>
+        <p:spPr>
+          <a:xfrm>
+            <a:off x="10200456" y="4119936"/>
+            <a:ext cx="1656184" cy="648072"/>
+          </a:xfrm>
+          <a:prstGeom prst="rect">
+            <a:avLst/>
+          </a:prstGeom>
+        </p:spPr>
+        <p:style>
+          <a:lnRef idx="2">
+            <a:schemeClr val="dk1"/>
+          </a:lnRef>
+          <a:fillRef idx="1">
+            <a:schemeClr val="lt1"/>
+          </a:fillRef>
+          <a:effectRef idx="0">
+            <a:schemeClr val="dk1"/>
+          </a:effectRef>
+          <a:fontRef idx="minor">
+            <a:schemeClr val="dk1"/>
+          </a:fontRef>
+        </p:style>
+        <p:txBody>
+          <a:bodyPr rtlCol="0" anchor="ctr"/>
+          <a:lstStyle/>
+          <a:p>
+            <a:pPr algn="ctr"/>
+            <a:r>
+              <a:rPr lang="cs-CZ" dirty="0"/>
+              <a:t>…</a:t>
+            </a:r>
+          </a:p>
+        </p:txBody>
+      </p:sp>
+      <p:sp>
+        <p:nvSpPr>
+          <p:cNvPr id="8" name="Arrow: Left-Right 7">
+            <a:extLst>
+              <a:ext uri="{FF2B5EF4-FFF2-40B4-BE49-F238E27FC236}">
+                <a16:creationId xmlns:a16="http://schemas.microsoft.com/office/drawing/2014/main" id="{51F37F72-09D9-A88A-617A-E9044DBEB314}"/>
+              </a:ext>
+            </a:extLst>
+          </p:cNvPr>
+          <p:cNvSpPr/>
+          <p:nvPr/>
+        </p:nvSpPr>
+        <p:spPr>
+          <a:xfrm>
+            <a:off x="3503712" y="3068960"/>
+            <a:ext cx="2206848" cy="852192"/>
+          </a:xfrm>
+          <a:prstGeom prst="leftRightArrow">
+            <a:avLst/>
+          </a:prstGeom>
+        </p:spPr>
+        <p:style>
+          <a:lnRef idx="2">
+            <a:schemeClr val="dk1">
+              <a:shade val="15000"/>
+            </a:schemeClr>
+          </a:lnRef>
+          <a:fillRef idx="1">
+            <a:schemeClr val="dk1"/>
+          </a:fillRef>
+          <a:effectRef idx="0">
+            <a:schemeClr val="dk1"/>
+          </a:effectRef>
+          <a:fontRef idx="minor">
+            <a:schemeClr val="lt1"/>
+          </a:fontRef>
+        </p:style>
+        <p:txBody>
+          <a:bodyPr rtlCol="0" anchor="ctr"/>
+          <a:lstStyle/>
+          <a:p>
+            <a:pPr algn="ctr"/>
+            <a:r>
+              <a:rPr lang="cs-CZ" dirty="0" err="1"/>
+              <a:t>SignalR</a:t>
+            </a:r>
+            <a:r>
+              <a:rPr lang="cs-CZ" dirty="0"/>
+              <a:t> / http(s)</a:t>
+            </a:r>
+          </a:p>
+        </p:txBody>
+      </p:sp>
+    </p:spTree>
+    <p:extLst>
+      <p:ext uri="{BB962C8B-B14F-4D97-AF65-F5344CB8AC3E}">
+        <p14:creationId xmlns:p14="http://schemas.microsoft.com/office/powerpoint/2010/main" val="2360203564"/>
+      </p:ext>
+    </p:extLst>
+  </p:cSld>
+  <p:clrMapOvr>
+    <a:masterClrMapping/>
+  </p:clrMapOvr>
+  <mc:AlternateContent xmlns:mc="http://schemas.openxmlformats.org/markup-compatibility/2006" xmlns:p14="http://schemas.microsoft.com/office/powerpoint/2010/main">
+    <mc:Choice Requires="p14">
+      <p:transition spd="med" p14:dur="700">
+        <p:fade/>
+      </p:transition>
+    </mc:Choice>
+    <mc:Fallback xmlns="">
+      <p:transition spd="med">
+        <p:fade/>
+      </p:transition>
+    </mc:Fallback>
+  </mc:AlternateContent>
+</p:sld>
+</file>
+
 <file path=ppt/slides/slide3.xml><?xml version="1.0" encoding="utf-8"?>
 <p:sld xmlns:a="http://schemas.openxmlformats.org/drawingml/2006/main" xmlns:r="http://schemas.openxmlformats.org/officeDocument/2006/relationships" xmlns:p="http://schemas.openxmlformats.org/presentationml/2006/main">
   <p:cSld>
@@ -7274,7 +8436,7 @@
 </file>
 
 <file path=ppt/slides/slide6.xml><?xml version="1.0" encoding="utf-8"?>
-<p:sld xmlns:a="http://schemas.openxmlformats.org/drawingml/2006/main" xmlns:r="http://schemas.openxmlformats.org/officeDocument/2006/relationships" xmlns:p="http://schemas.openxmlformats.org/presentationml/2006/main">
+<p:sld xmlns:a="http://schemas.openxmlformats.org/drawingml/2006/main" xmlns:r="http://schemas.openxmlformats.org/officeDocument/2006/relationships" xmlns:p="http://schemas.openxmlformats.org/presentationml/2006/main" showMasterSp="0">
   <p:cSld>
     <p:spTree>
       <p:nvGrpSpPr>
@@ -7290,40 +8452,12 @@
           <a:chExt cx="0" cy="0"/>
         </a:xfrm>
       </p:grpSpPr>
-      <p:sp>
-        <p:nvSpPr>
-          <p:cNvPr id="2" name="Title 1">
+      <p:pic>
+        <p:nvPicPr>
+          <p:cNvPr id="9" name="Content Placeholder 8">
             <a:extLst>
               <a:ext uri="{FF2B5EF4-FFF2-40B4-BE49-F238E27FC236}">
-                <a16:creationId xmlns:a16="http://schemas.microsoft.com/office/drawing/2014/main" id="{AB637A2E-1F9E-4FFB-AEA2-37EC1D31EEEA}"/>
-              </a:ext>
-            </a:extLst>
-          </p:cNvPr>
-          <p:cNvSpPr>
-            <a:spLocks noGrp="1"/>
-          </p:cNvSpPr>
-          <p:nvPr>
-            <p:ph type="title"/>
-          </p:nvPr>
-        </p:nvSpPr>
-        <p:spPr/>
-        <p:txBody>
-          <a:bodyPr/>
-          <a:lstStyle/>
-          <a:p>
-            <a:r>
-              <a:rPr lang="cs-CZ" dirty="0"/>
-              <a:t>WebAssembly / WASM</a:t>
-            </a:r>
-          </a:p>
-        </p:txBody>
-      </p:sp>
-      <p:pic>
-        <p:nvPicPr>
-          <p:cNvPr id="4" name="Content Placeholder 3">
-            <a:extLst>
-              <a:ext uri="{FF2B5EF4-FFF2-40B4-BE49-F238E27FC236}">
-                <a16:creationId xmlns:a16="http://schemas.microsoft.com/office/drawing/2014/main" id="{8594CB91-7B15-4391-BA3C-682781D31A34}"/>
+                <a16:creationId xmlns:a16="http://schemas.microsoft.com/office/drawing/2014/main" id="{517F5D39-D927-F49C-FD90-7867F2CD5FF3}"/>
               </a:ext>
             </a:extLst>
           </p:cNvPr>
@@ -7342,12 +8476,9 @@
         </p:blipFill>
         <p:spPr>
           <a:xfrm>
-            <a:off x="2582708" y="1622276"/>
-            <a:ext cx="7026584" cy="5257800"/>
+            <a:off x="378874" y="650191"/>
+            <a:ext cx="11434251" cy="5557617"/>
           </a:xfrm>
-          <a:prstGeom prst="rect">
-            <a:avLst/>
-          </a:prstGeom>
         </p:spPr>
       </p:pic>
     </p:spTree>
@@ -7705,7 +8836,7 @@
 </file>
 
 <file path=ppt/slides/slide8.xml><?xml version="1.0" encoding="utf-8"?>
-<p:sld xmlns:a="http://schemas.openxmlformats.org/drawingml/2006/main" xmlns:r="http://schemas.openxmlformats.org/officeDocument/2006/relationships" xmlns:p="http://schemas.openxmlformats.org/presentationml/2006/main">
+<p:sld xmlns:a="http://schemas.openxmlformats.org/drawingml/2006/main" xmlns:r="http://schemas.openxmlformats.org/officeDocument/2006/relationships" xmlns:p="http://schemas.openxmlformats.org/presentationml/2006/main" showMasterSp="0">
   <p:cSld>
     <p:spTree>
       <p:nvGrpSpPr>
@@ -7721,120 +8852,104 @@
           <a:chExt cx="0" cy="0"/>
         </a:xfrm>
       </p:grpSpPr>
-      <p:sp>
-        <p:nvSpPr>
-          <p:cNvPr id="2" name="Title 1">
+      <p:pic>
+        <p:nvPicPr>
+          <p:cNvPr id="1026" name="Picture 2" descr="The browser interacts with Blazor (hosted inside of an ASP.NET Core app) on the server over a SignalR connection.">
             <a:extLst>
               <a:ext uri="{FF2B5EF4-FFF2-40B4-BE49-F238E27FC236}">
-                <a16:creationId xmlns:a16="http://schemas.microsoft.com/office/drawing/2014/main" id="{ACD14574-FA03-475F-BD33-F8A2EBBC06D2}"/>
-              </a:ext>
-            </a:extLst>
-          </p:cNvPr>
-          <p:cNvSpPr>
-            <a:spLocks noGrp="1"/>
-          </p:cNvSpPr>
-          <p:nvPr>
-            <p:ph type="title"/>
-          </p:nvPr>
-        </p:nvSpPr>
-        <p:spPr/>
-        <p:txBody>
-          <a:bodyPr/>
-          <a:lstStyle/>
-          <a:p>
-            <a:endParaRPr lang="cs-CZ"/>
-          </a:p>
-        </p:txBody>
-      </p:sp>
-      <p:sp>
-        <p:nvSpPr>
-          <p:cNvPr id="3" name="Content Placeholder 2">
-            <a:extLst>
-              <a:ext uri="{FF2B5EF4-FFF2-40B4-BE49-F238E27FC236}">
-                <a16:creationId xmlns:a16="http://schemas.microsoft.com/office/drawing/2014/main" id="{4E059203-6BBE-465F-9CB9-722C07D18ECB}"/>
-              </a:ext>
-            </a:extLst>
-          </p:cNvPr>
-          <p:cNvSpPr>
-            <a:spLocks noGrp="1"/>
-          </p:cNvSpPr>
-          <p:nvPr>
-            <p:ph idx="1"/>
-          </p:nvPr>
-        </p:nvSpPr>
-        <p:spPr/>
-        <p:txBody>
-          <a:bodyPr/>
-          <a:lstStyle/>
-          <a:p>
-            <a:endParaRPr lang="cs-CZ" dirty="0"/>
-          </a:p>
-        </p:txBody>
-      </p:sp>
-      <p:pic>
-        <p:nvPicPr>
-          <p:cNvPr id="4" name="Picture 3">
-            <a:extLst>
-              <a:ext uri="{FF2B5EF4-FFF2-40B4-BE49-F238E27FC236}">
-                <a16:creationId xmlns:a16="http://schemas.microsoft.com/office/drawing/2014/main" id="{358464AD-EB6D-449D-8A01-146DD29F2DA4}"/>
+                <a16:creationId xmlns:a16="http://schemas.microsoft.com/office/drawing/2014/main" id="{B74456F5-87E7-1D75-65D2-4B1509BA7C98}"/>
               </a:ext>
             </a:extLst>
           </p:cNvPr>
           <p:cNvPicPr>
-            <a:picLocks noChangeAspect="1"/>
+            <a:picLocks noChangeAspect="1" noChangeArrowheads="1"/>
           </p:cNvPicPr>
           <p:nvPr/>
         </p:nvPicPr>
         <p:blipFill>
-          <a:blip r:embed="rId2"/>
+          <a:blip r:embed="rId2">
+            <a:extLst>
+              <a:ext uri="{28A0092B-C50C-407E-A947-70E740481C1C}">
+                <a14:useLocalDpi xmlns:a14="http://schemas.microsoft.com/office/drawing/2010/main" val="0"/>
+              </a:ext>
+            </a:extLst>
+          </a:blip>
+          <a:srcRect/>
           <a:stretch>
             <a:fillRect/>
           </a:stretch>
         </p:blipFill>
-        <p:spPr>
+        <p:spPr bwMode="auto">
           <a:xfrm>
-            <a:off x="695400" y="1638784"/>
-            <a:ext cx="4305901" cy="4448796"/>
+            <a:off x="5231904" y="1233487"/>
+            <a:ext cx="6734175" cy="4391025"/>
           </a:xfrm>
           <a:prstGeom prst="rect">
             <a:avLst/>
           </a:prstGeom>
+          <a:noFill/>
+          <a:extLst>
+            <a:ext uri="{909E8E84-426E-40DD-AFC4-6F175D3DCCD1}">
+              <a14:hiddenFill xmlns:a14="http://schemas.microsoft.com/office/drawing/2010/main">
+                <a:solidFill>
+                  <a:srgbClr val="FFFFFF"/>
+                </a:solidFill>
+              </a14:hiddenFill>
+            </a:ext>
+          </a:extLst>
         </p:spPr>
       </p:pic>
       <p:pic>
         <p:nvPicPr>
-          <p:cNvPr id="5" name="Picture 4">
+          <p:cNvPr id="1028" name="Picture 4" descr="Blazor WebAssembly: Blazor runs on a UI thread inside the browser.">
             <a:extLst>
               <a:ext uri="{FF2B5EF4-FFF2-40B4-BE49-F238E27FC236}">
-                <a16:creationId xmlns:a16="http://schemas.microsoft.com/office/drawing/2014/main" id="{347EFF57-408E-422D-B446-AAAD4E217BA8}"/>
+                <a16:creationId xmlns:a16="http://schemas.microsoft.com/office/drawing/2014/main" id="{36FE8235-2032-BC78-33B7-97081CEB4644}"/>
               </a:ext>
             </a:extLst>
           </p:cNvPr>
           <p:cNvPicPr>
-            <a:picLocks noChangeAspect="1"/>
+            <a:picLocks noChangeAspect="1" noChangeArrowheads="1"/>
           </p:cNvPicPr>
           <p:nvPr/>
         </p:nvPicPr>
         <p:blipFill>
-          <a:blip r:embed="rId3"/>
+          <a:blip r:embed="rId3">
+            <a:extLst>
+              <a:ext uri="{28A0092B-C50C-407E-A947-70E740481C1C}">
+                <a14:useLocalDpi xmlns:a14="http://schemas.microsoft.com/office/drawing/2010/main" val="0"/>
+              </a:ext>
+            </a:extLst>
+          </a:blip>
+          <a:srcRect/>
           <a:stretch>
             <a:fillRect/>
           </a:stretch>
         </p:blipFill>
-        <p:spPr>
+        <p:spPr bwMode="auto">
           <a:xfrm>
-            <a:off x="5582572" y="1643648"/>
-            <a:ext cx="5992061" cy="4505954"/>
+            <a:off x="479376" y="1233486"/>
+            <a:ext cx="4498361" cy="4391025"/>
           </a:xfrm>
           <a:prstGeom prst="rect">
             <a:avLst/>
           </a:prstGeom>
+          <a:noFill/>
+          <a:extLst>
+            <a:ext uri="{909E8E84-426E-40DD-AFC4-6F175D3DCCD1}">
+              <a14:hiddenFill xmlns:a14="http://schemas.microsoft.com/office/drawing/2010/main">
+                <a:solidFill>
+                  <a:srgbClr val="FFFFFF"/>
+                </a:solidFill>
+              </a14:hiddenFill>
+            </a:ext>
+          </a:extLst>
         </p:spPr>
       </p:pic>
     </p:spTree>
     <p:extLst>
       <p:ext uri="{BB962C8B-B14F-4D97-AF65-F5344CB8AC3E}">
-        <p14:creationId xmlns:p14="http://schemas.microsoft.com/office/powerpoint/2010/main" val="175010848"/>
+        <p14:creationId xmlns:p14="http://schemas.microsoft.com/office/powerpoint/2010/main" val="705104673"/>
       </p:ext>
     </p:extLst>
   </p:cSld>
@@ -7883,7 +8998,7 @@
                                           </p:stCondLst>
                                         </p:cTn>
                                         <p:tgtEl>
-                                          <p:spTgt spid="5"/>
+                                          <p:spTgt spid="1026"/>
                                         </p:tgtEl>
                                         <p:attrNameLst>
                                           <p:attrName>style.visibility</p:attrName>
@@ -7928,7 +9043,7 @@
 </file>
 
 <file path=ppt/slides/slide9.xml><?xml version="1.0" encoding="utf-8"?>
-<p:sld xmlns:a="http://schemas.openxmlformats.org/drawingml/2006/main" xmlns:r="http://schemas.openxmlformats.org/officeDocument/2006/relationships" xmlns:p="http://schemas.openxmlformats.org/presentationml/2006/main">
+<p:sld xmlns:a="http://schemas.openxmlformats.org/drawingml/2006/main" xmlns:r="http://schemas.openxmlformats.org/officeDocument/2006/relationships" xmlns:p="http://schemas.openxmlformats.org/presentationml/2006/main" showMasterSp="0">
   <p:cSld>
     <p:spTree>
       <p:nvGrpSpPr>
@@ -7944,107 +9059,12 @@
           <a:chExt cx="0" cy="0"/>
         </a:xfrm>
       </p:grpSpPr>
-      <p:sp>
-        <p:nvSpPr>
-          <p:cNvPr id="2" name="Title 1">
+      <p:pic>
+        <p:nvPicPr>
+          <p:cNvPr id="2050" name="Picture 2" descr="Hybrid apps with .NET and Blazor render UI in a Web View control, where the HTML DOM interacts with Blazor and .NET of the native desktop or mobile app.">
             <a:extLst>
               <a:ext uri="{FF2B5EF4-FFF2-40B4-BE49-F238E27FC236}">
-                <a16:creationId xmlns:a16="http://schemas.microsoft.com/office/drawing/2014/main" id="{B96519DC-5FD9-49D4-BC41-FDD55963666F}"/>
-              </a:ext>
-            </a:extLst>
-          </p:cNvPr>
-          <p:cNvSpPr>
-            <a:spLocks noGrp="1"/>
-          </p:cNvSpPr>
-          <p:nvPr>
-            <p:ph type="title"/>
-          </p:nvPr>
-        </p:nvSpPr>
-        <p:spPr/>
-        <p:txBody>
-          <a:bodyPr/>
-          <a:lstStyle/>
-          <a:p>
-            <a:r>
-              <a:rPr lang="cs-CZ" dirty="0"/>
-              <a:t>SignalR</a:t>
-            </a:r>
-          </a:p>
-        </p:txBody>
-      </p:sp>
-      <p:sp>
-        <p:nvSpPr>
-          <p:cNvPr id="3" name="Content Placeholder 2">
-            <a:extLst>
-              <a:ext uri="{FF2B5EF4-FFF2-40B4-BE49-F238E27FC236}">
-                <a16:creationId xmlns:a16="http://schemas.microsoft.com/office/drawing/2014/main" id="{94DDD2EE-D4E9-4D54-BE99-640F2632D933}"/>
-              </a:ext>
-            </a:extLst>
-          </p:cNvPr>
-          <p:cNvSpPr>
-            <a:spLocks noGrp="1"/>
-          </p:cNvSpPr>
-          <p:nvPr>
-            <p:ph idx="1"/>
-          </p:nvPr>
-        </p:nvSpPr>
-        <p:spPr/>
-        <p:txBody>
-          <a:bodyPr>
-            <a:normAutofit/>
-          </a:bodyPr>
-          <a:lstStyle/>
-          <a:p>
-            <a:pPr marL="0" indent="0" algn="ctr">
-              <a:buNone/>
-            </a:pPr>
-            <a:r>
-              <a:rPr lang="en-US" sz="4000" dirty="0"/>
-              <a:t>ASP.NET Core </a:t>
-            </a:r>
-            <a:r>
-              <a:rPr lang="en-US" sz="4000" dirty="0" err="1"/>
-              <a:t>SignalR</a:t>
-            </a:r>
-            <a:r>
-              <a:rPr lang="en-US" sz="4000" dirty="0"/>
-              <a:t> is a library for ASP.NET Core developers that makes it incredibly simple to add real-time web functionality to your applications.</a:t>
-            </a:r>
-            <a:endParaRPr lang="cs-CZ" sz="4000" dirty="0"/>
-          </a:p>
-          <a:p>
-            <a:pPr marL="0" indent="0" algn="ctr">
-              <a:buNone/>
-            </a:pPr>
-            <a:endParaRPr lang="cs-CZ" sz="4000" dirty="0"/>
-          </a:p>
-          <a:p>
-            <a:pPr marL="0" indent="0" algn="ctr">
-              <a:buNone/>
-            </a:pPr>
-            <a:r>
-              <a:rPr lang="cs-CZ" sz="2400" dirty="0"/>
-              <a:t>[</a:t>
-            </a:r>
-            <a:r>
-              <a:rPr lang="cs-CZ" sz="2400" dirty="0">
-                <a:hlinkClick r:id="rId2"/>
-              </a:rPr>
-              <a:t>https://github.com/dotnet/aspnetcore/tree/master/src/SignalR</a:t>
-            </a:r>
-            <a:r>
-              <a:rPr lang="cs-CZ" sz="2400" dirty="0"/>
-              <a:t>]</a:t>
-            </a:r>
-          </a:p>
-        </p:txBody>
-      </p:sp>
-      <p:pic>
-        <p:nvPicPr>
-          <p:cNvPr id="1026" name="Picture 2" descr="Image result for signalr logo">
-            <a:extLst>
-              <a:ext uri="{FF2B5EF4-FFF2-40B4-BE49-F238E27FC236}">
-                <a16:creationId xmlns:a16="http://schemas.microsoft.com/office/drawing/2014/main" id="{FC77DB81-6F88-48A2-B222-C8796A0858BB}"/>
+                <a16:creationId xmlns:a16="http://schemas.microsoft.com/office/drawing/2014/main" id="{20B4CA9D-1C7A-893B-673D-1870FA9412D7}"/>
               </a:ext>
             </a:extLst>
           </p:cNvPr>
@@ -8054,7 +9074,7 @@
           <p:nvPr/>
         </p:nvPicPr>
         <p:blipFill>
-          <a:blip r:embed="rId3" cstate="print">
+          <a:blip r:embed="rId2">
             <a:extLst>
               <a:ext uri="{28A0092B-C50C-407E-A947-70E740481C1C}">
                 <a14:useLocalDpi xmlns:a14="http://schemas.microsoft.com/office/drawing/2010/main" val="0"/>
@@ -8068,8 +9088,8 @@
         </p:blipFill>
         <p:spPr bwMode="auto">
           <a:xfrm>
-            <a:off x="10416480" y="274638"/>
-            <a:ext cx="1546196" cy="1463854"/>
+            <a:off x="1271464" y="780777"/>
+            <a:ext cx="9429000" cy="5296446"/>
           </a:xfrm>
           <a:prstGeom prst="rect">
             <a:avLst/>
@@ -8089,7 +9109,7 @@
     </p:spTree>
     <p:extLst>
       <p:ext uri="{BB962C8B-B14F-4D97-AF65-F5344CB8AC3E}">
-        <p14:creationId xmlns:p14="http://schemas.microsoft.com/office/powerpoint/2010/main" val="981490380"/>
+        <p14:creationId xmlns:p14="http://schemas.microsoft.com/office/powerpoint/2010/main" val="1877952504"/>
       </p:ext>
     </p:extLst>
   </p:cSld>
@@ -8683,6 +9703,15 @@
 </file>
 
 <file path=customXml/item1.xml><?xml version="1.0" encoding="utf-8"?>
+<?mso-contentType ?>
+<FormTemplates xmlns="http://schemas.microsoft.com/sharepoint/v3/contenttype/forms">
+  <Display>DocumentLibraryForm</Display>
+  <Edit>DocumentLibraryForm</Edit>
+  <New>DocumentLibraryForm</New>
+</FormTemplates>
+</file>
+
+<file path=customXml/item2.xml><?xml version="1.0" encoding="utf-8"?>
 <ct:contentTypeSchema xmlns:ct="http://schemas.microsoft.com/office/2006/metadata/contentType" xmlns:ma="http://schemas.microsoft.com/office/2006/metadata/properties/metaAttributes" ct:_="" ma:_="" ma:contentTypeName="Dokument" ma:contentTypeID="0x0101000FED9D5FE1F44145801737A7BA47560B" ma:contentTypeVersion="0" ma:contentTypeDescription="Vytvoří nový dokument" ma:contentTypeScope="" ma:versionID="865cee90d61be235413a64cabd79a281">
   <xsd:schema xmlns:xsd="http://www.w3.org/2001/XMLSchema" xmlns:xs="http://www.w3.org/2001/XMLSchema" xmlns:p="http://schemas.microsoft.com/office/2006/metadata/properties" targetNamespace="http://schemas.microsoft.com/office/2006/metadata/properties" ma:root="true" ma:fieldsID="871d6b51c5141eb32e0d04e037372b3c">
     <xsd:element name="properties">
@@ -8796,22 +9825,21 @@
 </ct:contentTypeSchema>
 </file>
 
-<file path=customXml/item2.xml><?xml version="1.0" encoding="utf-8"?>
+<file path=customXml/item3.xml><?xml version="1.0" encoding="utf-8"?>
 <p:properties xmlns:p="http://schemas.microsoft.com/office/2006/metadata/properties" xmlns:xsi="http://www.w3.org/2001/XMLSchema-instance" xmlns:pc="http://schemas.microsoft.com/office/infopath/2007/PartnerControls">
   <documentManagement/>
 </p:properties>
 </file>
 
-<file path=customXml/item3.xml><?xml version="1.0" encoding="utf-8"?>
-<?mso-contentType ?>
-<FormTemplates xmlns="http://schemas.microsoft.com/sharepoint/v3/contenttype/forms">
-  <Display>DocumentLibraryForm</Display>
-  <Edit>DocumentLibraryForm</Edit>
-  <New>DocumentLibraryForm</New>
-</FormTemplates>
+<file path=customXml/itemProps1.xml><?xml version="1.0" encoding="utf-8"?>
+<ds:datastoreItem xmlns:ds="http://schemas.openxmlformats.org/officeDocument/2006/customXml" ds:itemID="{B22238E5-BDC0-4655-AFB5-A7405C559E7D}">
+  <ds:schemaRefs>
+    <ds:schemaRef ds:uri="http://schemas.microsoft.com/sharepoint/v3/contenttype/forms"/>
+  </ds:schemaRefs>
+</ds:datastoreItem>
 </file>
 
-<file path=customXml/itemProps1.xml><?xml version="1.0" encoding="utf-8"?>
+<file path=customXml/itemProps2.xml><?xml version="1.0" encoding="utf-8"?>
 <ds:datastoreItem xmlns:ds="http://schemas.openxmlformats.org/officeDocument/2006/customXml" ds:itemID="{BABDB233-CC77-4AD7-B48B-2F061438568A}">
   <ds:schemaRefs>
     <ds:schemaRef ds:uri="http://schemas.microsoft.com/office/2006/metadata/contentType"/>
@@ -8827,19 +9855,11 @@
 </ds:datastoreItem>
 </file>
 
-<file path=customXml/itemProps2.xml><?xml version="1.0" encoding="utf-8"?>
+<file path=customXml/itemProps3.xml><?xml version="1.0" encoding="utf-8"?>
 <ds:datastoreItem xmlns:ds="http://schemas.openxmlformats.org/officeDocument/2006/customXml" ds:itemID="{317FD51D-081C-435E-8F5D-6D88218064D9}">
   <ds:schemaRefs>
     <ds:schemaRef ds:uri="http://schemas.microsoft.com/office/2006/metadata/properties"/>
     <ds:schemaRef ds:uri="http://schemas.microsoft.com/office/infopath/2007/PartnerControls"/>
   </ds:schemaRefs>
 </ds:datastoreItem>
-</file>
-
-<file path=customXml/itemProps3.xml><?xml version="1.0" encoding="utf-8"?>
-<ds:datastoreItem xmlns:ds="http://schemas.openxmlformats.org/officeDocument/2006/customXml" ds:itemID="{B22238E5-BDC0-4655-AFB5-A7405C559E7D}">
-  <ds:schemaRefs>
-    <ds:schemaRef ds:uri="http://schemas.microsoft.com/sharepoint/v3/contenttype/forms"/>
-  </ds:schemaRefs>
-</ds:datastoreItem>
 </file>
--- a/Presentation/01 - Blazor - Hostingové modely.pptx
+++ b/Presentation/01 - Blazor - Hostingové modely.pptx
@@ -5,7 +5,7 @@
     <p:sldMasterId id="2147483794" r:id="rId4"/>
   </p:sldMasterIdLst>
   <p:notesMasterIdLst>
-    <p:notesMasterId r:id="rId25"/>
+    <p:notesMasterId r:id="rId28"/>
   </p:notesMasterIdLst>
   <p:sldIdLst>
     <p:sldId id="256" r:id="rId5"/>
@@ -28,6 +28,9 @@
     <p:sldId id="340" r:id="rId22"/>
     <p:sldId id="343" r:id="rId23"/>
     <p:sldId id="344" r:id="rId24"/>
+    <p:sldId id="348" r:id="rId25"/>
+    <p:sldId id="347" r:id="rId26"/>
+    <p:sldId id="349" r:id="rId27"/>
   </p:sldIdLst>
   <p:sldSz cx="12192000" cy="6858000"/>
   <p:notesSz cx="6858000" cy="9144000"/>
@@ -258,7 +261,7 @@
             <a:fld id="{A74C3DD1-6B4C-423E-A696-BD4124EC33BC}" type="datetimeFigureOut">
               <a:rPr lang="cs-CZ" smtClean="0"/>
               <a:pPr/>
-              <a:t>12.01.2024</a:t>
+              <a:t>14.02.2024</a:t>
             </a:fld>
             <a:endParaRPr lang="cs-CZ" dirty="0"/>
           </a:p>
@@ -725,7 +728,7 @@
           <a:p>
             <a:fld id="{0DA6F2F8-F70A-47D7-AD2D-4F12E71A0C18}" type="datetimeFigureOut">
               <a:rPr lang="cs-CZ" smtClean="0"/>
-              <a:t>12.01.2024</a:t>
+              <a:t>14.02.2024</a:t>
             </a:fld>
             <a:endParaRPr lang="cs-CZ"/>
           </a:p>
@@ -907,7 +910,7 @@
           <a:p>
             <a:fld id="{0DA6F2F8-F70A-47D7-AD2D-4F12E71A0C18}" type="datetimeFigureOut">
               <a:rPr lang="cs-CZ" smtClean="0"/>
-              <a:t>12.01.2024</a:t>
+              <a:t>14.02.2024</a:t>
             </a:fld>
             <a:endParaRPr lang="cs-CZ"/>
           </a:p>
@@ -1099,7 +1102,7 @@
           <a:p>
             <a:fld id="{0DA6F2F8-F70A-47D7-AD2D-4F12E71A0C18}" type="datetimeFigureOut">
               <a:rPr lang="cs-CZ" smtClean="0"/>
-              <a:t>12.01.2024</a:t>
+              <a:t>14.02.2024</a:t>
             </a:fld>
             <a:endParaRPr lang="cs-CZ"/>
           </a:p>
@@ -1314,7 +1317,7 @@
           <a:p>
             <a:fld id="{0DA6F2F8-F70A-47D7-AD2D-4F12E71A0C18}" type="datetimeFigureOut">
               <a:rPr lang="cs-CZ" smtClean="0"/>
-              <a:t>12.01.2024</a:t>
+              <a:t>14.02.2024</a:t>
             </a:fld>
             <a:endParaRPr lang="cs-CZ"/>
           </a:p>
@@ -1589,7 +1592,7 @@
           <a:p>
             <a:fld id="{0DA6F2F8-F70A-47D7-AD2D-4F12E71A0C18}" type="datetimeFigureOut">
               <a:rPr lang="cs-CZ" smtClean="0"/>
-              <a:t>12.01.2024</a:t>
+              <a:t>14.02.2024</a:t>
             </a:fld>
             <a:endParaRPr lang="cs-CZ"/>
           </a:p>
@@ -1906,7 +1909,7 @@
           <a:p>
             <a:fld id="{0DA6F2F8-F70A-47D7-AD2D-4F12E71A0C18}" type="datetimeFigureOut">
               <a:rPr lang="cs-CZ" smtClean="0"/>
-              <a:t>12.01.2024</a:t>
+              <a:t>14.02.2024</a:t>
             </a:fld>
             <a:endParaRPr lang="cs-CZ" dirty="0"/>
           </a:p>
@@ -2357,7 +2360,7 @@
           <a:p>
             <a:fld id="{0DA6F2F8-F70A-47D7-AD2D-4F12E71A0C18}" type="datetimeFigureOut">
               <a:rPr lang="cs-CZ" smtClean="0"/>
-              <a:t>12.01.2024</a:t>
+              <a:t>14.02.2024</a:t>
             </a:fld>
             <a:endParaRPr lang="cs-CZ"/>
           </a:p>
@@ -2504,7 +2507,7 @@
           <a:p>
             <a:fld id="{0DA6F2F8-F70A-47D7-AD2D-4F12E71A0C18}" type="datetimeFigureOut">
               <a:rPr lang="cs-CZ" smtClean="0"/>
-              <a:t>12.01.2024</a:t>
+              <a:t>14.02.2024</a:t>
             </a:fld>
             <a:endParaRPr lang="cs-CZ"/>
           </a:p>
@@ -2611,7 +2614,7 @@
           <a:p>
             <a:fld id="{0DA6F2F8-F70A-47D7-AD2D-4F12E71A0C18}" type="datetimeFigureOut">
               <a:rPr lang="cs-CZ" smtClean="0"/>
-              <a:t>12.01.2024</a:t>
+              <a:t>14.02.2024</a:t>
             </a:fld>
             <a:endParaRPr lang="cs-CZ"/>
           </a:p>
@@ -2902,7 +2905,7 @@
           <a:p>
             <a:fld id="{0DA6F2F8-F70A-47D7-AD2D-4F12E71A0C18}" type="datetimeFigureOut">
               <a:rPr lang="cs-CZ" smtClean="0"/>
-              <a:t>12.01.2024</a:t>
+              <a:t>14.02.2024</a:t>
             </a:fld>
             <a:endParaRPr lang="cs-CZ"/>
           </a:p>
@@ -3171,7 +3174,7 @@
           <a:p>
             <a:fld id="{0DA6F2F8-F70A-47D7-AD2D-4F12E71A0C18}" type="datetimeFigureOut">
               <a:rPr lang="cs-CZ" smtClean="0"/>
-              <a:t>12.01.2024</a:t>
+              <a:t>14.02.2024</a:t>
             </a:fld>
             <a:endParaRPr lang="cs-CZ"/>
           </a:p>
@@ -3435,7 +3438,7 @@
           <a:p>
             <a:fld id="{0DA6F2F8-F70A-47D7-AD2D-4F12E71A0C18}" type="datetimeFigureOut">
               <a:rPr lang="cs-CZ" smtClean="0"/>
-              <a:t>12.01.2024</a:t>
+              <a:t>14.02.2024</a:t>
             </a:fld>
             <a:endParaRPr lang="cs-CZ"/>
           </a:p>
@@ -3901,11 +3904,11 @@
   <p:clrMapOvr>
     <a:masterClrMapping/>
   </p:clrMapOvr>
-  <mc:AlternateContent xmlns:mc="http://schemas.openxmlformats.org/markup-compatibility/2006" xmlns:p14="http://schemas.microsoft.com/office/powerpoint/2010/main">
-    <mc:Choice Requires="p14">
+  <mc:AlternateContent xmlns:mc="http://schemas.openxmlformats.org/markup-compatibility/2006">
+    <mc:Choice xmlns:p14="http://schemas.microsoft.com/office/powerpoint/2010/main" Requires="p14">
       <p:transition p14:dur="0"/>
     </mc:Choice>
-    <mc:Fallback xmlns="">
+    <mc:Fallback>
       <p:transition/>
     </mc:Fallback>
   </mc:AlternateContent>
@@ -4081,11 +4084,11 @@
   <p:clrMapOvr>
     <a:masterClrMapping/>
   </p:clrMapOvr>
-  <mc:AlternateContent xmlns:mc="http://schemas.openxmlformats.org/markup-compatibility/2006" xmlns:p14="http://schemas.microsoft.com/office/powerpoint/2010/main">
-    <mc:Choice Requires="p14">
+  <mc:AlternateContent xmlns:mc="http://schemas.openxmlformats.org/markup-compatibility/2006">
+    <mc:Choice xmlns:p14="http://schemas.microsoft.com/office/powerpoint/2010/main" Requires="p14">
       <p:transition p14:dur="0"/>
     </mc:Choice>
-    <mc:Fallback xmlns="">
+    <mc:Fallback>
       <p:transition/>
     </mc:Fallback>
   </mc:AlternateContent>
@@ -4544,11 +4547,11 @@
   <p:clrMapOvr>
     <a:masterClrMapping/>
   </p:clrMapOvr>
-  <mc:AlternateContent xmlns:mc="http://schemas.openxmlformats.org/markup-compatibility/2006" xmlns:p14="http://schemas.microsoft.com/office/powerpoint/2010/main">
-    <mc:Choice Requires="p14">
+  <mc:AlternateContent xmlns:mc="http://schemas.openxmlformats.org/markup-compatibility/2006">
+    <mc:Choice xmlns:p14="http://schemas.microsoft.com/office/powerpoint/2010/main" Requires="p14">
       <p:transition p14:dur="0"/>
     </mc:Choice>
-    <mc:Fallback xmlns="">
+    <mc:Fallback>
       <p:transition/>
     </mc:Fallback>
   </mc:AlternateContent>
@@ -4689,11 +4692,11 @@
   <p:clrMapOvr>
     <a:masterClrMapping/>
   </p:clrMapOvr>
-  <mc:AlternateContent xmlns:mc="http://schemas.openxmlformats.org/markup-compatibility/2006" xmlns:p14="http://schemas.microsoft.com/office/powerpoint/2010/main">
-    <mc:Choice Requires="p14">
+  <mc:AlternateContent xmlns:mc="http://schemas.openxmlformats.org/markup-compatibility/2006">
+    <mc:Choice xmlns:p14="http://schemas.microsoft.com/office/powerpoint/2010/main" Requires="p14">
       <p:transition p14:dur="0"/>
     </mc:Choice>
-    <mc:Fallback xmlns="">
+    <mc:Fallback>
       <p:transition/>
     </mc:Fallback>
   </mc:AlternateContent>
@@ -4834,11 +4837,11 @@
   <p:clrMapOvr>
     <a:masterClrMapping/>
   </p:clrMapOvr>
-  <mc:AlternateContent xmlns:mc="http://schemas.openxmlformats.org/markup-compatibility/2006" xmlns:p14="http://schemas.microsoft.com/office/powerpoint/2010/main">
-    <mc:Choice Requires="p14">
+  <mc:AlternateContent xmlns:mc="http://schemas.openxmlformats.org/markup-compatibility/2006">
+    <mc:Choice xmlns:p14="http://schemas.microsoft.com/office/powerpoint/2010/main" Requires="p14">
       <p:transition p14:dur="0"/>
     </mc:Choice>
-    <mc:Fallback xmlns="">
+    <mc:Fallback>
       <p:transition/>
     </mc:Fallback>
   </mc:AlternateContent>
@@ -4977,11 +4980,11 @@
   <p:clrMapOvr>
     <a:masterClrMapping/>
   </p:clrMapOvr>
-  <mc:AlternateContent xmlns:mc="http://schemas.openxmlformats.org/markup-compatibility/2006" xmlns:p14="http://schemas.microsoft.com/office/powerpoint/2010/main">
-    <mc:Choice Requires="p14">
+  <mc:AlternateContent xmlns:mc="http://schemas.openxmlformats.org/markup-compatibility/2006">
+    <mc:Choice xmlns:p14="http://schemas.microsoft.com/office/powerpoint/2010/main" Requires="p14">
       <p:transition p14:dur="0"/>
     </mc:Choice>
-    <mc:Fallback xmlns="">
+    <mc:Fallback>
       <p:transition/>
     </mc:Fallback>
   </mc:AlternateContent>
@@ -5060,6 +5063,31 @@
                   <a:srgbClr val="00B050"/>
                 </a:solidFill>
               </a:rPr>
+              <a:t>Apple Safari</a:t>
+            </a:r>
+          </a:p>
+          <a:p>
+            <a:r>
+              <a:rPr lang="cs-CZ" dirty="0">
+                <a:solidFill>
+                  <a:srgbClr val="00B050"/>
+                </a:solidFill>
+              </a:rPr>
+              <a:t>Google Chrome</a:t>
+            </a:r>
+            <a:endParaRPr lang="cs-CZ" sz="2400" dirty="0">
+              <a:solidFill>
+                <a:srgbClr val="00B050"/>
+              </a:solidFill>
+            </a:endParaRPr>
+          </a:p>
+          <a:p>
+            <a:r>
+              <a:rPr lang="cs-CZ" dirty="0">
+                <a:solidFill>
+                  <a:srgbClr val="00B050"/>
+                </a:solidFill>
+              </a:rPr>
               <a:t>Microsoft Edge	</a:t>
             </a:r>
           </a:p>
@@ -5071,34 +5099,6 @@
                 </a:solidFill>
               </a:rPr>
               <a:t>Mozilla Firefox</a:t>
-            </a:r>
-          </a:p>
-          <a:p>
-            <a:r>
-              <a:rPr lang="cs-CZ" dirty="0">
-                <a:solidFill>
-                  <a:srgbClr val="00B050"/>
-                </a:solidFill>
-              </a:rPr>
-              <a:t>Google Chrome </a:t>
-            </a:r>
-            <a:r>
-              <a:rPr lang="cs-CZ" sz="2400" dirty="0">
-                <a:solidFill>
-                  <a:srgbClr val="00B050"/>
-                </a:solidFill>
-              </a:rPr>
-              <a:t>(vč. Android)</a:t>
-            </a:r>
-          </a:p>
-          <a:p>
-            <a:r>
-              <a:rPr lang="cs-CZ" dirty="0">
-                <a:solidFill>
-                  <a:srgbClr val="00B050"/>
-                </a:solidFill>
-              </a:rPr>
-              <a:t>Safari (vč. iOS)</a:t>
             </a:r>
           </a:p>
           <a:p>
@@ -5136,11 +5136,11 @@
   <p:clrMapOvr>
     <a:masterClrMapping/>
   </p:clrMapOvr>
-  <mc:AlternateContent xmlns:mc="http://schemas.openxmlformats.org/markup-compatibility/2006" xmlns:p14="http://schemas.microsoft.com/office/powerpoint/2010/main">
-    <mc:Choice Requires="p14">
+  <mc:AlternateContent xmlns:mc="http://schemas.openxmlformats.org/markup-compatibility/2006">
+    <mc:Choice xmlns:p14="http://schemas.microsoft.com/office/powerpoint/2010/main" Requires="p14">
       <p:transition p14:dur="0"/>
     </mc:Choice>
-    <mc:Fallback xmlns="">
+    <mc:Fallback>
       <p:transition/>
     </mc:Fallback>
   </mc:AlternateContent>
@@ -5327,11 +5327,11 @@
   <p:clrMapOvr>
     <a:masterClrMapping/>
   </p:clrMapOvr>
-  <mc:AlternateContent xmlns:mc="http://schemas.openxmlformats.org/markup-compatibility/2006" xmlns:p14="http://schemas.microsoft.com/office/powerpoint/2010/main">
-    <mc:Choice Requires="p14">
+  <mc:AlternateContent xmlns:mc="http://schemas.openxmlformats.org/markup-compatibility/2006">
+    <mc:Choice xmlns:p14="http://schemas.microsoft.com/office/powerpoint/2010/main" Requires="p14">
       <p:transition p14:dur="0"/>
     </mc:Choice>
-    <mc:Fallback xmlns="">
+    <mc:Fallback>
       <p:transition/>
     </mc:Fallback>
   </mc:AlternateContent>
@@ -5395,16 +5395,12 @@
   <p:clrMapOvr>
     <a:masterClrMapping/>
   </p:clrMapOvr>
-  <mc:AlternateContent xmlns:mc="http://schemas.openxmlformats.org/markup-compatibility/2006" xmlns:p14="http://schemas.microsoft.com/office/powerpoint/2010/main">
-    <mc:Choice Requires="p14">
-      <p:transition spd="med" p14:dur="700">
-        <p:fade/>
-      </p:transition>
+  <mc:AlternateContent xmlns:mc="http://schemas.openxmlformats.org/markup-compatibility/2006">
+    <mc:Choice xmlns:p14="http://schemas.microsoft.com/office/powerpoint/2010/main" Requires="p14">
+      <p:transition p14:dur="0"/>
     </mc:Choice>
-    <mc:Fallback xmlns="">
-      <p:transition spd="med">
-        <p:fade/>
-      </p:transition>
+    <mc:Fallback>
+      <p:transition/>
     </mc:Fallback>
   </mc:AlternateContent>
 </p:sld>
@@ -5508,7 +5504,36 @@
             </a:pPr>
             <a:r>
               <a:rPr lang="cs-CZ" dirty="0"/>
-              <a:t>(avšak distribuce výkonu)</a:t>
+              <a:t>(avšak AOT, avšak distribuce výkonu)</a:t>
+            </a:r>
+          </a:p>
+          <a:p>
+            <a:pPr lvl="1"/>
+            <a:r>
+              <a:rPr lang="cs-CZ" dirty="0" err="1"/>
+              <a:t>Sandbox</a:t>
+            </a:r>
+            <a:endParaRPr lang="cs-CZ" dirty="0"/>
+          </a:p>
+          <a:p>
+            <a:pPr marL="457200" lvl="1" indent="0">
+              <a:buNone/>
+            </a:pPr>
+            <a:r>
+              <a:rPr lang="cs-CZ" dirty="0"/>
+              <a:t>	</a:t>
+            </a:r>
+            <a:r>
+              <a:rPr lang="cs-CZ" sz="2000" spc="-180" dirty="0"/>
+              <a:t>(omezená podmnožina .</a:t>
+            </a:r>
+            <a:r>
+              <a:rPr lang="cs-CZ" sz="2000" spc="-180" dirty="0" err="1"/>
+              <a:t>NETu</a:t>
+            </a:r>
+            <a:r>
+              <a:rPr lang="cs-CZ" sz="2000" spc="-180" dirty="0"/>
+              <a:t>)</a:t>
             </a:r>
           </a:p>
           <a:p>
@@ -5855,16 +5880,12 @@
   <p:clrMapOvr>
     <a:masterClrMapping/>
   </p:clrMapOvr>
-  <mc:AlternateContent xmlns:mc="http://schemas.openxmlformats.org/markup-compatibility/2006" xmlns:p14="http://schemas.microsoft.com/office/powerpoint/2010/main">
-    <mc:Choice Requires="p14">
-      <p:transition spd="med" p14:dur="700">
-        <p:fade/>
-      </p:transition>
+  <mc:AlternateContent xmlns:mc="http://schemas.openxmlformats.org/markup-compatibility/2006">
+    <mc:Choice xmlns:p14="http://schemas.microsoft.com/office/powerpoint/2010/main" Requires="p14">
+      <p:transition p14:dur="0"/>
     </mc:Choice>
-    <mc:Fallback xmlns="">
-      <p:transition spd="med">
-        <p:fade/>
-      </p:transition>
+    <mc:Fallback>
+      <p:transition/>
     </mc:Fallback>
   </mc:AlternateContent>
 </p:sld>
@@ -6517,16 +6538,12 @@
   <p:clrMapOvr>
     <a:masterClrMapping/>
   </p:clrMapOvr>
-  <mc:AlternateContent xmlns:mc="http://schemas.openxmlformats.org/markup-compatibility/2006" xmlns:p14="http://schemas.microsoft.com/office/powerpoint/2010/main">
-    <mc:Choice Requires="p14">
-      <p:transition spd="med" p14:dur="700">
-        <p:fade/>
-      </p:transition>
+  <mc:AlternateContent xmlns:mc="http://schemas.openxmlformats.org/markup-compatibility/2006">
+    <mc:Choice xmlns:p14="http://schemas.microsoft.com/office/powerpoint/2010/main" Requires="p14">
+      <p:transition p14:dur="0"/>
     </mc:Choice>
-    <mc:Fallback xmlns="">
-      <p:transition spd="med">
-        <p:fade/>
-      </p:transition>
+    <mc:Fallback>
+      <p:transition/>
     </mc:Fallback>
   </mc:AlternateContent>
 </p:sld>
@@ -6979,11 +6996,11 @@
   <p:clrMapOvr>
     <a:masterClrMapping/>
   </p:clrMapOvr>
-  <mc:AlternateContent xmlns:mc="http://schemas.openxmlformats.org/markup-compatibility/2006" xmlns:p14="http://schemas.microsoft.com/office/powerpoint/2010/main">
-    <mc:Choice Requires="p14">
+  <mc:AlternateContent xmlns:mc="http://schemas.openxmlformats.org/markup-compatibility/2006">
+    <mc:Choice xmlns:p14="http://schemas.microsoft.com/office/powerpoint/2010/main" Requires="p14">
       <p:transition p14:dur="0"/>
     </mc:Choice>
-    <mc:Fallback xmlns="">
+    <mc:Fallback>
       <p:transition/>
     </mc:Fallback>
   </mc:AlternateContent>
@@ -7927,16 +7944,626 @@
   <p:clrMapOvr>
     <a:masterClrMapping/>
   </p:clrMapOvr>
-  <mc:AlternateContent xmlns:mc="http://schemas.openxmlformats.org/markup-compatibility/2006" xmlns:p14="http://schemas.microsoft.com/office/powerpoint/2010/main">
-    <mc:Choice Requires="p14">
-      <p:transition spd="med" p14:dur="700">
-        <p:fade/>
-      </p:transition>
+  <mc:AlternateContent xmlns:mc="http://schemas.openxmlformats.org/markup-compatibility/2006">
+    <mc:Choice xmlns:p14="http://schemas.microsoft.com/office/powerpoint/2010/main" Requires="p14">
+      <p:transition p14:dur="0"/>
     </mc:Choice>
-    <mc:Fallback xmlns="">
-      <p:transition spd="med">
-        <p:fade/>
-      </p:transition>
+    <mc:Fallback>
+      <p:transition/>
+    </mc:Fallback>
+  </mc:AlternateContent>
+</p:sld>
+</file>
+
+<file path=ppt/slides/slide21.xml><?xml version="1.0" encoding="utf-8"?>
+<p:sld xmlns:a="http://schemas.openxmlformats.org/drawingml/2006/main" xmlns:r="http://schemas.openxmlformats.org/officeDocument/2006/relationships" xmlns:p="http://schemas.openxmlformats.org/presentationml/2006/main">
+  <p:cSld>
+    <p:spTree>
+      <p:nvGrpSpPr>
+        <p:cNvPr id="1" name="">
+          <a:extLst>
+            <a:ext uri="{FF2B5EF4-FFF2-40B4-BE49-F238E27FC236}">
+              <a16:creationId xmlns:a16="http://schemas.microsoft.com/office/drawing/2014/main" id="{5A2A0A11-886B-90F4-ADE5-3FE04F2D60B8}"/>
+            </a:ext>
+          </a:extLst>
+        </p:cNvPr>
+        <p:cNvGrpSpPr/>
+        <p:nvPr/>
+      </p:nvGrpSpPr>
+      <p:grpSpPr>
+        <a:xfrm>
+          <a:off x="0" y="0"/>
+          <a:ext cx="0" cy="0"/>
+          <a:chOff x="0" y="0"/>
+          <a:chExt cx="0" cy="0"/>
+        </a:xfrm>
+      </p:grpSpPr>
+      <p:sp>
+        <p:nvSpPr>
+          <p:cNvPr id="2" name="Title 1">
+            <a:extLst>
+              <a:ext uri="{FF2B5EF4-FFF2-40B4-BE49-F238E27FC236}">
+                <a16:creationId xmlns:a16="http://schemas.microsoft.com/office/drawing/2014/main" id="{DB9D37E5-6BE9-821C-C811-79D504F656C6}"/>
+              </a:ext>
+            </a:extLst>
+          </p:cNvPr>
+          <p:cNvSpPr>
+            <a:spLocks noGrp="1"/>
+          </p:cNvSpPr>
+          <p:nvPr>
+            <p:ph type="title"/>
+          </p:nvPr>
+        </p:nvSpPr>
+        <p:spPr/>
+        <p:txBody>
+          <a:bodyPr/>
+          <a:lstStyle/>
+          <a:p>
+            <a:r>
+              <a:rPr lang="cs-CZ" dirty="0"/>
+              <a:t>.NET 8: </a:t>
+            </a:r>
+            <a:r>
+              <a:rPr lang="cs-CZ" dirty="0" err="1"/>
+              <a:t>Blazor</a:t>
+            </a:r>
+            <a:r>
+              <a:rPr lang="cs-CZ" dirty="0"/>
+              <a:t> Web </a:t>
+            </a:r>
+            <a:r>
+              <a:rPr lang="cs-CZ" dirty="0" err="1"/>
+              <a:t>App</a:t>
+            </a:r>
+            <a:endParaRPr lang="cs-CZ" dirty="0"/>
+          </a:p>
+        </p:txBody>
+      </p:sp>
+      <p:sp>
+        <p:nvSpPr>
+          <p:cNvPr id="3" name="Content Placeholder 2">
+            <a:extLst>
+              <a:ext uri="{FF2B5EF4-FFF2-40B4-BE49-F238E27FC236}">
+                <a16:creationId xmlns:a16="http://schemas.microsoft.com/office/drawing/2014/main" id="{3CAA4EE8-10A3-4F8C-1C0E-EB52599689C2}"/>
+              </a:ext>
+            </a:extLst>
+          </p:cNvPr>
+          <p:cNvSpPr>
+            <a:spLocks noGrp="1"/>
+          </p:cNvSpPr>
+          <p:nvPr>
+            <p:ph idx="1"/>
+          </p:nvPr>
+        </p:nvSpPr>
+        <p:spPr/>
+        <p:txBody>
+          <a:bodyPr/>
+          <a:lstStyle/>
+          <a:p>
+            <a:pPr marL="0" indent="0" algn="ctr">
+              <a:buNone/>
+            </a:pPr>
+            <a:r>
+              <a:rPr lang="cs-CZ" sz="4000" dirty="0" err="1"/>
+              <a:t>Blazor</a:t>
+            </a:r>
+            <a:r>
+              <a:rPr lang="cs-CZ" sz="4000" dirty="0"/>
+              <a:t> Server ♥️ </a:t>
+            </a:r>
+            <a:r>
+              <a:rPr lang="cs-CZ" sz="4000" dirty="0" err="1"/>
+              <a:t>Blazor</a:t>
+            </a:r>
+            <a:r>
+              <a:rPr lang="cs-CZ" sz="4000" dirty="0"/>
+              <a:t> Web </a:t>
+            </a:r>
+            <a:r>
+              <a:rPr lang="cs-CZ" sz="4000" dirty="0" err="1"/>
+              <a:t>Assembly</a:t>
+            </a:r>
+            <a:endParaRPr lang="cs-CZ" sz="4000" dirty="0"/>
+          </a:p>
+          <a:p>
+            <a:pPr marL="0" indent="0" algn="ctr">
+              <a:buNone/>
+            </a:pPr>
+            <a:br>
+              <a:rPr lang="cs-CZ" dirty="0"/>
+            </a:br>
+            <a:r>
+              <a:rPr lang="cs-CZ" dirty="0"/>
+              <a:t>(pozor na </a:t>
+            </a:r>
+            <a:r>
+              <a:rPr lang="cs-CZ" dirty="0" err="1"/>
+              <a:t>SignalR</a:t>
+            </a:r>
+            <a:r>
+              <a:rPr lang="cs-CZ" dirty="0"/>
+              <a:t> spojení)</a:t>
+            </a:r>
+          </a:p>
+        </p:txBody>
+      </p:sp>
+    </p:spTree>
+    <p:extLst>
+      <p:ext uri="{BB962C8B-B14F-4D97-AF65-F5344CB8AC3E}">
+        <p14:creationId xmlns:p14="http://schemas.microsoft.com/office/powerpoint/2010/main" val="2088998260"/>
+      </p:ext>
+    </p:extLst>
+  </p:cSld>
+  <p:clrMapOvr>
+    <a:masterClrMapping/>
+  </p:clrMapOvr>
+  <mc:AlternateContent xmlns:mc="http://schemas.openxmlformats.org/markup-compatibility/2006">
+    <mc:Choice xmlns:p14="http://schemas.microsoft.com/office/powerpoint/2010/main" Requires="p14">
+      <p:transition p14:dur="0"/>
+    </mc:Choice>
+    <mc:Fallback>
+      <p:transition/>
+    </mc:Fallback>
+  </mc:AlternateContent>
+</p:sld>
+</file>
+
+<file path=ppt/slides/slide22.xml><?xml version="1.0" encoding="utf-8"?>
+<p:sld xmlns:a="http://schemas.openxmlformats.org/drawingml/2006/main" xmlns:r="http://schemas.openxmlformats.org/officeDocument/2006/relationships" xmlns:p="http://schemas.openxmlformats.org/presentationml/2006/main">
+  <p:cSld>
+    <p:spTree>
+      <p:nvGrpSpPr>
+        <p:cNvPr id="1" name=""/>
+        <p:cNvGrpSpPr/>
+        <p:nvPr/>
+      </p:nvGrpSpPr>
+      <p:grpSpPr>
+        <a:xfrm>
+          <a:off x="0" y="0"/>
+          <a:ext cx="0" cy="0"/>
+          <a:chOff x="0" y="0"/>
+          <a:chExt cx="0" cy="0"/>
+        </a:xfrm>
+      </p:grpSpPr>
+      <p:sp>
+        <p:nvSpPr>
+          <p:cNvPr id="2" name="Title 1">
+            <a:extLst>
+              <a:ext uri="{FF2B5EF4-FFF2-40B4-BE49-F238E27FC236}">
+                <a16:creationId xmlns:a16="http://schemas.microsoft.com/office/drawing/2014/main" id="{A7BCC39D-2135-088A-43B3-A3F89E8E4B9A}"/>
+              </a:ext>
+            </a:extLst>
+          </p:cNvPr>
+          <p:cNvSpPr>
+            <a:spLocks noGrp="1"/>
+          </p:cNvSpPr>
+          <p:nvPr>
+            <p:ph type="title"/>
+          </p:nvPr>
+        </p:nvSpPr>
+        <p:spPr/>
+        <p:txBody>
+          <a:bodyPr/>
+          <a:lstStyle/>
+          <a:p>
+            <a:r>
+              <a:rPr lang="cs-CZ" dirty="0" err="1"/>
+              <a:t>Ahead-of-time</a:t>
+            </a:r>
+            <a:r>
+              <a:rPr lang="cs-CZ" dirty="0"/>
+              <a:t> (AOT) </a:t>
+            </a:r>
+            <a:r>
+              <a:rPr lang="cs-CZ" dirty="0" err="1"/>
+              <a:t>compilation</a:t>
+            </a:r>
+            <a:endParaRPr lang="cs-CZ" dirty="0"/>
+          </a:p>
+        </p:txBody>
+      </p:sp>
+      <p:sp>
+        <p:nvSpPr>
+          <p:cNvPr id="3" name="Content Placeholder 2">
+            <a:extLst>
+              <a:ext uri="{FF2B5EF4-FFF2-40B4-BE49-F238E27FC236}">
+                <a16:creationId xmlns:a16="http://schemas.microsoft.com/office/drawing/2014/main" id="{03A489D2-BFC4-5A18-E62F-E59923D4615B}"/>
+              </a:ext>
+            </a:extLst>
+          </p:cNvPr>
+          <p:cNvSpPr>
+            <a:spLocks noGrp="1"/>
+          </p:cNvSpPr>
+          <p:nvPr>
+            <p:ph idx="1"/>
+          </p:nvPr>
+        </p:nvSpPr>
+        <p:spPr/>
+        <p:txBody>
+          <a:bodyPr/>
+          <a:lstStyle/>
+          <a:p>
+            <a:r>
+              <a:rPr lang="cs-CZ" dirty="0"/>
+              <a:t>Situace</a:t>
+            </a:r>
+          </a:p>
+          <a:p>
+            <a:pPr lvl="1"/>
+            <a:r>
+              <a:rPr lang="cs-CZ" dirty="0"/>
+              <a:t>MSIL  </a:t>
+            </a:r>
+            <a:r>
+              <a:rPr lang="cs-CZ" dirty="0">
+                <a:sym typeface="Wingdings" panose="05000000000000000000" pitchFamily="2" charset="2"/>
+              </a:rPr>
+              <a:t>  </a:t>
+            </a:r>
+            <a:r>
+              <a:rPr lang="cs-CZ" dirty="0" err="1">
+                <a:sym typeface="Wingdings" panose="05000000000000000000" pitchFamily="2" charset="2"/>
+              </a:rPr>
+              <a:t>interpreter</a:t>
+            </a:r>
+            <a:endParaRPr lang="cs-CZ" dirty="0">
+              <a:sym typeface="Wingdings" panose="05000000000000000000" pitchFamily="2" charset="2"/>
+            </a:endParaRPr>
+          </a:p>
+          <a:p>
+            <a:pPr lvl="1"/>
+            <a:r>
+              <a:rPr lang="cs-CZ" dirty="0">
+                <a:sym typeface="Wingdings" panose="05000000000000000000" pitchFamily="2" charset="2"/>
+              </a:rPr>
+              <a:t>JIT browseru (</a:t>
+            </a:r>
+            <a:r>
+              <a:rPr lang="cs-CZ" dirty="0" err="1">
+                <a:sym typeface="Wingdings" panose="05000000000000000000" pitchFamily="2" charset="2"/>
+              </a:rPr>
+              <a:t>jiterpreter</a:t>
+            </a:r>
+            <a:r>
+              <a:rPr lang="cs-CZ" dirty="0">
+                <a:sym typeface="Wingdings" panose="05000000000000000000" pitchFamily="2" charset="2"/>
+              </a:rPr>
+              <a:t>)</a:t>
+            </a:r>
+          </a:p>
+          <a:p>
+            <a:endParaRPr lang="cs-CZ" dirty="0">
+              <a:sym typeface="Wingdings" panose="05000000000000000000" pitchFamily="2" charset="2"/>
+            </a:endParaRPr>
+          </a:p>
+          <a:p>
+            <a:r>
+              <a:rPr lang="cs-CZ" dirty="0">
+                <a:sym typeface="Wingdings" panose="05000000000000000000" pitchFamily="2" charset="2"/>
+              </a:rPr>
+              <a:t>Řešení</a:t>
+            </a:r>
+          </a:p>
+          <a:p>
+            <a:pPr lvl="1"/>
+            <a:r>
+              <a:rPr lang="cs-CZ" dirty="0">
+                <a:sym typeface="Wingdings" panose="05000000000000000000" pitchFamily="2" charset="2"/>
+              </a:rPr>
+              <a:t>AOT - kompilace</a:t>
+            </a:r>
+          </a:p>
+          <a:p>
+            <a:pPr lvl="1"/>
+            <a:r>
+              <a:rPr lang="cs-CZ" dirty="0">
+                <a:sym typeface="Wingdings" panose="05000000000000000000" pitchFamily="2" charset="2"/>
+              </a:rPr>
+              <a:t>jen v </a:t>
+            </a:r>
+            <a:r>
+              <a:rPr lang="cs-CZ" dirty="0" err="1">
+                <a:sym typeface="Wingdings" panose="05000000000000000000" pitchFamily="2" charset="2"/>
+              </a:rPr>
+              <a:t>publish</a:t>
+            </a:r>
+            <a:endParaRPr lang="cs-CZ" dirty="0">
+              <a:sym typeface="Wingdings" panose="05000000000000000000" pitchFamily="2" charset="2"/>
+            </a:endParaRPr>
+          </a:p>
+          <a:p>
+            <a:pPr lvl="1"/>
+            <a:r>
+              <a:rPr lang="cs-CZ" dirty="0">
+                <a:sym typeface="Wingdings" panose="05000000000000000000" pitchFamily="2" charset="2"/>
+              </a:rPr>
+              <a:t>zvýšení velikosti „dll“</a:t>
+            </a:r>
+          </a:p>
+          <a:p>
+            <a:pPr lvl="1"/>
+            <a:r>
+              <a:rPr lang="cs-CZ" dirty="0" err="1">
+                <a:sym typeface="Wingdings" panose="05000000000000000000" pitchFamily="2" charset="2"/>
+              </a:rPr>
+              <a:t>assembly</a:t>
+            </a:r>
+            <a:r>
+              <a:rPr lang="cs-CZ" dirty="0">
+                <a:sym typeface="Wingdings" panose="05000000000000000000" pitchFamily="2" charset="2"/>
+              </a:rPr>
+              <a:t> zůstává (reflexe, atp.)</a:t>
+            </a:r>
+          </a:p>
+          <a:p>
+            <a:pPr lvl="1"/>
+            <a:endParaRPr lang="cs-CZ" dirty="0">
+              <a:sym typeface="Wingdings" panose="05000000000000000000" pitchFamily="2" charset="2"/>
+            </a:endParaRPr>
+          </a:p>
+          <a:p>
+            <a:pPr lvl="1"/>
+            <a:endParaRPr lang="cs-CZ" dirty="0"/>
+          </a:p>
+        </p:txBody>
+      </p:sp>
+    </p:spTree>
+    <p:extLst>
+      <p:ext uri="{BB962C8B-B14F-4D97-AF65-F5344CB8AC3E}">
+        <p14:creationId xmlns:p14="http://schemas.microsoft.com/office/powerpoint/2010/main" val="1354896116"/>
+      </p:ext>
+    </p:extLst>
+  </p:cSld>
+  <p:clrMapOvr>
+    <a:masterClrMapping/>
+  </p:clrMapOvr>
+  <mc:AlternateContent xmlns:mc="http://schemas.openxmlformats.org/markup-compatibility/2006">
+    <mc:Choice xmlns:p14="http://schemas.microsoft.com/office/powerpoint/2010/main" Requires="p14">
+      <p:transition p14:dur="0"/>
+    </mc:Choice>
+    <mc:Fallback>
+      <p:transition/>
+    </mc:Fallback>
+  </mc:AlternateContent>
+</p:sld>
+</file>
+
+<file path=ppt/slides/slide23.xml><?xml version="1.0" encoding="utf-8"?>
+<p:sld xmlns:a="http://schemas.openxmlformats.org/drawingml/2006/main" xmlns:r="http://schemas.openxmlformats.org/officeDocument/2006/relationships" xmlns:p="http://schemas.openxmlformats.org/presentationml/2006/main">
+  <p:cSld>
+    <p:spTree>
+      <p:nvGrpSpPr>
+        <p:cNvPr id="1" name="">
+          <a:extLst>
+            <a:ext uri="{FF2B5EF4-FFF2-40B4-BE49-F238E27FC236}">
+              <a16:creationId xmlns:a16="http://schemas.microsoft.com/office/drawing/2014/main" id="{CE2C3FBE-B3BC-ED04-6C74-96FF06243BD7}"/>
+            </a:ext>
+          </a:extLst>
+        </p:cNvPr>
+        <p:cNvGrpSpPr/>
+        <p:nvPr/>
+      </p:nvGrpSpPr>
+      <p:grpSpPr>
+        <a:xfrm>
+          <a:off x="0" y="0"/>
+          <a:ext cx="0" cy="0"/>
+          <a:chOff x="0" y="0"/>
+          <a:chExt cx="0" cy="0"/>
+        </a:xfrm>
+      </p:grpSpPr>
+      <p:sp>
+        <p:nvSpPr>
+          <p:cNvPr id="2" name="Title 1">
+            <a:extLst>
+              <a:ext uri="{FF2B5EF4-FFF2-40B4-BE49-F238E27FC236}">
+                <a16:creationId xmlns:a16="http://schemas.microsoft.com/office/drawing/2014/main" id="{5C894599-E61F-57B9-A49D-9CDA9509DE11}"/>
+              </a:ext>
+            </a:extLst>
+          </p:cNvPr>
+          <p:cNvSpPr>
+            <a:spLocks noGrp="1"/>
+          </p:cNvSpPr>
+          <p:nvPr>
+            <p:ph type="title"/>
+          </p:nvPr>
+        </p:nvSpPr>
+        <p:spPr/>
+        <p:txBody>
+          <a:bodyPr/>
+          <a:lstStyle/>
+          <a:p>
+            <a:r>
+              <a:rPr lang="cs-CZ" dirty="0" err="1"/>
+              <a:t>Prerendering</a:t>
+            </a:r>
+            <a:endParaRPr lang="cs-CZ" dirty="0"/>
+          </a:p>
+        </p:txBody>
+      </p:sp>
+      <p:sp>
+        <p:nvSpPr>
+          <p:cNvPr id="3" name="Content Placeholder 2">
+            <a:extLst>
+              <a:ext uri="{FF2B5EF4-FFF2-40B4-BE49-F238E27FC236}">
+                <a16:creationId xmlns:a16="http://schemas.microsoft.com/office/drawing/2014/main" id="{EB309A7E-5C22-8048-9400-5B774695D764}"/>
+              </a:ext>
+            </a:extLst>
+          </p:cNvPr>
+          <p:cNvSpPr>
+            <a:spLocks noGrp="1"/>
+          </p:cNvSpPr>
+          <p:nvPr>
+            <p:ph idx="1"/>
+          </p:nvPr>
+        </p:nvSpPr>
+        <p:spPr/>
+        <p:txBody>
+          <a:bodyPr/>
+          <a:lstStyle/>
+          <a:p>
+            <a:r>
+              <a:rPr lang="cs-CZ" dirty="0"/>
+              <a:t>Situace</a:t>
+            </a:r>
+          </a:p>
+          <a:p>
+            <a:pPr lvl="1"/>
+            <a:r>
+              <a:rPr lang="cs-CZ" dirty="0">
+                <a:sym typeface="Wingdings" panose="05000000000000000000" pitchFamily="2" charset="2"/>
+              </a:rPr>
+              <a:t>Browser dostává html/</a:t>
+            </a:r>
+            <a:r>
+              <a:rPr lang="cs-CZ" dirty="0" err="1">
+                <a:sym typeface="Wingdings" panose="05000000000000000000" pitchFamily="2" charset="2"/>
+              </a:rPr>
+              <a:t>js</a:t>
+            </a:r>
+            <a:r>
+              <a:rPr lang="cs-CZ" dirty="0">
+                <a:sym typeface="Wingdings" panose="05000000000000000000" pitchFamily="2" charset="2"/>
+              </a:rPr>
+              <a:t> „</a:t>
+            </a:r>
+            <a:r>
+              <a:rPr lang="cs-CZ" dirty="0" err="1">
+                <a:sym typeface="Wingdings" panose="05000000000000000000" pitchFamily="2" charset="2"/>
+              </a:rPr>
+              <a:t>bootstrap</a:t>
+            </a:r>
+            <a:r>
+              <a:rPr lang="cs-CZ" dirty="0">
+                <a:sym typeface="Wingdings" panose="05000000000000000000" pitchFamily="2" charset="2"/>
+              </a:rPr>
+              <a:t> </a:t>
+            </a:r>
+            <a:r>
+              <a:rPr lang="cs-CZ" dirty="0" err="1">
+                <a:sym typeface="Wingdings" panose="05000000000000000000" pitchFamily="2" charset="2"/>
+              </a:rPr>
+              <a:t>blazor</a:t>
+            </a:r>
+            <a:r>
+              <a:rPr lang="cs-CZ" dirty="0">
+                <a:sym typeface="Wingdings" panose="05000000000000000000" pitchFamily="2" charset="2"/>
+              </a:rPr>
+              <a:t> aplikace“</a:t>
+            </a:r>
+          </a:p>
+          <a:p>
+            <a:pPr lvl="1"/>
+            <a:r>
+              <a:rPr lang="cs-CZ" dirty="0">
+                <a:sym typeface="Wingdings" panose="05000000000000000000" pitchFamily="2" charset="2"/>
+              </a:rPr>
+              <a:t>A co vyhledávači? Google, Seznam.cz, …</a:t>
+            </a:r>
+          </a:p>
+          <a:p>
+            <a:endParaRPr lang="cs-CZ" dirty="0">
+              <a:sym typeface="Wingdings" panose="05000000000000000000" pitchFamily="2" charset="2"/>
+            </a:endParaRPr>
+          </a:p>
+          <a:p>
+            <a:r>
+              <a:rPr lang="cs-CZ" dirty="0">
+                <a:sym typeface="Wingdings" panose="05000000000000000000" pitchFamily="2" charset="2"/>
+              </a:rPr>
+              <a:t>Řešení</a:t>
+            </a:r>
+          </a:p>
+          <a:p>
+            <a:pPr lvl="1"/>
+            <a:r>
+              <a:rPr lang="cs-CZ" dirty="0" err="1">
+                <a:sym typeface="Wingdings" panose="05000000000000000000" pitchFamily="2" charset="2"/>
+              </a:rPr>
+              <a:t>Prerendering</a:t>
+            </a:r>
+            <a:endParaRPr lang="cs-CZ" dirty="0">
+              <a:sym typeface="Wingdings" panose="05000000000000000000" pitchFamily="2" charset="2"/>
+            </a:endParaRPr>
+          </a:p>
+          <a:p>
+            <a:pPr lvl="1"/>
+            <a:r>
+              <a:rPr lang="cs-CZ" dirty="0">
+                <a:sym typeface="Wingdings" panose="05000000000000000000" pitchFamily="2" charset="2"/>
+              </a:rPr>
+              <a:t>Ze serveru jde html s obsahem  startuje </a:t>
+            </a:r>
+            <a:r>
+              <a:rPr lang="cs-CZ" dirty="0" err="1">
+                <a:sym typeface="Wingdings" panose="05000000000000000000" pitchFamily="2" charset="2"/>
+              </a:rPr>
+              <a:t>blazor</a:t>
+            </a:r>
+            <a:r>
+              <a:rPr lang="cs-CZ" dirty="0">
+                <a:sym typeface="Wingdings" panose="05000000000000000000" pitchFamily="2" charset="2"/>
+              </a:rPr>
+              <a:t>  aktualizuje se html</a:t>
+            </a:r>
+          </a:p>
+          <a:p>
+            <a:pPr lvl="1"/>
+            <a:r>
+              <a:rPr lang="cs-CZ" dirty="0" err="1">
+                <a:sym typeface="Wingdings" panose="05000000000000000000" pitchFamily="2" charset="2"/>
+              </a:rPr>
+              <a:t>Prender</a:t>
+            </a:r>
+            <a:r>
+              <a:rPr lang="cs-CZ" dirty="0">
+                <a:sym typeface="Wingdings" panose="05000000000000000000" pitchFamily="2" charset="2"/>
+              </a:rPr>
+              <a:t> </a:t>
+            </a:r>
+            <a:r>
+              <a:rPr lang="cs-CZ" dirty="0" err="1">
+                <a:sym typeface="Wingdings" panose="05000000000000000000" pitchFamily="2" charset="2"/>
+              </a:rPr>
+              <a:t>state</a:t>
+            </a:r>
+            <a:r>
+              <a:rPr lang="cs-CZ" dirty="0">
+                <a:sym typeface="Wingdings" panose="05000000000000000000" pitchFamily="2" charset="2"/>
+              </a:rPr>
+              <a:t> persistence</a:t>
+            </a:r>
+          </a:p>
+          <a:p>
+            <a:pPr lvl="1"/>
+            <a:r>
+              <a:rPr lang="cs-CZ" dirty="0">
+                <a:sym typeface="Wingdings" panose="05000000000000000000" pitchFamily="2" charset="2"/>
+              </a:rPr>
+              <a:t>DI lifestyle!!!</a:t>
+            </a:r>
+          </a:p>
+          <a:p>
+            <a:pPr lvl="1"/>
+            <a:endParaRPr lang="cs-CZ" dirty="0"/>
+          </a:p>
+        </p:txBody>
+      </p:sp>
+    </p:spTree>
+    <p:extLst>
+      <p:ext uri="{BB962C8B-B14F-4D97-AF65-F5344CB8AC3E}">
+        <p14:creationId xmlns:p14="http://schemas.microsoft.com/office/powerpoint/2010/main" val="2883735709"/>
+      </p:ext>
+    </p:extLst>
+  </p:cSld>
+  <p:clrMapOvr>
+    <a:masterClrMapping/>
+  </p:clrMapOvr>
+  <mc:AlternateContent xmlns:mc="http://schemas.openxmlformats.org/markup-compatibility/2006">
+    <mc:Choice xmlns:p14="http://schemas.microsoft.com/office/powerpoint/2010/main" Requires="p14">
+      <p:transition p14:dur="0"/>
+    </mc:Choice>
+    <mc:Fallback>
+      <p:transition/>
     </mc:Fallback>
   </mc:AlternateContent>
 </p:sld>
@@ -8000,11 +8627,11 @@
   <p:clrMapOvr>
     <a:masterClrMapping/>
   </p:clrMapOvr>
-  <mc:AlternateContent xmlns:mc="http://schemas.openxmlformats.org/markup-compatibility/2006" xmlns:p14="http://schemas.microsoft.com/office/powerpoint/2010/main">
-    <mc:Choice Requires="p14">
+  <mc:AlternateContent xmlns:mc="http://schemas.openxmlformats.org/markup-compatibility/2006">
+    <mc:Choice xmlns:p14="http://schemas.microsoft.com/office/powerpoint/2010/main" Requires="p14">
       <p:transition p14:dur="0"/>
     </mc:Choice>
-    <mc:Fallback xmlns="">
+    <mc:Fallback>
       <p:transition/>
     </mc:Fallback>
   </mc:AlternateContent>
@@ -8240,11 +8867,11 @@
   <p:clrMapOvr>
     <a:masterClrMapping/>
   </p:clrMapOvr>
-  <mc:AlternateContent xmlns:mc="http://schemas.openxmlformats.org/markup-compatibility/2006" xmlns:p14="http://schemas.microsoft.com/office/powerpoint/2010/main">
-    <mc:Choice Requires="p14">
+  <mc:AlternateContent xmlns:mc="http://schemas.openxmlformats.org/markup-compatibility/2006">
+    <mc:Choice xmlns:p14="http://schemas.microsoft.com/office/powerpoint/2010/main" Requires="p14">
       <p:transition p14:dur="0"/>
     </mc:Choice>
-    <mc:Fallback xmlns="">
+    <mc:Fallback>
       <p:transition/>
     </mc:Fallback>
   </mc:AlternateContent>
@@ -8424,11 +9051,11 @@
   <p:clrMapOvr>
     <a:masterClrMapping/>
   </p:clrMapOvr>
-  <mc:AlternateContent xmlns:mc="http://schemas.openxmlformats.org/markup-compatibility/2006" xmlns:p14="http://schemas.microsoft.com/office/powerpoint/2010/main">
-    <mc:Choice Requires="p14">
+  <mc:AlternateContent xmlns:mc="http://schemas.openxmlformats.org/markup-compatibility/2006">
+    <mc:Choice xmlns:p14="http://schemas.microsoft.com/office/powerpoint/2010/main" Requires="p14">
       <p:transition p14:dur="0"/>
     </mc:Choice>
-    <mc:Fallback xmlns="">
+    <mc:Fallback>
       <p:transition/>
     </mc:Fallback>
   </mc:AlternateContent>
@@ -8491,16 +9118,12 @@
   <p:clrMapOvr>
     <a:masterClrMapping/>
   </p:clrMapOvr>
-  <mc:AlternateContent xmlns:mc="http://schemas.openxmlformats.org/markup-compatibility/2006" xmlns:p14="http://schemas.microsoft.com/office/powerpoint/2010/main">
-    <mc:Choice Requires="p14">
-      <p:transition spd="med" p14:dur="700">
-        <p:fade/>
-      </p:transition>
+  <mc:AlternateContent xmlns:mc="http://schemas.openxmlformats.org/markup-compatibility/2006">
+    <mc:Choice xmlns:p14="http://schemas.microsoft.com/office/powerpoint/2010/main" Requires="p14">
+      <p:transition p14:dur="0"/>
     </mc:Choice>
-    <mc:Fallback xmlns="">
-      <p:transition spd="med">
-        <p:fade/>
-      </p:transition>
+    <mc:Fallback>
+      <p:transition/>
     </mc:Fallback>
   </mc:AlternateContent>
 </p:sld>
@@ -8684,11 +9307,11 @@
   <p:clrMapOvr>
     <a:masterClrMapping/>
   </p:clrMapOvr>
-  <mc:AlternateContent xmlns:mc="http://schemas.openxmlformats.org/markup-compatibility/2006" xmlns:p14="http://schemas.microsoft.com/office/powerpoint/2010/main">
-    <mc:Choice Requires="p14">
+  <mc:AlternateContent xmlns:mc="http://schemas.openxmlformats.org/markup-compatibility/2006">
+    <mc:Choice xmlns:p14="http://schemas.microsoft.com/office/powerpoint/2010/main" Requires="p14">
       <p:transition p14:dur="0"/>
     </mc:Choice>
-    <mc:Fallback xmlns="">
+    <mc:Fallback>
       <p:transition/>
     </mc:Fallback>
   </mc:AlternateContent>
@@ -8956,11 +9579,11 @@
   <p:clrMapOvr>
     <a:masterClrMapping/>
   </p:clrMapOvr>
-  <mc:AlternateContent xmlns:mc="http://schemas.openxmlformats.org/markup-compatibility/2006" xmlns:p14="http://schemas.microsoft.com/office/powerpoint/2010/main">
-    <mc:Choice Requires="p14">
+  <mc:AlternateContent xmlns:mc="http://schemas.openxmlformats.org/markup-compatibility/2006">
+    <mc:Choice xmlns:p14="http://schemas.microsoft.com/office/powerpoint/2010/main" Requires="p14">
       <p:transition p14:dur="0"/>
     </mc:Choice>
-    <mc:Fallback xmlns="">
+    <mc:Fallback>
       <p:transition/>
     </mc:Fallback>
   </mc:AlternateContent>
@@ -9116,11 +9739,11 @@
   <p:clrMapOvr>
     <a:masterClrMapping/>
   </p:clrMapOvr>
-  <mc:AlternateContent xmlns:mc="http://schemas.openxmlformats.org/markup-compatibility/2006" xmlns:p14="http://schemas.microsoft.com/office/powerpoint/2010/main">
-    <mc:Choice Requires="p14">
+  <mc:AlternateContent xmlns:mc="http://schemas.openxmlformats.org/markup-compatibility/2006">
+    <mc:Choice xmlns:p14="http://schemas.microsoft.com/office/powerpoint/2010/main" Requires="p14">
       <p:transition p14:dur="0"/>
     </mc:Choice>
-    <mc:Fallback xmlns="">
+    <mc:Fallback>
       <p:transition/>
     </mc:Fallback>
   </mc:AlternateContent>
